--- a/eduardo-florence-meetup-angular-rio-lazy-loading.pptx
+++ b/eduardo-florence-meetup-angular-rio-lazy-loading.pptx
@@ -15,8 +15,23 @@
     <p:sldId id="331" r:id="rId9"/>
     <p:sldId id="332" r:id="rId10"/>
     <p:sldId id="329" r:id="rId11"/>
-    <p:sldId id="327" r:id="rId12"/>
-    <p:sldId id="305" r:id="rId13"/>
+    <p:sldId id="335" r:id="rId12"/>
+    <p:sldId id="334" r:id="rId13"/>
+    <p:sldId id="336" r:id="rId14"/>
+    <p:sldId id="337" r:id="rId15"/>
+    <p:sldId id="338" r:id="rId16"/>
+    <p:sldId id="339" r:id="rId17"/>
+    <p:sldId id="340" r:id="rId18"/>
+    <p:sldId id="341" r:id="rId19"/>
+    <p:sldId id="342" r:id="rId20"/>
+    <p:sldId id="348" r:id="rId21"/>
+    <p:sldId id="343" r:id="rId22"/>
+    <p:sldId id="344" r:id="rId23"/>
+    <p:sldId id="345" r:id="rId24"/>
+    <p:sldId id="346" r:id="rId25"/>
+    <p:sldId id="347" r:id="rId26"/>
+    <p:sldId id="327" r:id="rId27"/>
+    <p:sldId id="305" r:id="rId28"/>
   </p:sldIdLst>
   <p:sldSz cx="12192000" cy="6858000"/>
   <p:notesSz cx="6858000" cy="9144000"/>
@@ -7018,6 +7033,6038 @@
       </p:grpSpPr>
       <p:sp>
         <p:nvSpPr>
+          <p:cNvPr id="2" name="Título 1">
+            <a:extLst>
+              <a:ext uri="{FF2B5EF4-FFF2-40B4-BE49-F238E27FC236}">
+                <a16:creationId xmlns:a16="http://schemas.microsoft.com/office/drawing/2014/main" id="{ED448420-46FF-4068-B1E6-BF74E00AC2F0}"/>
+              </a:ext>
+            </a:extLst>
+          </p:cNvPr>
+          <p:cNvSpPr>
+            <a:spLocks noGrp="1"/>
+          </p:cNvSpPr>
+          <p:nvPr>
+            <p:ph type="title"/>
+          </p:nvPr>
+        </p:nvSpPr>
+        <p:spPr/>
+        <p:txBody>
+          <a:bodyPr/>
+          <a:lstStyle/>
+          <a:p>
+            <a:r>
+              <a:rPr lang="pt-BR" dirty="0"/>
+              <a:t>Carregamento Diferencial</a:t>
+            </a:r>
+          </a:p>
+        </p:txBody>
+      </p:sp>
+      <p:pic>
+        <p:nvPicPr>
+          <p:cNvPr id="4" name="Imagem 3">
+            <a:extLst>
+              <a:ext uri="{FF2B5EF4-FFF2-40B4-BE49-F238E27FC236}">
+                <a16:creationId xmlns:a16="http://schemas.microsoft.com/office/drawing/2014/main" id="{1C611258-1392-4C11-BD76-05170A389C92}"/>
+              </a:ext>
+            </a:extLst>
+          </p:cNvPr>
+          <p:cNvPicPr>
+            <a:picLocks noChangeAspect="1"/>
+          </p:cNvPicPr>
+          <p:nvPr/>
+        </p:nvPicPr>
+        <p:blipFill>
+          <a:blip r:embed="rId2"/>
+          <a:stretch>
+            <a:fillRect/>
+          </a:stretch>
+        </p:blipFill>
+        <p:spPr>
+          <a:xfrm>
+            <a:off x="1283017" y="1882486"/>
+            <a:ext cx="9686925" cy="4381500"/>
+          </a:xfrm>
+          <a:prstGeom prst="rect">
+            <a:avLst/>
+          </a:prstGeom>
+        </p:spPr>
+      </p:pic>
+      <p:cxnSp>
+        <p:nvCxnSpPr>
+          <p:cNvPr id="7" name="Conector de Seta Reta 6">
+            <a:extLst>
+              <a:ext uri="{FF2B5EF4-FFF2-40B4-BE49-F238E27FC236}">
+                <a16:creationId xmlns:a16="http://schemas.microsoft.com/office/drawing/2014/main" id="{9AC1369B-5243-4C45-AD03-8021B21BCD94}"/>
+              </a:ext>
+            </a:extLst>
+          </p:cNvPr>
+          <p:cNvCxnSpPr/>
+          <p:nvPr/>
+        </p:nvCxnSpPr>
+        <p:spPr>
+          <a:xfrm>
+            <a:off x="687897" y="2927758"/>
+            <a:ext cx="511729" cy="0"/>
+          </a:xfrm>
+          <a:prstGeom prst="straightConnector1">
+            <a:avLst/>
+          </a:prstGeom>
+          <a:ln>
+            <a:solidFill>
+              <a:srgbClr val="FF0000"/>
+            </a:solidFill>
+            <a:tailEnd type="triangle"/>
+          </a:ln>
+        </p:spPr>
+        <p:style>
+          <a:lnRef idx="1">
+            <a:schemeClr val="accent1"/>
+          </a:lnRef>
+          <a:fillRef idx="0">
+            <a:schemeClr val="accent1"/>
+          </a:fillRef>
+          <a:effectRef idx="0">
+            <a:schemeClr val="accent1"/>
+          </a:effectRef>
+          <a:fontRef idx="minor">
+            <a:schemeClr val="tx1"/>
+          </a:fontRef>
+        </p:style>
+      </p:cxnSp>
+      <p:cxnSp>
+        <p:nvCxnSpPr>
+          <p:cNvPr id="10" name="Conector de Seta Reta 9">
+            <a:extLst>
+              <a:ext uri="{FF2B5EF4-FFF2-40B4-BE49-F238E27FC236}">
+                <a16:creationId xmlns:a16="http://schemas.microsoft.com/office/drawing/2014/main" id="{80253ACC-3C12-4A00-B8A3-EF3B3AB7C98E}"/>
+              </a:ext>
+            </a:extLst>
+          </p:cNvPr>
+          <p:cNvCxnSpPr/>
+          <p:nvPr/>
+        </p:nvCxnSpPr>
+        <p:spPr>
+          <a:xfrm>
+            <a:off x="687897" y="3231159"/>
+            <a:ext cx="511729" cy="0"/>
+          </a:xfrm>
+          <a:prstGeom prst="straightConnector1">
+            <a:avLst/>
+          </a:prstGeom>
+          <a:ln>
+            <a:solidFill>
+              <a:srgbClr val="FF0000"/>
+            </a:solidFill>
+            <a:tailEnd type="triangle"/>
+          </a:ln>
+        </p:spPr>
+        <p:style>
+          <a:lnRef idx="1">
+            <a:schemeClr val="accent1"/>
+          </a:lnRef>
+          <a:fillRef idx="0">
+            <a:schemeClr val="accent1"/>
+          </a:fillRef>
+          <a:effectRef idx="0">
+            <a:schemeClr val="accent1"/>
+          </a:effectRef>
+          <a:fontRef idx="minor">
+            <a:schemeClr val="tx1"/>
+          </a:fontRef>
+        </p:style>
+      </p:cxnSp>
+    </p:spTree>
+    <p:extLst>
+      <p:ext uri="{BB962C8B-B14F-4D97-AF65-F5344CB8AC3E}">
+        <p14:creationId xmlns:p14="http://schemas.microsoft.com/office/powerpoint/2010/main" val="313807730"/>
+      </p:ext>
+    </p:extLst>
+  </p:cSld>
+  <p:clrMapOvr>
+    <a:masterClrMapping/>
+  </p:clrMapOvr>
+</p:sld>
+</file>
+
+<file path=ppt/slides/slide11.xml><?xml version="1.0" encoding="utf-8"?>
+<p:sld xmlns:a="http://schemas.openxmlformats.org/drawingml/2006/main" xmlns:r="http://schemas.openxmlformats.org/officeDocument/2006/relationships" xmlns:p="http://schemas.openxmlformats.org/presentationml/2006/main">
+  <p:cSld>
+    <p:spTree>
+      <p:nvGrpSpPr>
+        <p:cNvPr id="1" name=""/>
+        <p:cNvGrpSpPr/>
+        <p:nvPr/>
+      </p:nvGrpSpPr>
+      <p:grpSpPr>
+        <a:xfrm>
+          <a:off x="0" y="0"/>
+          <a:ext cx="0" cy="0"/>
+          <a:chOff x="0" y="0"/>
+          <a:chExt cx="0" cy="0"/>
+        </a:xfrm>
+      </p:grpSpPr>
+      <p:sp>
+        <p:nvSpPr>
+          <p:cNvPr id="2" name="Título 1">
+            <a:extLst>
+              <a:ext uri="{FF2B5EF4-FFF2-40B4-BE49-F238E27FC236}">
+                <a16:creationId xmlns:a16="http://schemas.microsoft.com/office/drawing/2014/main" id="{2803188B-252D-430D-95B5-2E9ABC5D9BF2}"/>
+              </a:ext>
+            </a:extLst>
+          </p:cNvPr>
+          <p:cNvSpPr>
+            <a:spLocks noGrp="1"/>
+          </p:cNvSpPr>
+          <p:nvPr>
+            <p:ph type="title"/>
+          </p:nvPr>
+        </p:nvSpPr>
+        <p:spPr/>
+        <p:txBody>
+          <a:bodyPr/>
+          <a:lstStyle/>
+          <a:p>
+            <a:r>
+              <a:rPr lang="pt-BR" dirty="0"/>
+              <a:t>Outro problema</a:t>
+            </a:r>
+          </a:p>
+        </p:txBody>
+      </p:sp>
+      <p:sp>
+        <p:nvSpPr>
+          <p:cNvPr id="3" name="Espaço Reservado para Conteúdo 2">
+            <a:extLst>
+              <a:ext uri="{FF2B5EF4-FFF2-40B4-BE49-F238E27FC236}">
+                <a16:creationId xmlns:a16="http://schemas.microsoft.com/office/drawing/2014/main" id="{D8731A63-D774-41B0-9E7C-8DEEAF71BFBD}"/>
+              </a:ext>
+            </a:extLst>
+          </p:cNvPr>
+          <p:cNvSpPr>
+            <a:spLocks noGrp="1"/>
+          </p:cNvSpPr>
+          <p:nvPr>
+            <p:ph idx="1"/>
+          </p:nvPr>
+        </p:nvSpPr>
+        <p:spPr>
+          <a:xfrm>
+            <a:off x="3627120" y="2820876"/>
+            <a:ext cx="4998720" cy="1216248"/>
+          </a:xfrm>
+        </p:spPr>
+        <p:txBody>
+          <a:bodyPr>
+            <a:normAutofit/>
+          </a:bodyPr>
+          <a:lstStyle/>
+          <a:p>
+            <a:r>
+              <a:rPr lang="pt-BR" sz="3200" dirty="0"/>
+              <a:t>Carga inicial lenta ao acessar </a:t>
+            </a:r>
+          </a:p>
+          <a:p>
+            <a:r>
+              <a:rPr lang="pt-BR" sz="3200" dirty="0"/>
+              <a:t>um módulo na primeira vez</a:t>
+            </a:r>
+          </a:p>
+        </p:txBody>
+      </p:sp>
+    </p:spTree>
+    <p:extLst>
+      <p:ext uri="{BB962C8B-B14F-4D97-AF65-F5344CB8AC3E}">
+        <p14:creationId xmlns:p14="http://schemas.microsoft.com/office/powerpoint/2010/main" val="2194870142"/>
+      </p:ext>
+    </p:extLst>
+  </p:cSld>
+  <p:clrMapOvr>
+    <a:masterClrMapping/>
+  </p:clrMapOvr>
+</p:sld>
+</file>
+
+<file path=ppt/slides/slide12.xml><?xml version="1.0" encoding="utf-8"?>
+<p:sld xmlns:a="http://schemas.openxmlformats.org/drawingml/2006/main" xmlns:r="http://schemas.openxmlformats.org/officeDocument/2006/relationships" xmlns:p="http://schemas.openxmlformats.org/presentationml/2006/main">
+  <p:cSld>
+    <p:spTree>
+      <p:nvGrpSpPr>
+        <p:cNvPr id="1" name=""/>
+        <p:cNvGrpSpPr/>
+        <p:nvPr/>
+      </p:nvGrpSpPr>
+      <p:grpSpPr>
+        <a:xfrm>
+          <a:off x="0" y="0"/>
+          <a:ext cx="0" cy="0"/>
+          <a:chOff x="0" y="0"/>
+          <a:chExt cx="0" cy="0"/>
+        </a:xfrm>
+      </p:grpSpPr>
+      <p:sp>
+        <p:nvSpPr>
+          <p:cNvPr id="2" name="Título 1">
+            <a:extLst>
+              <a:ext uri="{FF2B5EF4-FFF2-40B4-BE49-F238E27FC236}">
+                <a16:creationId xmlns:a16="http://schemas.microsoft.com/office/drawing/2014/main" id="{2803188B-252D-430D-95B5-2E9ABC5D9BF2}"/>
+              </a:ext>
+            </a:extLst>
+          </p:cNvPr>
+          <p:cNvSpPr>
+            <a:spLocks noGrp="1"/>
+          </p:cNvSpPr>
+          <p:nvPr>
+            <p:ph type="title"/>
+          </p:nvPr>
+        </p:nvSpPr>
+        <p:spPr/>
+        <p:txBody>
+          <a:bodyPr/>
+          <a:lstStyle/>
+          <a:p>
+            <a:r>
+              <a:rPr lang="pt-BR" dirty="0"/>
+              <a:t>Solução</a:t>
+            </a:r>
+          </a:p>
+        </p:txBody>
+      </p:sp>
+      <p:sp>
+        <p:nvSpPr>
+          <p:cNvPr id="3" name="Espaço Reservado para Conteúdo 2">
+            <a:extLst>
+              <a:ext uri="{FF2B5EF4-FFF2-40B4-BE49-F238E27FC236}">
+                <a16:creationId xmlns:a16="http://schemas.microsoft.com/office/drawing/2014/main" id="{D8731A63-D774-41B0-9E7C-8DEEAF71BFBD}"/>
+              </a:ext>
+            </a:extLst>
+          </p:cNvPr>
+          <p:cNvSpPr>
+            <a:spLocks noGrp="1"/>
+          </p:cNvSpPr>
+          <p:nvPr>
+            <p:ph idx="1"/>
+          </p:nvPr>
+        </p:nvSpPr>
+        <p:spPr>
+          <a:xfrm>
+            <a:off x="698841" y="1845734"/>
+            <a:ext cx="10991741" cy="4023360"/>
+          </a:xfrm>
+        </p:spPr>
+        <p:txBody>
+          <a:bodyPr>
+            <a:normAutofit/>
+          </a:bodyPr>
+          <a:lstStyle/>
+          <a:p>
+            <a:pPr marL="0" indent="0">
+              <a:buNone/>
+            </a:pPr>
+            <a:r>
+              <a:rPr lang="pt-BR" sz="2400" dirty="0"/>
+              <a:t>Carregamento postergado em segundo plano, utilizando estratégia de </a:t>
+            </a:r>
+            <a:r>
+              <a:rPr lang="pt-BR" sz="2400" dirty="0" err="1"/>
+              <a:t>pré-carregamento</a:t>
+            </a:r>
+            <a:endParaRPr lang="pt-BR" sz="2400" dirty="0"/>
+          </a:p>
+          <a:p>
+            <a:endParaRPr lang="pt-BR" sz="2400" dirty="0"/>
+          </a:p>
+        </p:txBody>
+      </p:sp>
+      <p:sp>
+        <p:nvSpPr>
+          <p:cNvPr id="6" name="CaixaDeTexto 5">
+            <a:extLst>
+              <a:ext uri="{FF2B5EF4-FFF2-40B4-BE49-F238E27FC236}">
+                <a16:creationId xmlns:a16="http://schemas.microsoft.com/office/drawing/2014/main" id="{E335BDDD-A5D1-4ABD-BA01-37F4C5A06F5C}"/>
+              </a:ext>
+            </a:extLst>
+          </p:cNvPr>
+          <p:cNvSpPr txBox="1"/>
+          <p:nvPr/>
+        </p:nvSpPr>
+        <p:spPr>
+          <a:xfrm>
+            <a:off x="845124" y="2421936"/>
+            <a:ext cx="10699173" cy="3754874"/>
+          </a:xfrm>
+          <a:prstGeom prst="rect">
+            <a:avLst/>
+          </a:prstGeom>
+          <a:solidFill>
+            <a:schemeClr val="bg1">
+              <a:lumMod val="95000"/>
+            </a:schemeClr>
+          </a:solidFill>
+        </p:spPr>
+        <p:txBody>
+          <a:bodyPr wrap="square" rtlCol="0">
+            <a:spAutoFit/>
+          </a:bodyPr>
+          <a:lstStyle/>
+          <a:p>
+            <a:r>
+              <a:rPr lang="pt-BR" sz="1400" dirty="0" err="1">
+                <a:latin typeface="Courier New" panose="02070309020205020404" pitchFamily="49" charset="0"/>
+                <a:cs typeface="Courier New" panose="02070309020205020404" pitchFamily="49" charset="0"/>
+              </a:rPr>
+              <a:t>import</a:t>
+            </a:r>
+            <a:r>
+              <a:rPr lang="pt-BR" sz="1400" dirty="0">
+                <a:latin typeface="Courier New" panose="02070309020205020404" pitchFamily="49" charset="0"/>
+                <a:cs typeface="Courier New" panose="02070309020205020404" pitchFamily="49" charset="0"/>
+              </a:rPr>
+              <a:t> { </a:t>
+            </a:r>
+            <a:r>
+              <a:rPr lang="pt-BR" sz="1400" dirty="0" err="1">
+                <a:latin typeface="Courier New" panose="02070309020205020404" pitchFamily="49" charset="0"/>
+                <a:cs typeface="Courier New" panose="02070309020205020404" pitchFamily="49" charset="0"/>
+              </a:rPr>
+              <a:t>NgModule</a:t>
+            </a:r>
+            <a:r>
+              <a:rPr lang="pt-BR" sz="1400" dirty="0">
+                <a:latin typeface="Courier New" panose="02070309020205020404" pitchFamily="49" charset="0"/>
+                <a:cs typeface="Courier New" panose="02070309020205020404" pitchFamily="49" charset="0"/>
+              </a:rPr>
+              <a:t> } </a:t>
+            </a:r>
+            <a:r>
+              <a:rPr lang="pt-BR" sz="1400" dirty="0" err="1">
+                <a:latin typeface="Courier New" panose="02070309020205020404" pitchFamily="49" charset="0"/>
+                <a:cs typeface="Courier New" panose="02070309020205020404" pitchFamily="49" charset="0"/>
+              </a:rPr>
+              <a:t>from</a:t>
+            </a:r>
+            <a:r>
+              <a:rPr lang="pt-BR" sz="1400" dirty="0">
+                <a:latin typeface="Courier New" panose="02070309020205020404" pitchFamily="49" charset="0"/>
+                <a:cs typeface="Courier New" panose="02070309020205020404" pitchFamily="49" charset="0"/>
+              </a:rPr>
+              <a:t> '@angular/core';</a:t>
+            </a:r>
+          </a:p>
+          <a:p>
+            <a:r>
+              <a:rPr lang="pt-BR" sz="1400" dirty="0" err="1">
+                <a:latin typeface="Courier New" panose="02070309020205020404" pitchFamily="49" charset="0"/>
+                <a:cs typeface="Courier New" panose="02070309020205020404" pitchFamily="49" charset="0"/>
+              </a:rPr>
+              <a:t>import</a:t>
+            </a:r>
+            <a:r>
+              <a:rPr lang="pt-BR" sz="1400" dirty="0">
+                <a:latin typeface="Courier New" panose="02070309020205020404" pitchFamily="49" charset="0"/>
+                <a:cs typeface="Courier New" panose="02070309020205020404" pitchFamily="49" charset="0"/>
+              </a:rPr>
+              <a:t> { </a:t>
+            </a:r>
+            <a:r>
+              <a:rPr lang="pt-BR" sz="1400" dirty="0" err="1">
+                <a:latin typeface="Courier New" panose="02070309020205020404" pitchFamily="49" charset="0"/>
+                <a:cs typeface="Courier New" panose="02070309020205020404" pitchFamily="49" charset="0"/>
+              </a:rPr>
+              <a:t>Routes</a:t>
+            </a:r>
+            <a:r>
+              <a:rPr lang="pt-BR" sz="1400" dirty="0">
+                <a:latin typeface="Courier New" panose="02070309020205020404" pitchFamily="49" charset="0"/>
+                <a:cs typeface="Courier New" panose="02070309020205020404" pitchFamily="49" charset="0"/>
+              </a:rPr>
+              <a:t>, </a:t>
+            </a:r>
+            <a:r>
+              <a:rPr lang="pt-BR" sz="1400" dirty="0" err="1">
+                <a:latin typeface="Courier New" panose="02070309020205020404" pitchFamily="49" charset="0"/>
+                <a:cs typeface="Courier New" panose="02070309020205020404" pitchFamily="49" charset="0"/>
+              </a:rPr>
+              <a:t>RouterModule</a:t>
+            </a:r>
+            <a:r>
+              <a:rPr lang="pt-BR" sz="1400" b="1" dirty="0">
+                <a:latin typeface="Courier New" panose="02070309020205020404" pitchFamily="49" charset="0"/>
+                <a:cs typeface="Courier New" panose="02070309020205020404" pitchFamily="49" charset="0"/>
+              </a:rPr>
+              <a:t>, </a:t>
+            </a:r>
+            <a:r>
+              <a:rPr lang="pt-BR" sz="1400" b="1" dirty="0" err="1">
+                <a:latin typeface="Courier New" panose="02070309020205020404" pitchFamily="49" charset="0"/>
+                <a:cs typeface="Courier New" panose="02070309020205020404" pitchFamily="49" charset="0"/>
+              </a:rPr>
+              <a:t>PreloadAllModules</a:t>
+            </a:r>
+            <a:r>
+              <a:rPr lang="pt-BR" sz="1400" b="1" dirty="0">
+                <a:latin typeface="Courier New" panose="02070309020205020404" pitchFamily="49" charset="0"/>
+                <a:cs typeface="Courier New" panose="02070309020205020404" pitchFamily="49" charset="0"/>
+              </a:rPr>
+              <a:t> </a:t>
+            </a:r>
+            <a:r>
+              <a:rPr lang="pt-BR" sz="1400" dirty="0">
+                <a:latin typeface="Courier New" panose="02070309020205020404" pitchFamily="49" charset="0"/>
+                <a:cs typeface="Courier New" panose="02070309020205020404" pitchFamily="49" charset="0"/>
+              </a:rPr>
+              <a:t>} </a:t>
+            </a:r>
+            <a:r>
+              <a:rPr lang="pt-BR" sz="1400" dirty="0" err="1">
+                <a:latin typeface="Courier New" panose="02070309020205020404" pitchFamily="49" charset="0"/>
+                <a:cs typeface="Courier New" panose="02070309020205020404" pitchFamily="49" charset="0"/>
+              </a:rPr>
+              <a:t>from</a:t>
+            </a:r>
+            <a:r>
+              <a:rPr lang="pt-BR" sz="1400" dirty="0">
+                <a:latin typeface="Courier New" panose="02070309020205020404" pitchFamily="49" charset="0"/>
+                <a:cs typeface="Courier New" panose="02070309020205020404" pitchFamily="49" charset="0"/>
+              </a:rPr>
+              <a:t> '@angular/</a:t>
+            </a:r>
+            <a:r>
+              <a:rPr lang="pt-BR" sz="1400" dirty="0" err="1">
+                <a:latin typeface="Courier New" panose="02070309020205020404" pitchFamily="49" charset="0"/>
+                <a:cs typeface="Courier New" panose="02070309020205020404" pitchFamily="49" charset="0"/>
+              </a:rPr>
+              <a:t>router</a:t>
+            </a:r>
+            <a:r>
+              <a:rPr lang="pt-BR" sz="1400" dirty="0">
+                <a:latin typeface="Courier New" panose="02070309020205020404" pitchFamily="49" charset="0"/>
+                <a:cs typeface="Courier New" panose="02070309020205020404" pitchFamily="49" charset="0"/>
+              </a:rPr>
+              <a:t>';</a:t>
+            </a:r>
+          </a:p>
+          <a:p>
+            <a:r>
+              <a:rPr lang="pt-BR" sz="1400" dirty="0" err="1">
+                <a:latin typeface="Courier New" panose="02070309020205020404" pitchFamily="49" charset="0"/>
+                <a:cs typeface="Courier New" panose="02070309020205020404" pitchFamily="49" charset="0"/>
+              </a:rPr>
+              <a:t>import</a:t>
+            </a:r>
+            <a:r>
+              <a:rPr lang="pt-BR" sz="1400" dirty="0">
+                <a:latin typeface="Courier New" panose="02070309020205020404" pitchFamily="49" charset="0"/>
+                <a:cs typeface="Courier New" panose="02070309020205020404" pitchFamily="49" charset="0"/>
+              </a:rPr>
+              <a:t> { </a:t>
+            </a:r>
+            <a:r>
+              <a:rPr lang="pt-BR" sz="1400" dirty="0" err="1">
+                <a:latin typeface="Courier New" panose="02070309020205020404" pitchFamily="49" charset="0"/>
+                <a:cs typeface="Courier New" panose="02070309020205020404" pitchFamily="49" charset="0"/>
+              </a:rPr>
+              <a:t>DashboardComponent</a:t>
+            </a:r>
+            <a:r>
+              <a:rPr lang="pt-BR" sz="1400" dirty="0">
+                <a:latin typeface="Courier New" panose="02070309020205020404" pitchFamily="49" charset="0"/>
+                <a:cs typeface="Courier New" panose="02070309020205020404" pitchFamily="49" charset="0"/>
+              </a:rPr>
+              <a:t> } </a:t>
+            </a:r>
+            <a:r>
+              <a:rPr lang="pt-BR" sz="1400" dirty="0" err="1">
+                <a:latin typeface="Courier New" panose="02070309020205020404" pitchFamily="49" charset="0"/>
+                <a:cs typeface="Courier New" panose="02070309020205020404" pitchFamily="49" charset="0"/>
+              </a:rPr>
+              <a:t>from</a:t>
+            </a:r>
+            <a:r>
+              <a:rPr lang="pt-BR" sz="1400" dirty="0">
+                <a:latin typeface="Courier New" panose="02070309020205020404" pitchFamily="49" charset="0"/>
+                <a:cs typeface="Courier New" panose="02070309020205020404" pitchFamily="49" charset="0"/>
+              </a:rPr>
+              <a:t> './dashboard/</a:t>
+            </a:r>
+            <a:r>
+              <a:rPr lang="pt-BR" sz="1400" dirty="0" err="1">
+                <a:latin typeface="Courier New" panose="02070309020205020404" pitchFamily="49" charset="0"/>
+                <a:cs typeface="Courier New" panose="02070309020205020404" pitchFamily="49" charset="0"/>
+              </a:rPr>
+              <a:t>dashboard.component</a:t>
+            </a:r>
+            <a:r>
+              <a:rPr lang="pt-BR" sz="1400" dirty="0">
+                <a:latin typeface="Courier New" panose="02070309020205020404" pitchFamily="49" charset="0"/>
+                <a:cs typeface="Courier New" panose="02070309020205020404" pitchFamily="49" charset="0"/>
+              </a:rPr>
+              <a:t>';</a:t>
+            </a:r>
+          </a:p>
+          <a:p>
+            <a:br>
+              <a:rPr lang="pt-BR" sz="1400" dirty="0">
+                <a:latin typeface="Courier New" panose="02070309020205020404" pitchFamily="49" charset="0"/>
+                <a:cs typeface="Courier New" panose="02070309020205020404" pitchFamily="49" charset="0"/>
+              </a:rPr>
+            </a:br>
+            <a:r>
+              <a:rPr lang="pt-BR" sz="1400" dirty="0" err="1">
+                <a:latin typeface="Courier New" panose="02070309020205020404" pitchFamily="49" charset="0"/>
+                <a:cs typeface="Courier New" panose="02070309020205020404" pitchFamily="49" charset="0"/>
+              </a:rPr>
+              <a:t>const</a:t>
+            </a:r>
+            <a:r>
+              <a:rPr lang="pt-BR" sz="1400" dirty="0">
+                <a:latin typeface="Courier New" panose="02070309020205020404" pitchFamily="49" charset="0"/>
+                <a:cs typeface="Courier New" panose="02070309020205020404" pitchFamily="49" charset="0"/>
+              </a:rPr>
+              <a:t> </a:t>
+            </a:r>
+            <a:r>
+              <a:rPr lang="pt-BR" sz="1400" dirty="0" err="1">
+                <a:latin typeface="Courier New" panose="02070309020205020404" pitchFamily="49" charset="0"/>
+                <a:cs typeface="Courier New" panose="02070309020205020404" pitchFamily="49" charset="0"/>
+              </a:rPr>
+              <a:t>routes</a:t>
+            </a:r>
+            <a:r>
+              <a:rPr lang="pt-BR" sz="1400" dirty="0">
+                <a:latin typeface="Courier New" panose="02070309020205020404" pitchFamily="49" charset="0"/>
+                <a:cs typeface="Courier New" panose="02070309020205020404" pitchFamily="49" charset="0"/>
+              </a:rPr>
+              <a:t>: </a:t>
+            </a:r>
+            <a:r>
+              <a:rPr lang="pt-BR" sz="1400" dirty="0" err="1">
+                <a:latin typeface="Courier New" panose="02070309020205020404" pitchFamily="49" charset="0"/>
+                <a:cs typeface="Courier New" panose="02070309020205020404" pitchFamily="49" charset="0"/>
+              </a:rPr>
+              <a:t>Routes</a:t>
+            </a:r>
+            <a:r>
+              <a:rPr lang="pt-BR" sz="1400" dirty="0">
+                <a:latin typeface="Courier New" panose="02070309020205020404" pitchFamily="49" charset="0"/>
+                <a:cs typeface="Courier New" panose="02070309020205020404" pitchFamily="49" charset="0"/>
+              </a:rPr>
+              <a:t> = [</a:t>
+            </a:r>
+          </a:p>
+          <a:p>
+            <a:r>
+              <a:rPr lang="pt-BR" sz="1400" dirty="0">
+                <a:latin typeface="Courier New" panose="02070309020205020404" pitchFamily="49" charset="0"/>
+                <a:cs typeface="Courier New" panose="02070309020205020404" pitchFamily="49" charset="0"/>
+              </a:rPr>
+              <a:t>  { path: '', </a:t>
+            </a:r>
+            <a:r>
+              <a:rPr lang="pt-BR" sz="1400" dirty="0" err="1">
+                <a:latin typeface="Courier New" panose="02070309020205020404" pitchFamily="49" charset="0"/>
+                <a:cs typeface="Courier New" panose="02070309020205020404" pitchFamily="49" charset="0"/>
+              </a:rPr>
+              <a:t>component</a:t>
+            </a:r>
+            <a:r>
+              <a:rPr lang="pt-BR" sz="1400" dirty="0">
+                <a:latin typeface="Courier New" panose="02070309020205020404" pitchFamily="49" charset="0"/>
+                <a:cs typeface="Courier New" panose="02070309020205020404" pitchFamily="49" charset="0"/>
+              </a:rPr>
+              <a:t>: </a:t>
+            </a:r>
+            <a:r>
+              <a:rPr lang="pt-BR" sz="1400" dirty="0" err="1">
+                <a:latin typeface="Courier New" panose="02070309020205020404" pitchFamily="49" charset="0"/>
+                <a:cs typeface="Courier New" panose="02070309020205020404" pitchFamily="49" charset="0"/>
+              </a:rPr>
+              <a:t>DashboardComponent</a:t>
+            </a:r>
+            <a:r>
+              <a:rPr lang="pt-BR" sz="1400" dirty="0">
+                <a:latin typeface="Courier New" panose="02070309020205020404" pitchFamily="49" charset="0"/>
+                <a:cs typeface="Courier New" panose="02070309020205020404" pitchFamily="49" charset="0"/>
+              </a:rPr>
+              <a:t> },</a:t>
+            </a:r>
+          </a:p>
+          <a:p>
+            <a:r>
+              <a:rPr lang="pt-BR" sz="1400" dirty="0">
+                <a:latin typeface="Courier New" panose="02070309020205020404" pitchFamily="49" charset="0"/>
+                <a:cs typeface="Courier New" panose="02070309020205020404" pitchFamily="49" charset="0"/>
+              </a:rPr>
+              <a:t>  { path: 'dashboard', </a:t>
+            </a:r>
+            <a:r>
+              <a:rPr lang="pt-BR" sz="1400" dirty="0" err="1">
+                <a:latin typeface="Courier New" panose="02070309020205020404" pitchFamily="49" charset="0"/>
+                <a:cs typeface="Courier New" panose="02070309020205020404" pitchFamily="49" charset="0"/>
+              </a:rPr>
+              <a:t>component</a:t>
+            </a:r>
+            <a:r>
+              <a:rPr lang="pt-BR" sz="1400" dirty="0">
+                <a:latin typeface="Courier New" panose="02070309020205020404" pitchFamily="49" charset="0"/>
+                <a:cs typeface="Courier New" panose="02070309020205020404" pitchFamily="49" charset="0"/>
+              </a:rPr>
+              <a:t>: </a:t>
+            </a:r>
+            <a:r>
+              <a:rPr lang="pt-BR" sz="1400" dirty="0" err="1">
+                <a:latin typeface="Courier New" panose="02070309020205020404" pitchFamily="49" charset="0"/>
+                <a:cs typeface="Courier New" panose="02070309020205020404" pitchFamily="49" charset="0"/>
+              </a:rPr>
+              <a:t>DashboardComponent</a:t>
+            </a:r>
+            <a:r>
+              <a:rPr lang="pt-BR" sz="1400" dirty="0">
+                <a:latin typeface="Courier New" panose="02070309020205020404" pitchFamily="49" charset="0"/>
+                <a:cs typeface="Courier New" panose="02070309020205020404" pitchFamily="49" charset="0"/>
+              </a:rPr>
+              <a:t> },</a:t>
+            </a:r>
+          </a:p>
+          <a:p>
+            <a:r>
+              <a:rPr lang="pt-BR" sz="1400" dirty="0">
+                <a:latin typeface="Courier New" panose="02070309020205020404" pitchFamily="49" charset="0"/>
+                <a:cs typeface="Courier New" panose="02070309020205020404" pitchFamily="49" charset="0"/>
+              </a:rPr>
+              <a:t>  { path: 'clientes', </a:t>
+            </a:r>
+            <a:r>
+              <a:rPr lang="pt-BR" sz="1400" dirty="0" err="1">
+                <a:latin typeface="Courier New" panose="02070309020205020404" pitchFamily="49" charset="0"/>
+                <a:cs typeface="Courier New" panose="02070309020205020404" pitchFamily="49" charset="0"/>
+              </a:rPr>
+              <a:t>loadChildren</a:t>
+            </a:r>
+            <a:r>
+              <a:rPr lang="pt-BR" sz="1400" dirty="0">
+                <a:latin typeface="Courier New" panose="02070309020205020404" pitchFamily="49" charset="0"/>
+                <a:cs typeface="Courier New" panose="02070309020205020404" pitchFamily="49" charset="0"/>
+              </a:rPr>
+              <a:t>: './clientes/</a:t>
+            </a:r>
+            <a:r>
+              <a:rPr lang="pt-BR" sz="1400" dirty="0" err="1">
+                <a:latin typeface="Courier New" panose="02070309020205020404" pitchFamily="49" charset="0"/>
+                <a:cs typeface="Courier New" panose="02070309020205020404" pitchFamily="49" charset="0"/>
+              </a:rPr>
+              <a:t>clientes.module#ClientesModule</a:t>
+            </a:r>
+            <a:r>
+              <a:rPr lang="pt-BR" sz="1400" dirty="0">
+                <a:latin typeface="Courier New" panose="02070309020205020404" pitchFamily="49" charset="0"/>
+                <a:cs typeface="Courier New" panose="02070309020205020404" pitchFamily="49" charset="0"/>
+              </a:rPr>
+              <a:t>' },</a:t>
+            </a:r>
+          </a:p>
+          <a:p>
+            <a:r>
+              <a:rPr lang="pt-BR" sz="1400" b="1" dirty="0">
+                <a:latin typeface="Courier New" panose="02070309020205020404" pitchFamily="49" charset="0"/>
+                <a:cs typeface="Courier New" panose="02070309020205020404" pitchFamily="49" charset="0"/>
+              </a:rPr>
+              <a:t>  </a:t>
+            </a:r>
+            <a:r>
+              <a:rPr lang="pt-BR" sz="1400" dirty="0">
+                <a:latin typeface="Courier New" panose="02070309020205020404" pitchFamily="49" charset="0"/>
+                <a:cs typeface="Courier New" panose="02070309020205020404" pitchFamily="49" charset="0"/>
+              </a:rPr>
+              <a:t>{ path: 'fornecedores', </a:t>
+            </a:r>
+            <a:r>
+              <a:rPr lang="pt-BR" sz="1400" dirty="0" err="1">
+                <a:latin typeface="Courier New" panose="02070309020205020404" pitchFamily="49" charset="0"/>
+                <a:cs typeface="Courier New" panose="02070309020205020404" pitchFamily="49" charset="0"/>
+              </a:rPr>
+              <a:t>loadChildren</a:t>
+            </a:r>
+            <a:r>
+              <a:rPr lang="pt-BR" sz="1400" dirty="0">
+                <a:latin typeface="Courier New" panose="02070309020205020404" pitchFamily="49" charset="0"/>
+                <a:cs typeface="Courier New" panose="02070309020205020404" pitchFamily="49" charset="0"/>
+              </a:rPr>
+              <a:t>: './fornecedores/</a:t>
+            </a:r>
+            <a:r>
+              <a:rPr lang="pt-BR" sz="1400" dirty="0" err="1">
+                <a:latin typeface="Courier New" panose="02070309020205020404" pitchFamily="49" charset="0"/>
+                <a:cs typeface="Courier New" panose="02070309020205020404" pitchFamily="49" charset="0"/>
+              </a:rPr>
+              <a:t>fornecedores.module#FornecedoresModule</a:t>
+            </a:r>
+            <a:r>
+              <a:rPr lang="pt-BR" sz="1400" dirty="0">
+                <a:latin typeface="Courier New" panose="02070309020205020404" pitchFamily="49" charset="0"/>
+                <a:cs typeface="Courier New" panose="02070309020205020404" pitchFamily="49" charset="0"/>
+              </a:rPr>
+              <a:t>' },</a:t>
+            </a:r>
+          </a:p>
+          <a:p>
+            <a:r>
+              <a:rPr lang="pt-BR" sz="1400" dirty="0">
+                <a:latin typeface="Courier New" panose="02070309020205020404" pitchFamily="49" charset="0"/>
+                <a:cs typeface="Courier New" panose="02070309020205020404" pitchFamily="49" charset="0"/>
+              </a:rPr>
+              <a:t>];</a:t>
+            </a:r>
+          </a:p>
+          <a:p>
+            <a:br>
+              <a:rPr lang="pt-BR" sz="1400" dirty="0">
+                <a:latin typeface="Courier New" panose="02070309020205020404" pitchFamily="49" charset="0"/>
+                <a:cs typeface="Courier New" panose="02070309020205020404" pitchFamily="49" charset="0"/>
+              </a:rPr>
+            </a:br>
+            <a:r>
+              <a:rPr lang="pt-BR" sz="1400" dirty="0">
+                <a:latin typeface="Courier New" panose="02070309020205020404" pitchFamily="49" charset="0"/>
+                <a:cs typeface="Courier New" panose="02070309020205020404" pitchFamily="49" charset="0"/>
+              </a:rPr>
+              <a:t>@</a:t>
+            </a:r>
+            <a:r>
+              <a:rPr lang="pt-BR" sz="1400" dirty="0" err="1">
+                <a:latin typeface="Courier New" panose="02070309020205020404" pitchFamily="49" charset="0"/>
+                <a:cs typeface="Courier New" panose="02070309020205020404" pitchFamily="49" charset="0"/>
+              </a:rPr>
+              <a:t>NgModule</a:t>
+            </a:r>
+            <a:r>
+              <a:rPr lang="pt-BR" sz="1400" dirty="0">
+                <a:latin typeface="Courier New" panose="02070309020205020404" pitchFamily="49" charset="0"/>
+                <a:cs typeface="Courier New" panose="02070309020205020404" pitchFamily="49" charset="0"/>
+              </a:rPr>
+              <a:t>({</a:t>
+            </a:r>
+          </a:p>
+          <a:p>
+            <a:r>
+              <a:rPr lang="pt-BR" sz="1400" dirty="0">
+                <a:latin typeface="Courier New" panose="02070309020205020404" pitchFamily="49" charset="0"/>
+                <a:cs typeface="Courier New" panose="02070309020205020404" pitchFamily="49" charset="0"/>
+              </a:rPr>
+              <a:t>  </a:t>
+            </a:r>
+            <a:r>
+              <a:rPr lang="pt-BR" sz="1400" dirty="0" err="1">
+                <a:latin typeface="Courier New" panose="02070309020205020404" pitchFamily="49" charset="0"/>
+                <a:cs typeface="Courier New" panose="02070309020205020404" pitchFamily="49" charset="0"/>
+              </a:rPr>
+              <a:t>imports</a:t>
+            </a:r>
+            <a:r>
+              <a:rPr lang="pt-BR" sz="1400" dirty="0">
+                <a:latin typeface="Courier New" panose="02070309020205020404" pitchFamily="49" charset="0"/>
+                <a:cs typeface="Courier New" panose="02070309020205020404" pitchFamily="49" charset="0"/>
+              </a:rPr>
+              <a:t>: [</a:t>
+            </a:r>
+            <a:r>
+              <a:rPr lang="pt-BR" sz="1400" dirty="0" err="1">
+                <a:latin typeface="Courier New" panose="02070309020205020404" pitchFamily="49" charset="0"/>
+                <a:cs typeface="Courier New" panose="02070309020205020404" pitchFamily="49" charset="0"/>
+              </a:rPr>
+              <a:t>RouterModule.forRoot</a:t>
+            </a:r>
+            <a:r>
+              <a:rPr lang="pt-BR" sz="1400" dirty="0">
+                <a:latin typeface="Courier New" panose="02070309020205020404" pitchFamily="49" charset="0"/>
+                <a:cs typeface="Courier New" panose="02070309020205020404" pitchFamily="49" charset="0"/>
+              </a:rPr>
+              <a:t>(</a:t>
+            </a:r>
+            <a:r>
+              <a:rPr lang="pt-BR" sz="1400" dirty="0" err="1">
+                <a:latin typeface="Courier New" panose="02070309020205020404" pitchFamily="49" charset="0"/>
+                <a:cs typeface="Courier New" panose="02070309020205020404" pitchFamily="49" charset="0"/>
+              </a:rPr>
+              <a:t>routes</a:t>
+            </a:r>
+            <a:r>
+              <a:rPr lang="pt-BR" sz="1400" b="1" dirty="0">
+                <a:latin typeface="Courier New" panose="02070309020205020404" pitchFamily="49" charset="0"/>
+                <a:cs typeface="Courier New" panose="02070309020205020404" pitchFamily="49" charset="0"/>
+              </a:rPr>
+              <a:t>, { </a:t>
+            </a:r>
+            <a:r>
+              <a:rPr lang="pt-BR" sz="1400" b="1" dirty="0" err="1">
+                <a:latin typeface="Courier New" panose="02070309020205020404" pitchFamily="49" charset="0"/>
+                <a:cs typeface="Courier New" panose="02070309020205020404" pitchFamily="49" charset="0"/>
+              </a:rPr>
+              <a:t>preloadingStrategy</a:t>
+            </a:r>
+            <a:r>
+              <a:rPr lang="pt-BR" sz="1400" b="1" dirty="0">
+                <a:latin typeface="Courier New" panose="02070309020205020404" pitchFamily="49" charset="0"/>
+                <a:cs typeface="Courier New" panose="02070309020205020404" pitchFamily="49" charset="0"/>
+              </a:rPr>
+              <a:t>: </a:t>
+            </a:r>
+            <a:r>
+              <a:rPr lang="pt-BR" sz="1400" b="1" dirty="0" err="1">
+                <a:latin typeface="Courier New" panose="02070309020205020404" pitchFamily="49" charset="0"/>
+                <a:cs typeface="Courier New" panose="02070309020205020404" pitchFamily="49" charset="0"/>
+              </a:rPr>
+              <a:t>PreloadAllModules</a:t>
+            </a:r>
+            <a:r>
+              <a:rPr lang="pt-BR" sz="1400" b="1" dirty="0">
+                <a:latin typeface="Courier New" panose="02070309020205020404" pitchFamily="49" charset="0"/>
+                <a:cs typeface="Courier New" panose="02070309020205020404" pitchFamily="49" charset="0"/>
+              </a:rPr>
+              <a:t> }</a:t>
+            </a:r>
+            <a:r>
+              <a:rPr lang="pt-BR" sz="1400" dirty="0">
+                <a:latin typeface="Courier New" panose="02070309020205020404" pitchFamily="49" charset="0"/>
+                <a:cs typeface="Courier New" panose="02070309020205020404" pitchFamily="49" charset="0"/>
+              </a:rPr>
+              <a:t>)],</a:t>
+            </a:r>
+          </a:p>
+          <a:p>
+            <a:r>
+              <a:rPr lang="pt-BR" sz="1400" dirty="0">
+                <a:latin typeface="Courier New" panose="02070309020205020404" pitchFamily="49" charset="0"/>
+                <a:cs typeface="Courier New" panose="02070309020205020404" pitchFamily="49" charset="0"/>
+              </a:rPr>
+              <a:t>  </a:t>
+            </a:r>
+            <a:r>
+              <a:rPr lang="pt-BR" sz="1400" dirty="0" err="1">
+                <a:latin typeface="Courier New" panose="02070309020205020404" pitchFamily="49" charset="0"/>
+                <a:cs typeface="Courier New" panose="02070309020205020404" pitchFamily="49" charset="0"/>
+              </a:rPr>
+              <a:t>exports</a:t>
+            </a:r>
+            <a:r>
+              <a:rPr lang="pt-BR" sz="1400" dirty="0">
+                <a:latin typeface="Courier New" panose="02070309020205020404" pitchFamily="49" charset="0"/>
+                <a:cs typeface="Courier New" panose="02070309020205020404" pitchFamily="49" charset="0"/>
+              </a:rPr>
+              <a:t>: [</a:t>
+            </a:r>
+            <a:r>
+              <a:rPr lang="pt-BR" sz="1400" dirty="0" err="1">
+                <a:latin typeface="Courier New" panose="02070309020205020404" pitchFamily="49" charset="0"/>
+                <a:cs typeface="Courier New" panose="02070309020205020404" pitchFamily="49" charset="0"/>
+              </a:rPr>
+              <a:t>RouterModule</a:t>
+            </a:r>
+            <a:r>
+              <a:rPr lang="pt-BR" sz="1400" dirty="0">
+                <a:latin typeface="Courier New" panose="02070309020205020404" pitchFamily="49" charset="0"/>
+                <a:cs typeface="Courier New" panose="02070309020205020404" pitchFamily="49" charset="0"/>
+              </a:rPr>
+              <a:t>]</a:t>
+            </a:r>
+          </a:p>
+          <a:p>
+            <a:r>
+              <a:rPr lang="pt-BR" sz="1400" dirty="0">
+                <a:latin typeface="Courier New" panose="02070309020205020404" pitchFamily="49" charset="0"/>
+                <a:cs typeface="Courier New" panose="02070309020205020404" pitchFamily="49" charset="0"/>
+              </a:rPr>
+              <a:t>})</a:t>
+            </a:r>
+          </a:p>
+          <a:p>
+            <a:r>
+              <a:rPr lang="pt-BR" sz="1400" dirty="0" err="1">
+                <a:latin typeface="Courier New" panose="02070309020205020404" pitchFamily="49" charset="0"/>
+                <a:cs typeface="Courier New" panose="02070309020205020404" pitchFamily="49" charset="0"/>
+              </a:rPr>
+              <a:t>export</a:t>
+            </a:r>
+            <a:r>
+              <a:rPr lang="pt-BR" sz="1400" dirty="0">
+                <a:latin typeface="Courier New" panose="02070309020205020404" pitchFamily="49" charset="0"/>
+                <a:cs typeface="Courier New" panose="02070309020205020404" pitchFamily="49" charset="0"/>
+              </a:rPr>
+              <a:t> </a:t>
+            </a:r>
+            <a:r>
+              <a:rPr lang="pt-BR" sz="1400" dirty="0" err="1">
+                <a:latin typeface="Courier New" panose="02070309020205020404" pitchFamily="49" charset="0"/>
+                <a:cs typeface="Courier New" panose="02070309020205020404" pitchFamily="49" charset="0"/>
+              </a:rPr>
+              <a:t>class</a:t>
+            </a:r>
+            <a:r>
+              <a:rPr lang="pt-BR" sz="1400" dirty="0">
+                <a:latin typeface="Courier New" panose="02070309020205020404" pitchFamily="49" charset="0"/>
+                <a:cs typeface="Courier New" panose="02070309020205020404" pitchFamily="49" charset="0"/>
+              </a:rPr>
+              <a:t> </a:t>
+            </a:r>
+            <a:r>
+              <a:rPr lang="pt-BR" sz="1400" dirty="0" err="1">
+                <a:latin typeface="Courier New" panose="02070309020205020404" pitchFamily="49" charset="0"/>
+                <a:cs typeface="Courier New" panose="02070309020205020404" pitchFamily="49" charset="0"/>
+              </a:rPr>
+              <a:t>AppRoutingModule</a:t>
+            </a:r>
+            <a:r>
+              <a:rPr lang="pt-BR" sz="1400" dirty="0">
+                <a:latin typeface="Courier New" panose="02070309020205020404" pitchFamily="49" charset="0"/>
+                <a:cs typeface="Courier New" panose="02070309020205020404" pitchFamily="49" charset="0"/>
+              </a:rPr>
+              <a:t> { }</a:t>
+            </a:r>
+          </a:p>
+          <a:p>
+            <a:endParaRPr lang="pt-BR" sz="1400" dirty="0">
+              <a:latin typeface="Courier New" panose="02070309020205020404" pitchFamily="49" charset="0"/>
+              <a:cs typeface="Courier New" panose="02070309020205020404" pitchFamily="49" charset="0"/>
+            </a:endParaRPr>
+          </a:p>
+        </p:txBody>
+      </p:sp>
+    </p:spTree>
+    <p:extLst>
+      <p:ext uri="{BB962C8B-B14F-4D97-AF65-F5344CB8AC3E}">
+        <p14:creationId xmlns:p14="http://schemas.microsoft.com/office/powerpoint/2010/main" val="1599186011"/>
+      </p:ext>
+    </p:extLst>
+  </p:cSld>
+  <p:clrMapOvr>
+    <a:masterClrMapping/>
+  </p:clrMapOvr>
+</p:sld>
+</file>
+
+<file path=ppt/slides/slide13.xml><?xml version="1.0" encoding="utf-8"?>
+<p:sld xmlns:a="http://schemas.openxmlformats.org/drawingml/2006/main" xmlns:r="http://schemas.openxmlformats.org/officeDocument/2006/relationships" xmlns:p="http://schemas.openxmlformats.org/presentationml/2006/main">
+  <p:cSld>
+    <p:spTree>
+      <p:nvGrpSpPr>
+        <p:cNvPr id="1" name=""/>
+        <p:cNvGrpSpPr/>
+        <p:nvPr/>
+      </p:nvGrpSpPr>
+      <p:grpSpPr>
+        <a:xfrm>
+          <a:off x="0" y="0"/>
+          <a:ext cx="0" cy="0"/>
+          <a:chOff x="0" y="0"/>
+          <a:chExt cx="0" cy="0"/>
+        </a:xfrm>
+      </p:grpSpPr>
+      <p:sp>
+        <p:nvSpPr>
+          <p:cNvPr id="2" name="Título 1">
+            <a:extLst>
+              <a:ext uri="{FF2B5EF4-FFF2-40B4-BE49-F238E27FC236}">
+                <a16:creationId xmlns:a16="http://schemas.microsoft.com/office/drawing/2014/main" id="{2803188B-252D-430D-95B5-2E9ABC5D9BF2}"/>
+              </a:ext>
+            </a:extLst>
+          </p:cNvPr>
+          <p:cNvSpPr>
+            <a:spLocks noGrp="1"/>
+          </p:cNvSpPr>
+          <p:nvPr>
+            <p:ph type="title"/>
+          </p:nvPr>
+        </p:nvSpPr>
+        <p:spPr/>
+        <p:txBody>
+          <a:bodyPr/>
+          <a:lstStyle/>
+          <a:p>
+            <a:r>
+              <a:rPr lang="pt-BR" dirty="0"/>
+              <a:t>Mais um outro problema</a:t>
+            </a:r>
+          </a:p>
+        </p:txBody>
+      </p:sp>
+      <p:sp>
+        <p:nvSpPr>
+          <p:cNvPr id="3" name="Espaço Reservado para Conteúdo 2">
+            <a:extLst>
+              <a:ext uri="{FF2B5EF4-FFF2-40B4-BE49-F238E27FC236}">
+                <a16:creationId xmlns:a16="http://schemas.microsoft.com/office/drawing/2014/main" id="{D8731A63-D774-41B0-9E7C-8DEEAF71BFBD}"/>
+              </a:ext>
+            </a:extLst>
+          </p:cNvPr>
+          <p:cNvSpPr>
+            <a:spLocks noGrp="1"/>
+          </p:cNvSpPr>
+          <p:nvPr>
+            <p:ph idx="1"/>
+          </p:nvPr>
+        </p:nvSpPr>
+        <p:spPr>
+          <a:xfrm>
+            <a:off x="2429172" y="2166535"/>
+            <a:ext cx="7333656" cy="2524930"/>
+          </a:xfrm>
+        </p:spPr>
+        <p:txBody>
+          <a:bodyPr>
+            <a:normAutofit/>
+          </a:bodyPr>
+          <a:lstStyle/>
+          <a:p>
+            <a:pPr algn="ctr"/>
+            <a:r>
+              <a:rPr lang="pt-BR" sz="3200" dirty="0"/>
+              <a:t>Muitos módulos sendo </a:t>
+            </a:r>
+          </a:p>
+          <a:p>
+            <a:pPr algn="ctr"/>
+            <a:r>
+              <a:rPr lang="pt-BR" sz="3200" dirty="0"/>
+              <a:t>carregados em segundo plano </a:t>
+            </a:r>
+          </a:p>
+          <a:p>
+            <a:pPr algn="ctr"/>
+            <a:r>
+              <a:rPr lang="pt-BR" sz="3200" dirty="0"/>
+              <a:t>podem causar lentidão no tráfego de dados </a:t>
+            </a:r>
+          </a:p>
+          <a:p>
+            <a:pPr algn="ctr"/>
+            <a:r>
+              <a:rPr lang="pt-BR" sz="3200" dirty="0"/>
+              <a:t>do módulo que está em uso.</a:t>
+            </a:r>
+          </a:p>
+          <a:p>
+            <a:pPr algn="ctr"/>
+            <a:endParaRPr lang="pt-BR" sz="3200" dirty="0"/>
+          </a:p>
+        </p:txBody>
+      </p:sp>
+    </p:spTree>
+    <p:extLst>
+      <p:ext uri="{BB962C8B-B14F-4D97-AF65-F5344CB8AC3E}">
+        <p14:creationId xmlns:p14="http://schemas.microsoft.com/office/powerpoint/2010/main" val="3217453264"/>
+      </p:ext>
+    </p:extLst>
+  </p:cSld>
+  <p:clrMapOvr>
+    <a:masterClrMapping/>
+  </p:clrMapOvr>
+</p:sld>
+</file>
+
+<file path=ppt/slides/slide14.xml><?xml version="1.0" encoding="utf-8"?>
+<p:sld xmlns:a="http://schemas.openxmlformats.org/drawingml/2006/main" xmlns:r="http://schemas.openxmlformats.org/officeDocument/2006/relationships" xmlns:p="http://schemas.openxmlformats.org/presentationml/2006/main">
+  <p:cSld>
+    <p:spTree>
+      <p:nvGrpSpPr>
+        <p:cNvPr id="1" name=""/>
+        <p:cNvGrpSpPr/>
+        <p:nvPr/>
+      </p:nvGrpSpPr>
+      <p:grpSpPr>
+        <a:xfrm>
+          <a:off x="0" y="0"/>
+          <a:ext cx="0" cy="0"/>
+          <a:chOff x="0" y="0"/>
+          <a:chExt cx="0" cy="0"/>
+        </a:xfrm>
+      </p:grpSpPr>
+      <p:sp>
+        <p:nvSpPr>
+          <p:cNvPr id="2" name="Título 1">
+            <a:extLst>
+              <a:ext uri="{FF2B5EF4-FFF2-40B4-BE49-F238E27FC236}">
+                <a16:creationId xmlns:a16="http://schemas.microsoft.com/office/drawing/2014/main" id="{2803188B-252D-430D-95B5-2E9ABC5D9BF2}"/>
+              </a:ext>
+            </a:extLst>
+          </p:cNvPr>
+          <p:cNvSpPr>
+            <a:spLocks noGrp="1"/>
+          </p:cNvSpPr>
+          <p:nvPr>
+            <p:ph type="title"/>
+          </p:nvPr>
+        </p:nvSpPr>
+        <p:spPr/>
+        <p:txBody>
+          <a:bodyPr/>
+          <a:lstStyle/>
+          <a:p>
+            <a:r>
+              <a:rPr lang="pt-BR" dirty="0"/>
+              <a:t>Solução</a:t>
+            </a:r>
+          </a:p>
+        </p:txBody>
+      </p:sp>
+      <p:sp>
+        <p:nvSpPr>
+          <p:cNvPr id="3" name="Espaço Reservado para Conteúdo 2">
+            <a:extLst>
+              <a:ext uri="{FF2B5EF4-FFF2-40B4-BE49-F238E27FC236}">
+                <a16:creationId xmlns:a16="http://schemas.microsoft.com/office/drawing/2014/main" id="{D8731A63-D774-41B0-9E7C-8DEEAF71BFBD}"/>
+              </a:ext>
+            </a:extLst>
+          </p:cNvPr>
+          <p:cNvSpPr>
+            <a:spLocks noGrp="1"/>
+          </p:cNvSpPr>
+          <p:nvPr>
+            <p:ph idx="1"/>
+          </p:nvPr>
+        </p:nvSpPr>
+        <p:spPr/>
+        <p:txBody>
+          <a:bodyPr>
+            <a:normAutofit/>
+          </a:bodyPr>
+          <a:lstStyle/>
+          <a:p>
+            <a:r>
+              <a:rPr lang="pt-BR" sz="2400" dirty="0"/>
+              <a:t>Estratégia de </a:t>
+            </a:r>
+            <a:r>
+              <a:rPr lang="pt-BR" sz="2400" dirty="0" err="1"/>
+              <a:t>pré-carregamento</a:t>
+            </a:r>
+            <a:r>
+              <a:rPr lang="pt-BR" sz="2400" dirty="0"/>
+              <a:t> customizada</a:t>
+            </a:r>
+          </a:p>
+          <a:p>
+            <a:endParaRPr lang="pt-BR" sz="2400" dirty="0"/>
+          </a:p>
+        </p:txBody>
+      </p:sp>
+      <p:sp>
+        <p:nvSpPr>
+          <p:cNvPr id="6" name="CaixaDeTexto 5">
+            <a:extLst>
+              <a:ext uri="{FF2B5EF4-FFF2-40B4-BE49-F238E27FC236}">
+                <a16:creationId xmlns:a16="http://schemas.microsoft.com/office/drawing/2014/main" id="{E335BDDD-A5D1-4ABD-BA01-37F4C5A06F5C}"/>
+              </a:ext>
+            </a:extLst>
+          </p:cNvPr>
+          <p:cNvSpPr txBox="1"/>
+          <p:nvPr/>
+        </p:nvSpPr>
+        <p:spPr>
+          <a:xfrm>
+            <a:off x="430529" y="2340040"/>
+            <a:ext cx="11391901" cy="3754874"/>
+          </a:xfrm>
+          <a:prstGeom prst="rect">
+            <a:avLst/>
+          </a:prstGeom>
+          <a:solidFill>
+            <a:schemeClr val="bg1">
+              <a:lumMod val="95000"/>
+            </a:schemeClr>
+          </a:solidFill>
+        </p:spPr>
+        <p:txBody>
+          <a:bodyPr wrap="square" rtlCol="0">
+            <a:spAutoFit/>
+          </a:bodyPr>
+          <a:lstStyle/>
+          <a:p>
+            <a:r>
+              <a:rPr lang="pt-BR" sz="1400" dirty="0" err="1">
+                <a:latin typeface="Courier New" panose="02070309020205020404" pitchFamily="49" charset="0"/>
+                <a:cs typeface="Courier New" panose="02070309020205020404" pitchFamily="49" charset="0"/>
+              </a:rPr>
+              <a:t>import</a:t>
+            </a:r>
+            <a:r>
+              <a:rPr lang="pt-BR" sz="1400" dirty="0">
+                <a:latin typeface="Courier New" panose="02070309020205020404" pitchFamily="49" charset="0"/>
+                <a:cs typeface="Courier New" panose="02070309020205020404" pitchFamily="49" charset="0"/>
+              </a:rPr>
+              <a:t> { </a:t>
+            </a:r>
+            <a:r>
+              <a:rPr lang="pt-BR" sz="1400" dirty="0" err="1">
+                <a:latin typeface="Courier New" panose="02070309020205020404" pitchFamily="49" charset="0"/>
+                <a:cs typeface="Courier New" panose="02070309020205020404" pitchFamily="49" charset="0"/>
+              </a:rPr>
+              <a:t>NgModule</a:t>
+            </a:r>
+            <a:r>
+              <a:rPr lang="pt-BR" sz="1400" dirty="0">
+                <a:latin typeface="Courier New" panose="02070309020205020404" pitchFamily="49" charset="0"/>
+                <a:cs typeface="Courier New" panose="02070309020205020404" pitchFamily="49" charset="0"/>
+              </a:rPr>
+              <a:t> } </a:t>
+            </a:r>
+            <a:r>
+              <a:rPr lang="pt-BR" sz="1400" dirty="0" err="1">
+                <a:latin typeface="Courier New" panose="02070309020205020404" pitchFamily="49" charset="0"/>
+                <a:cs typeface="Courier New" panose="02070309020205020404" pitchFamily="49" charset="0"/>
+              </a:rPr>
+              <a:t>from</a:t>
+            </a:r>
+            <a:r>
+              <a:rPr lang="pt-BR" sz="1400" dirty="0">
+                <a:latin typeface="Courier New" panose="02070309020205020404" pitchFamily="49" charset="0"/>
+                <a:cs typeface="Courier New" panose="02070309020205020404" pitchFamily="49" charset="0"/>
+              </a:rPr>
+              <a:t> '@angular/core';</a:t>
+            </a:r>
+          </a:p>
+          <a:p>
+            <a:r>
+              <a:rPr lang="pt-BR" sz="1400" dirty="0" err="1">
+                <a:latin typeface="Courier New" panose="02070309020205020404" pitchFamily="49" charset="0"/>
+                <a:cs typeface="Courier New" panose="02070309020205020404" pitchFamily="49" charset="0"/>
+              </a:rPr>
+              <a:t>import</a:t>
+            </a:r>
+            <a:r>
+              <a:rPr lang="pt-BR" sz="1400" dirty="0">
+                <a:latin typeface="Courier New" panose="02070309020205020404" pitchFamily="49" charset="0"/>
+                <a:cs typeface="Courier New" panose="02070309020205020404" pitchFamily="49" charset="0"/>
+              </a:rPr>
+              <a:t> { </a:t>
+            </a:r>
+            <a:r>
+              <a:rPr lang="pt-BR" sz="1400" dirty="0" err="1">
+                <a:latin typeface="Courier New" panose="02070309020205020404" pitchFamily="49" charset="0"/>
+                <a:cs typeface="Courier New" panose="02070309020205020404" pitchFamily="49" charset="0"/>
+              </a:rPr>
+              <a:t>Routes</a:t>
+            </a:r>
+            <a:r>
+              <a:rPr lang="pt-BR" sz="1400" dirty="0">
+                <a:latin typeface="Courier New" panose="02070309020205020404" pitchFamily="49" charset="0"/>
+                <a:cs typeface="Courier New" panose="02070309020205020404" pitchFamily="49" charset="0"/>
+              </a:rPr>
+              <a:t>, </a:t>
+            </a:r>
+            <a:r>
+              <a:rPr lang="pt-BR" sz="1400" dirty="0" err="1">
+                <a:latin typeface="Courier New" panose="02070309020205020404" pitchFamily="49" charset="0"/>
+                <a:cs typeface="Courier New" panose="02070309020205020404" pitchFamily="49" charset="0"/>
+              </a:rPr>
+              <a:t>RouterModule</a:t>
+            </a:r>
+            <a:r>
+              <a:rPr lang="pt-BR" sz="1400" dirty="0">
+                <a:latin typeface="Courier New" panose="02070309020205020404" pitchFamily="49" charset="0"/>
+                <a:cs typeface="Courier New" panose="02070309020205020404" pitchFamily="49" charset="0"/>
+              </a:rPr>
+              <a:t> } </a:t>
+            </a:r>
+            <a:r>
+              <a:rPr lang="pt-BR" sz="1400" dirty="0" err="1">
+                <a:latin typeface="Courier New" panose="02070309020205020404" pitchFamily="49" charset="0"/>
+                <a:cs typeface="Courier New" panose="02070309020205020404" pitchFamily="49" charset="0"/>
+              </a:rPr>
+              <a:t>from</a:t>
+            </a:r>
+            <a:r>
+              <a:rPr lang="pt-BR" sz="1400" dirty="0">
+                <a:latin typeface="Courier New" panose="02070309020205020404" pitchFamily="49" charset="0"/>
+                <a:cs typeface="Courier New" panose="02070309020205020404" pitchFamily="49" charset="0"/>
+              </a:rPr>
+              <a:t> '@angular/</a:t>
+            </a:r>
+            <a:r>
+              <a:rPr lang="pt-BR" sz="1400" dirty="0" err="1">
+                <a:latin typeface="Courier New" panose="02070309020205020404" pitchFamily="49" charset="0"/>
+                <a:cs typeface="Courier New" panose="02070309020205020404" pitchFamily="49" charset="0"/>
+              </a:rPr>
+              <a:t>router</a:t>
+            </a:r>
+            <a:r>
+              <a:rPr lang="pt-BR" sz="1400" dirty="0">
+                <a:latin typeface="Courier New" panose="02070309020205020404" pitchFamily="49" charset="0"/>
+                <a:cs typeface="Courier New" panose="02070309020205020404" pitchFamily="49" charset="0"/>
+              </a:rPr>
+              <a:t>';</a:t>
+            </a:r>
+          </a:p>
+          <a:p>
+            <a:r>
+              <a:rPr lang="pt-BR" sz="1400" dirty="0" err="1">
+                <a:latin typeface="Courier New" panose="02070309020205020404" pitchFamily="49" charset="0"/>
+                <a:cs typeface="Courier New" panose="02070309020205020404" pitchFamily="49" charset="0"/>
+              </a:rPr>
+              <a:t>import</a:t>
+            </a:r>
+            <a:r>
+              <a:rPr lang="pt-BR" sz="1400" dirty="0">
+                <a:latin typeface="Courier New" panose="02070309020205020404" pitchFamily="49" charset="0"/>
+                <a:cs typeface="Courier New" panose="02070309020205020404" pitchFamily="49" charset="0"/>
+              </a:rPr>
+              <a:t> { </a:t>
+            </a:r>
+            <a:r>
+              <a:rPr lang="pt-BR" sz="1400" dirty="0" err="1">
+                <a:latin typeface="Courier New" panose="02070309020205020404" pitchFamily="49" charset="0"/>
+                <a:cs typeface="Courier New" panose="02070309020205020404" pitchFamily="49" charset="0"/>
+              </a:rPr>
+              <a:t>DashboardComponent</a:t>
+            </a:r>
+            <a:r>
+              <a:rPr lang="pt-BR" sz="1400" dirty="0">
+                <a:latin typeface="Courier New" panose="02070309020205020404" pitchFamily="49" charset="0"/>
+                <a:cs typeface="Courier New" panose="02070309020205020404" pitchFamily="49" charset="0"/>
+              </a:rPr>
+              <a:t> } </a:t>
+            </a:r>
+            <a:r>
+              <a:rPr lang="pt-BR" sz="1400" dirty="0" err="1">
+                <a:latin typeface="Courier New" panose="02070309020205020404" pitchFamily="49" charset="0"/>
+                <a:cs typeface="Courier New" panose="02070309020205020404" pitchFamily="49" charset="0"/>
+              </a:rPr>
+              <a:t>from</a:t>
+            </a:r>
+            <a:r>
+              <a:rPr lang="pt-BR" sz="1400" dirty="0">
+                <a:latin typeface="Courier New" panose="02070309020205020404" pitchFamily="49" charset="0"/>
+                <a:cs typeface="Courier New" panose="02070309020205020404" pitchFamily="49" charset="0"/>
+              </a:rPr>
+              <a:t> './dashboard/</a:t>
+            </a:r>
+            <a:r>
+              <a:rPr lang="pt-BR" sz="1400" dirty="0" err="1">
+                <a:latin typeface="Courier New" panose="02070309020205020404" pitchFamily="49" charset="0"/>
+                <a:cs typeface="Courier New" panose="02070309020205020404" pitchFamily="49" charset="0"/>
+              </a:rPr>
+              <a:t>dashboard.component</a:t>
+            </a:r>
+            <a:r>
+              <a:rPr lang="pt-BR" sz="1400" dirty="0">
+                <a:latin typeface="Courier New" panose="02070309020205020404" pitchFamily="49" charset="0"/>
+                <a:cs typeface="Courier New" panose="02070309020205020404" pitchFamily="49" charset="0"/>
+              </a:rPr>
+              <a:t>';</a:t>
+            </a:r>
+          </a:p>
+          <a:p>
+            <a:r>
+              <a:rPr lang="pt-BR" sz="1400" b="1" dirty="0" err="1">
+                <a:latin typeface="Courier New" panose="02070309020205020404" pitchFamily="49" charset="0"/>
+                <a:cs typeface="Courier New" panose="02070309020205020404" pitchFamily="49" charset="0"/>
+              </a:rPr>
+              <a:t>import</a:t>
+            </a:r>
+            <a:r>
+              <a:rPr lang="pt-BR" sz="1400" b="1" dirty="0">
+                <a:latin typeface="Courier New" panose="02070309020205020404" pitchFamily="49" charset="0"/>
+                <a:cs typeface="Courier New" panose="02070309020205020404" pitchFamily="49" charset="0"/>
+              </a:rPr>
+              <a:t> { </a:t>
+            </a:r>
+            <a:r>
+              <a:rPr lang="pt-BR" sz="1400" b="1" dirty="0" err="1">
+                <a:latin typeface="Courier New" panose="02070309020205020404" pitchFamily="49" charset="0"/>
+                <a:cs typeface="Courier New" panose="02070309020205020404" pitchFamily="49" charset="0"/>
+              </a:rPr>
+              <a:t>CustomPreloaderService</a:t>
+            </a:r>
+            <a:r>
+              <a:rPr lang="pt-BR" sz="1400" b="1" dirty="0">
+                <a:latin typeface="Courier New" panose="02070309020205020404" pitchFamily="49" charset="0"/>
+                <a:cs typeface="Courier New" panose="02070309020205020404" pitchFamily="49" charset="0"/>
+              </a:rPr>
+              <a:t> } </a:t>
+            </a:r>
+            <a:r>
+              <a:rPr lang="pt-BR" sz="1400" b="1" dirty="0" err="1">
+                <a:latin typeface="Courier New" panose="02070309020205020404" pitchFamily="49" charset="0"/>
+                <a:cs typeface="Courier New" panose="02070309020205020404" pitchFamily="49" charset="0"/>
+              </a:rPr>
+              <a:t>from</a:t>
+            </a:r>
+            <a:r>
+              <a:rPr lang="pt-BR" sz="1400" b="1" dirty="0">
+                <a:latin typeface="Courier New" panose="02070309020205020404" pitchFamily="49" charset="0"/>
+                <a:cs typeface="Courier New" panose="02070309020205020404" pitchFamily="49" charset="0"/>
+              </a:rPr>
+              <a:t> './</a:t>
+            </a:r>
+            <a:r>
+              <a:rPr lang="pt-BR" sz="1400" b="1" dirty="0" err="1">
+                <a:latin typeface="Courier New" panose="02070309020205020404" pitchFamily="49" charset="0"/>
+                <a:cs typeface="Courier New" panose="02070309020205020404" pitchFamily="49" charset="0"/>
+              </a:rPr>
+              <a:t>custom-preloader.service</a:t>
+            </a:r>
+            <a:r>
+              <a:rPr lang="pt-BR" sz="1400" b="1" dirty="0">
+                <a:latin typeface="Courier New" panose="02070309020205020404" pitchFamily="49" charset="0"/>
+                <a:cs typeface="Courier New" panose="02070309020205020404" pitchFamily="49" charset="0"/>
+              </a:rPr>
+              <a:t>';</a:t>
+            </a:r>
+          </a:p>
+          <a:p>
+            <a:endParaRPr lang="pt-BR" sz="1400" dirty="0">
+              <a:latin typeface="Courier New" panose="02070309020205020404" pitchFamily="49" charset="0"/>
+              <a:cs typeface="Courier New" panose="02070309020205020404" pitchFamily="49" charset="0"/>
+            </a:endParaRPr>
+          </a:p>
+          <a:p>
+            <a:r>
+              <a:rPr lang="pt-BR" sz="1400" dirty="0" err="1">
+                <a:latin typeface="Courier New" panose="02070309020205020404" pitchFamily="49" charset="0"/>
+                <a:cs typeface="Courier New" panose="02070309020205020404" pitchFamily="49" charset="0"/>
+              </a:rPr>
+              <a:t>const</a:t>
+            </a:r>
+            <a:r>
+              <a:rPr lang="pt-BR" sz="1400" dirty="0">
+                <a:latin typeface="Courier New" panose="02070309020205020404" pitchFamily="49" charset="0"/>
+                <a:cs typeface="Courier New" panose="02070309020205020404" pitchFamily="49" charset="0"/>
+              </a:rPr>
+              <a:t> </a:t>
+            </a:r>
+            <a:r>
+              <a:rPr lang="pt-BR" sz="1400" dirty="0" err="1">
+                <a:latin typeface="Courier New" panose="02070309020205020404" pitchFamily="49" charset="0"/>
+                <a:cs typeface="Courier New" panose="02070309020205020404" pitchFamily="49" charset="0"/>
+              </a:rPr>
+              <a:t>routes</a:t>
+            </a:r>
+            <a:r>
+              <a:rPr lang="pt-BR" sz="1400" dirty="0">
+                <a:latin typeface="Courier New" panose="02070309020205020404" pitchFamily="49" charset="0"/>
+                <a:cs typeface="Courier New" panose="02070309020205020404" pitchFamily="49" charset="0"/>
+              </a:rPr>
+              <a:t>: </a:t>
+            </a:r>
+            <a:r>
+              <a:rPr lang="pt-BR" sz="1400" dirty="0" err="1">
+                <a:latin typeface="Courier New" panose="02070309020205020404" pitchFamily="49" charset="0"/>
+                <a:cs typeface="Courier New" panose="02070309020205020404" pitchFamily="49" charset="0"/>
+              </a:rPr>
+              <a:t>Routes</a:t>
+            </a:r>
+            <a:r>
+              <a:rPr lang="pt-BR" sz="1400" dirty="0">
+                <a:latin typeface="Courier New" panose="02070309020205020404" pitchFamily="49" charset="0"/>
+                <a:cs typeface="Courier New" panose="02070309020205020404" pitchFamily="49" charset="0"/>
+              </a:rPr>
+              <a:t> = [</a:t>
+            </a:r>
+          </a:p>
+          <a:p>
+            <a:r>
+              <a:rPr lang="pt-BR" sz="1400" dirty="0">
+                <a:latin typeface="Courier New" panose="02070309020205020404" pitchFamily="49" charset="0"/>
+                <a:cs typeface="Courier New" panose="02070309020205020404" pitchFamily="49" charset="0"/>
+              </a:rPr>
+              <a:t>  { path: '', </a:t>
+            </a:r>
+            <a:r>
+              <a:rPr lang="pt-BR" sz="1400" dirty="0" err="1">
+                <a:latin typeface="Courier New" panose="02070309020205020404" pitchFamily="49" charset="0"/>
+                <a:cs typeface="Courier New" panose="02070309020205020404" pitchFamily="49" charset="0"/>
+              </a:rPr>
+              <a:t>component</a:t>
+            </a:r>
+            <a:r>
+              <a:rPr lang="pt-BR" sz="1400" dirty="0">
+                <a:latin typeface="Courier New" panose="02070309020205020404" pitchFamily="49" charset="0"/>
+                <a:cs typeface="Courier New" panose="02070309020205020404" pitchFamily="49" charset="0"/>
+              </a:rPr>
+              <a:t>: </a:t>
+            </a:r>
+            <a:r>
+              <a:rPr lang="pt-BR" sz="1400" dirty="0" err="1">
+                <a:latin typeface="Courier New" panose="02070309020205020404" pitchFamily="49" charset="0"/>
+                <a:cs typeface="Courier New" panose="02070309020205020404" pitchFamily="49" charset="0"/>
+              </a:rPr>
+              <a:t>DashboardComponent</a:t>
+            </a:r>
+            <a:r>
+              <a:rPr lang="pt-BR" sz="1400" dirty="0">
+                <a:latin typeface="Courier New" panose="02070309020205020404" pitchFamily="49" charset="0"/>
+                <a:cs typeface="Courier New" panose="02070309020205020404" pitchFamily="49" charset="0"/>
+              </a:rPr>
+              <a:t> },</a:t>
+            </a:r>
+          </a:p>
+          <a:p>
+            <a:r>
+              <a:rPr lang="pt-BR" sz="1400" dirty="0">
+                <a:latin typeface="Courier New" panose="02070309020205020404" pitchFamily="49" charset="0"/>
+                <a:cs typeface="Courier New" panose="02070309020205020404" pitchFamily="49" charset="0"/>
+              </a:rPr>
+              <a:t>  { path: 'dashboard', </a:t>
+            </a:r>
+            <a:r>
+              <a:rPr lang="pt-BR" sz="1400" dirty="0" err="1">
+                <a:latin typeface="Courier New" panose="02070309020205020404" pitchFamily="49" charset="0"/>
+                <a:cs typeface="Courier New" panose="02070309020205020404" pitchFamily="49" charset="0"/>
+              </a:rPr>
+              <a:t>component</a:t>
+            </a:r>
+            <a:r>
+              <a:rPr lang="pt-BR" sz="1400" dirty="0">
+                <a:latin typeface="Courier New" panose="02070309020205020404" pitchFamily="49" charset="0"/>
+                <a:cs typeface="Courier New" panose="02070309020205020404" pitchFamily="49" charset="0"/>
+              </a:rPr>
+              <a:t>: </a:t>
+            </a:r>
+            <a:r>
+              <a:rPr lang="pt-BR" sz="1400" dirty="0" err="1">
+                <a:latin typeface="Courier New" panose="02070309020205020404" pitchFamily="49" charset="0"/>
+                <a:cs typeface="Courier New" panose="02070309020205020404" pitchFamily="49" charset="0"/>
+              </a:rPr>
+              <a:t>DashboardComponent</a:t>
+            </a:r>
+            <a:r>
+              <a:rPr lang="pt-BR" sz="1400" dirty="0">
+                <a:latin typeface="Courier New" panose="02070309020205020404" pitchFamily="49" charset="0"/>
+                <a:cs typeface="Courier New" panose="02070309020205020404" pitchFamily="49" charset="0"/>
+              </a:rPr>
+              <a:t> },</a:t>
+            </a:r>
+          </a:p>
+          <a:p>
+            <a:r>
+              <a:rPr lang="pt-BR" sz="1400" dirty="0">
+                <a:latin typeface="Courier New" panose="02070309020205020404" pitchFamily="49" charset="0"/>
+                <a:cs typeface="Courier New" panose="02070309020205020404" pitchFamily="49" charset="0"/>
+              </a:rPr>
+              <a:t>  { path: 'clientes', </a:t>
+            </a:r>
+            <a:r>
+              <a:rPr lang="pt-BR" sz="1400" dirty="0" err="1">
+                <a:latin typeface="Courier New" panose="02070309020205020404" pitchFamily="49" charset="0"/>
+                <a:cs typeface="Courier New" panose="02070309020205020404" pitchFamily="49" charset="0"/>
+              </a:rPr>
+              <a:t>loadChildren</a:t>
+            </a:r>
+            <a:r>
+              <a:rPr lang="pt-BR" sz="1400" dirty="0">
+                <a:latin typeface="Courier New" panose="02070309020205020404" pitchFamily="49" charset="0"/>
+                <a:cs typeface="Courier New" panose="02070309020205020404" pitchFamily="49" charset="0"/>
+              </a:rPr>
+              <a:t>: './clientes/</a:t>
+            </a:r>
+            <a:r>
+              <a:rPr lang="pt-BR" sz="1400" dirty="0" err="1">
+                <a:latin typeface="Courier New" panose="02070309020205020404" pitchFamily="49" charset="0"/>
+                <a:cs typeface="Courier New" panose="02070309020205020404" pitchFamily="49" charset="0"/>
+              </a:rPr>
+              <a:t>clientes.module#ClientesModule</a:t>
+            </a:r>
+            <a:r>
+              <a:rPr lang="pt-BR" sz="1400" dirty="0">
+                <a:latin typeface="Courier New" panose="02070309020205020404" pitchFamily="49" charset="0"/>
+                <a:cs typeface="Courier New" panose="02070309020205020404" pitchFamily="49" charset="0"/>
+              </a:rPr>
+              <a:t>'</a:t>
+            </a:r>
+            <a:r>
+              <a:rPr lang="pt-BR" sz="1400" b="1" dirty="0">
+                <a:latin typeface="Courier New" panose="02070309020205020404" pitchFamily="49" charset="0"/>
+                <a:cs typeface="Courier New" panose="02070309020205020404" pitchFamily="49" charset="0"/>
+              </a:rPr>
+              <a:t>, data: {</a:t>
+            </a:r>
+            <a:r>
+              <a:rPr lang="pt-BR" sz="1400" b="1" dirty="0" err="1">
+                <a:latin typeface="Courier New" panose="02070309020205020404" pitchFamily="49" charset="0"/>
+                <a:cs typeface="Courier New" panose="02070309020205020404" pitchFamily="49" charset="0"/>
+              </a:rPr>
+              <a:t>preload</a:t>
+            </a:r>
+            <a:r>
+              <a:rPr lang="pt-BR" sz="1400" b="1" dirty="0">
+                <a:latin typeface="Courier New" panose="02070309020205020404" pitchFamily="49" charset="0"/>
+                <a:cs typeface="Courier New" panose="02070309020205020404" pitchFamily="49" charset="0"/>
+              </a:rPr>
+              <a:t>: </a:t>
+            </a:r>
+            <a:r>
+              <a:rPr lang="pt-BR" sz="1400" b="1" dirty="0" err="1">
+                <a:latin typeface="Courier New" panose="02070309020205020404" pitchFamily="49" charset="0"/>
+                <a:cs typeface="Courier New" panose="02070309020205020404" pitchFamily="49" charset="0"/>
+              </a:rPr>
+              <a:t>true</a:t>
+            </a:r>
+            <a:r>
+              <a:rPr lang="pt-BR" sz="1400" b="1" dirty="0">
+                <a:latin typeface="Courier New" panose="02070309020205020404" pitchFamily="49" charset="0"/>
+                <a:cs typeface="Courier New" panose="02070309020205020404" pitchFamily="49" charset="0"/>
+              </a:rPr>
+              <a:t>}</a:t>
+            </a:r>
+            <a:r>
+              <a:rPr lang="pt-BR" sz="1400" dirty="0">
+                <a:latin typeface="Courier New" panose="02070309020205020404" pitchFamily="49" charset="0"/>
+                <a:cs typeface="Courier New" panose="02070309020205020404" pitchFamily="49" charset="0"/>
+              </a:rPr>
+              <a:t> },</a:t>
+            </a:r>
+          </a:p>
+          <a:p>
+            <a:r>
+              <a:rPr lang="pt-BR" sz="1400" dirty="0">
+                <a:latin typeface="Courier New" panose="02070309020205020404" pitchFamily="49" charset="0"/>
+                <a:cs typeface="Courier New" panose="02070309020205020404" pitchFamily="49" charset="0"/>
+              </a:rPr>
+              <a:t>  { path: 'fornecedores', </a:t>
+            </a:r>
+            <a:r>
+              <a:rPr lang="pt-BR" sz="1400" dirty="0" err="1">
+                <a:latin typeface="Courier New" panose="02070309020205020404" pitchFamily="49" charset="0"/>
+                <a:cs typeface="Courier New" panose="02070309020205020404" pitchFamily="49" charset="0"/>
+              </a:rPr>
+              <a:t>loadChildren</a:t>
+            </a:r>
+            <a:r>
+              <a:rPr lang="pt-BR" sz="1400" dirty="0">
+                <a:latin typeface="Courier New" panose="02070309020205020404" pitchFamily="49" charset="0"/>
+                <a:cs typeface="Courier New" panose="02070309020205020404" pitchFamily="49" charset="0"/>
+              </a:rPr>
+              <a:t>: './fornecedores/</a:t>
+            </a:r>
+            <a:r>
+              <a:rPr lang="pt-BR" sz="1400" dirty="0" err="1">
+                <a:latin typeface="Courier New" panose="02070309020205020404" pitchFamily="49" charset="0"/>
+                <a:cs typeface="Courier New" panose="02070309020205020404" pitchFamily="49" charset="0"/>
+              </a:rPr>
+              <a:t>fornecedores.module#FornecedoresModule</a:t>
+            </a:r>
+            <a:r>
+              <a:rPr lang="pt-BR" sz="1400" dirty="0">
+                <a:latin typeface="Courier New" panose="02070309020205020404" pitchFamily="49" charset="0"/>
+                <a:cs typeface="Courier New" panose="02070309020205020404" pitchFamily="49" charset="0"/>
+              </a:rPr>
+              <a:t>' }</a:t>
+            </a:r>
+          </a:p>
+          <a:p>
+            <a:r>
+              <a:rPr lang="pt-BR" sz="1400" dirty="0">
+                <a:latin typeface="Courier New" panose="02070309020205020404" pitchFamily="49" charset="0"/>
+                <a:cs typeface="Courier New" panose="02070309020205020404" pitchFamily="49" charset="0"/>
+              </a:rPr>
+              <a:t>];</a:t>
+            </a:r>
+          </a:p>
+          <a:p>
+            <a:endParaRPr lang="pt-BR" sz="1400" dirty="0">
+              <a:latin typeface="Courier New" panose="02070309020205020404" pitchFamily="49" charset="0"/>
+              <a:cs typeface="Courier New" panose="02070309020205020404" pitchFamily="49" charset="0"/>
+            </a:endParaRPr>
+          </a:p>
+          <a:p>
+            <a:r>
+              <a:rPr lang="pt-BR" sz="1400" dirty="0">
+                <a:latin typeface="Courier New" panose="02070309020205020404" pitchFamily="49" charset="0"/>
+                <a:cs typeface="Courier New" panose="02070309020205020404" pitchFamily="49" charset="0"/>
+              </a:rPr>
+              <a:t>@</a:t>
+            </a:r>
+            <a:r>
+              <a:rPr lang="pt-BR" sz="1400" dirty="0" err="1">
+                <a:latin typeface="Courier New" panose="02070309020205020404" pitchFamily="49" charset="0"/>
+                <a:cs typeface="Courier New" panose="02070309020205020404" pitchFamily="49" charset="0"/>
+              </a:rPr>
+              <a:t>NgModule</a:t>
+            </a:r>
+            <a:r>
+              <a:rPr lang="pt-BR" sz="1400" dirty="0">
+                <a:latin typeface="Courier New" panose="02070309020205020404" pitchFamily="49" charset="0"/>
+                <a:cs typeface="Courier New" panose="02070309020205020404" pitchFamily="49" charset="0"/>
+              </a:rPr>
+              <a:t>({</a:t>
+            </a:r>
+          </a:p>
+          <a:p>
+            <a:r>
+              <a:rPr lang="pt-BR" sz="1400" dirty="0">
+                <a:latin typeface="Courier New" panose="02070309020205020404" pitchFamily="49" charset="0"/>
+                <a:cs typeface="Courier New" panose="02070309020205020404" pitchFamily="49" charset="0"/>
+              </a:rPr>
+              <a:t>  </a:t>
+            </a:r>
+            <a:r>
+              <a:rPr lang="pt-BR" sz="1400" dirty="0" err="1">
+                <a:latin typeface="Courier New" panose="02070309020205020404" pitchFamily="49" charset="0"/>
+                <a:cs typeface="Courier New" panose="02070309020205020404" pitchFamily="49" charset="0"/>
+              </a:rPr>
+              <a:t>imports</a:t>
+            </a:r>
+            <a:r>
+              <a:rPr lang="pt-BR" sz="1400" dirty="0">
+                <a:latin typeface="Courier New" panose="02070309020205020404" pitchFamily="49" charset="0"/>
+                <a:cs typeface="Courier New" panose="02070309020205020404" pitchFamily="49" charset="0"/>
+              </a:rPr>
+              <a:t>: [</a:t>
+            </a:r>
+            <a:r>
+              <a:rPr lang="pt-BR" sz="1400" dirty="0" err="1">
+                <a:latin typeface="Courier New" panose="02070309020205020404" pitchFamily="49" charset="0"/>
+                <a:cs typeface="Courier New" panose="02070309020205020404" pitchFamily="49" charset="0"/>
+              </a:rPr>
+              <a:t>RouterModule.forRoot</a:t>
+            </a:r>
+            <a:r>
+              <a:rPr lang="pt-BR" sz="1400" dirty="0">
+                <a:latin typeface="Courier New" panose="02070309020205020404" pitchFamily="49" charset="0"/>
+                <a:cs typeface="Courier New" panose="02070309020205020404" pitchFamily="49" charset="0"/>
+              </a:rPr>
+              <a:t>(</a:t>
+            </a:r>
+            <a:r>
+              <a:rPr lang="pt-BR" sz="1400" dirty="0" err="1">
+                <a:latin typeface="Courier New" panose="02070309020205020404" pitchFamily="49" charset="0"/>
+                <a:cs typeface="Courier New" panose="02070309020205020404" pitchFamily="49" charset="0"/>
+              </a:rPr>
+              <a:t>routes</a:t>
+            </a:r>
+            <a:r>
+              <a:rPr lang="pt-BR" sz="1400" dirty="0">
+                <a:latin typeface="Courier New" panose="02070309020205020404" pitchFamily="49" charset="0"/>
+                <a:cs typeface="Courier New" panose="02070309020205020404" pitchFamily="49" charset="0"/>
+              </a:rPr>
+              <a:t>, </a:t>
+            </a:r>
+            <a:r>
+              <a:rPr lang="pt-BR" sz="1400" b="1" dirty="0">
+                <a:latin typeface="Courier New" panose="02070309020205020404" pitchFamily="49" charset="0"/>
+                <a:cs typeface="Courier New" panose="02070309020205020404" pitchFamily="49" charset="0"/>
+              </a:rPr>
+              <a:t>{ </a:t>
+            </a:r>
+            <a:r>
+              <a:rPr lang="pt-BR" sz="1400" b="1" dirty="0" err="1">
+                <a:latin typeface="Courier New" panose="02070309020205020404" pitchFamily="49" charset="0"/>
+                <a:cs typeface="Courier New" panose="02070309020205020404" pitchFamily="49" charset="0"/>
+              </a:rPr>
+              <a:t>preloadingStrategy</a:t>
+            </a:r>
+            <a:r>
+              <a:rPr lang="pt-BR" sz="1400" b="1" dirty="0">
+                <a:latin typeface="Courier New" panose="02070309020205020404" pitchFamily="49" charset="0"/>
+                <a:cs typeface="Courier New" panose="02070309020205020404" pitchFamily="49" charset="0"/>
+              </a:rPr>
+              <a:t>: </a:t>
+            </a:r>
+            <a:r>
+              <a:rPr lang="pt-BR" sz="1400" b="1" dirty="0" err="1">
+                <a:latin typeface="Courier New" panose="02070309020205020404" pitchFamily="49" charset="0"/>
+                <a:cs typeface="Courier New" panose="02070309020205020404" pitchFamily="49" charset="0"/>
+              </a:rPr>
+              <a:t>CustomPreloaderService</a:t>
+            </a:r>
+            <a:r>
+              <a:rPr lang="pt-BR" sz="1400" b="1" dirty="0">
+                <a:latin typeface="Courier New" panose="02070309020205020404" pitchFamily="49" charset="0"/>
+                <a:cs typeface="Courier New" panose="02070309020205020404" pitchFamily="49" charset="0"/>
+              </a:rPr>
+              <a:t> }</a:t>
+            </a:r>
+            <a:r>
+              <a:rPr lang="pt-BR" sz="1400" dirty="0">
+                <a:latin typeface="Courier New" panose="02070309020205020404" pitchFamily="49" charset="0"/>
+                <a:cs typeface="Courier New" panose="02070309020205020404" pitchFamily="49" charset="0"/>
+              </a:rPr>
+              <a:t>)],</a:t>
+            </a:r>
+          </a:p>
+          <a:p>
+            <a:r>
+              <a:rPr lang="pt-BR" sz="1400" dirty="0">
+                <a:latin typeface="Courier New" panose="02070309020205020404" pitchFamily="49" charset="0"/>
+                <a:cs typeface="Courier New" panose="02070309020205020404" pitchFamily="49" charset="0"/>
+              </a:rPr>
+              <a:t>  </a:t>
+            </a:r>
+            <a:r>
+              <a:rPr lang="pt-BR" sz="1400" dirty="0" err="1">
+                <a:latin typeface="Courier New" panose="02070309020205020404" pitchFamily="49" charset="0"/>
+                <a:cs typeface="Courier New" panose="02070309020205020404" pitchFamily="49" charset="0"/>
+              </a:rPr>
+              <a:t>exports</a:t>
+            </a:r>
+            <a:r>
+              <a:rPr lang="pt-BR" sz="1400" dirty="0">
+                <a:latin typeface="Courier New" panose="02070309020205020404" pitchFamily="49" charset="0"/>
+                <a:cs typeface="Courier New" panose="02070309020205020404" pitchFamily="49" charset="0"/>
+              </a:rPr>
+              <a:t>: [</a:t>
+            </a:r>
+            <a:r>
+              <a:rPr lang="pt-BR" sz="1400" dirty="0" err="1">
+                <a:latin typeface="Courier New" panose="02070309020205020404" pitchFamily="49" charset="0"/>
+                <a:cs typeface="Courier New" panose="02070309020205020404" pitchFamily="49" charset="0"/>
+              </a:rPr>
+              <a:t>RouterModule</a:t>
+            </a:r>
+            <a:r>
+              <a:rPr lang="pt-BR" sz="1400" dirty="0">
+                <a:latin typeface="Courier New" panose="02070309020205020404" pitchFamily="49" charset="0"/>
+                <a:cs typeface="Courier New" panose="02070309020205020404" pitchFamily="49" charset="0"/>
+              </a:rPr>
+              <a:t>]</a:t>
+            </a:r>
+          </a:p>
+          <a:p>
+            <a:r>
+              <a:rPr lang="pt-BR" sz="1400" dirty="0">
+                <a:latin typeface="Courier New" panose="02070309020205020404" pitchFamily="49" charset="0"/>
+                <a:cs typeface="Courier New" panose="02070309020205020404" pitchFamily="49" charset="0"/>
+              </a:rPr>
+              <a:t>})</a:t>
+            </a:r>
+          </a:p>
+          <a:p>
+            <a:r>
+              <a:rPr lang="pt-BR" sz="1400" dirty="0" err="1">
+                <a:latin typeface="Courier New" panose="02070309020205020404" pitchFamily="49" charset="0"/>
+                <a:cs typeface="Courier New" panose="02070309020205020404" pitchFamily="49" charset="0"/>
+              </a:rPr>
+              <a:t>export</a:t>
+            </a:r>
+            <a:r>
+              <a:rPr lang="pt-BR" sz="1400" dirty="0">
+                <a:latin typeface="Courier New" panose="02070309020205020404" pitchFamily="49" charset="0"/>
+                <a:cs typeface="Courier New" panose="02070309020205020404" pitchFamily="49" charset="0"/>
+              </a:rPr>
+              <a:t> </a:t>
+            </a:r>
+            <a:r>
+              <a:rPr lang="pt-BR" sz="1400" dirty="0" err="1">
+                <a:latin typeface="Courier New" panose="02070309020205020404" pitchFamily="49" charset="0"/>
+                <a:cs typeface="Courier New" panose="02070309020205020404" pitchFamily="49" charset="0"/>
+              </a:rPr>
+              <a:t>class</a:t>
+            </a:r>
+            <a:r>
+              <a:rPr lang="pt-BR" sz="1400" dirty="0">
+                <a:latin typeface="Courier New" panose="02070309020205020404" pitchFamily="49" charset="0"/>
+                <a:cs typeface="Courier New" panose="02070309020205020404" pitchFamily="49" charset="0"/>
+              </a:rPr>
+              <a:t> </a:t>
+            </a:r>
+            <a:r>
+              <a:rPr lang="pt-BR" sz="1400" dirty="0" err="1">
+                <a:latin typeface="Courier New" panose="02070309020205020404" pitchFamily="49" charset="0"/>
+                <a:cs typeface="Courier New" panose="02070309020205020404" pitchFamily="49" charset="0"/>
+              </a:rPr>
+              <a:t>AppRoutingModule</a:t>
+            </a:r>
+            <a:r>
+              <a:rPr lang="pt-BR" sz="1400" dirty="0">
+                <a:latin typeface="Courier New" panose="02070309020205020404" pitchFamily="49" charset="0"/>
+                <a:cs typeface="Courier New" panose="02070309020205020404" pitchFamily="49" charset="0"/>
+              </a:rPr>
+              <a:t> { }</a:t>
+            </a:r>
+          </a:p>
+        </p:txBody>
+      </p:sp>
+    </p:spTree>
+    <p:extLst>
+      <p:ext uri="{BB962C8B-B14F-4D97-AF65-F5344CB8AC3E}">
+        <p14:creationId xmlns:p14="http://schemas.microsoft.com/office/powerpoint/2010/main" val="321077705"/>
+      </p:ext>
+    </p:extLst>
+  </p:cSld>
+  <p:clrMapOvr>
+    <a:masterClrMapping/>
+  </p:clrMapOvr>
+</p:sld>
+</file>
+
+<file path=ppt/slides/slide15.xml><?xml version="1.0" encoding="utf-8"?>
+<p:sld xmlns:a="http://schemas.openxmlformats.org/drawingml/2006/main" xmlns:r="http://schemas.openxmlformats.org/officeDocument/2006/relationships" xmlns:p="http://schemas.openxmlformats.org/presentationml/2006/main">
+  <p:cSld>
+    <p:spTree>
+      <p:nvGrpSpPr>
+        <p:cNvPr id="1" name=""/>
+        <p:cNvGrpSpPr/>
+        <p:nvPr/>
+      </p:nvGrpSpPr>
+      <p:grpSpPr>
+        <a:xfrm>
+          <a:off x="0" y="0"/>
+          <a:ext cx="0" cy="0"/>
+          <a:chOff x="0" y="0"/>
+          <a:chExt cx="0" cy="0"/>
+        </a:xfrm>
+      </p:grpSpPr>
+      <p:sp>
+        <p:nvSpPr>
+          <p:cNvPr id="2" name="Título 1">
+            <a:extLst>
+              <a:ext uri="{FF2B5EF4-FFF2-40B4-BE49-F238E27FC236}">
+                <a16:creationId xmlns:a16="http://schemas.microsoft.com/office/drawing/2014/main" id="{2803188B-252D-430D-95B5-2E9ABC5D9BF2}"/>
+              </a:ext>
+            </a:extLst>
+          </p:cNvPr>
+          <p:cNvSpPr>
+            <a:spLocks noGrp="1"/>
+          </p:cNvSpPr>
+          <p:nvPr>
+            <p:ph type="title"/>
+          </p:nvPr>
+        </p:nvSpPr>
+        <p:spPr/>
+        <p:txBody>
+          <a:bodyPr/>
+          <a:lstStyle/>
+          <a:p>
+            <a:r>
+              <a:rPr lang="pt-BR" dirty="0"/>
+              <a:t>Solução</a:t>
+            </a:r>
+          </a:p>
+        </p:txBody>
+      </p:sp>
+      <p:sp>
+        <p:nvSpPr>
+          <p:cNvPr id="3" name="Espaço Reservado para Conteúdo 2">
+            <a:extLst>
+              <a:ext uri="{FF2B5EF4-FFF2-40B4-BE49-F238E27FC236}">
+                <a16:creationId xmlns:a16="http://schemas.microsoft.com/office/drawing/2014/main" id="{D8731A63-D774-41B0-9E7C-8DEEAF71BFBD}"/>
+              </a:ext>
+            </a:extLst>
+          </p:cNvPr>
+          <p:cNvSpPr>
+            <a:spLocks noGrp="1"/>
+          </p:cNvSpPr>
+          <p:nvPr>
+            <p:ph idx="1"/>
+          </p:nvPr>
+        </p:nvSpPr>
+        <p:spPr/>
+        <p:txBody>
+          <a:bodyPr>
+            <a:normAutofit/>
+          </a:bodyPr>
+          <a:lstStyle/>
+          <a:p>
+            <a:r>
+              <a:rPr lang="pt-BR" sz="2400" dirty="0"/>
+              <a:t>Estratégia de </a:t>
+            </a:r>
+            <a:r>
+              <a:rPr lang="pt-BR" sz="2400" dirty="0" err="1"/>
+              <a:t>pré-carregamento</a:t>
+            </a:r>
+            <a:r>
+              <a:rPr lang="pt-BR" sz="2400" dirty="0"/>
+              <a:t> customizada </a:t>
+            </a:r>
+            <a:r>
+              <a:rPr lang="pt-BR" sz="2400" b="1" dirty="0"/>
+              <a:t>(</a:t>
+            </a:r>
+            <a:r>
+              <a:rPr lang="pt-BR" sz="2400" b="1" dirty="0" err="1"/>
+              <a:t>custom-preloader.service.ts</a:t>
+            </a:r>
+            <a:r>
+              <a:rPr lang="pt-BR" sz="2400" b="1" dirty="0"/>
+              <a:t>)</a:t>
+            </a:r>
+          </a:p>
+          <a:p>
+            <a:endParaRPr lang="pt-BR" sz="2400" dirty="0"/>
+          </a:p>
+        </p:txBody>
+      </p:sp>
+      <p:sp>
+        <p:nvSpPr>
+          <p:cNvPr id="6" name="CaixaDeTexto 5">
+            <a:extLst>
+              <a:ext uri="{FF2B5EF4-FFF2-40B4-BE49-F238E27FC236}">
+                <a16:creationId xmlns:a16="http://schemas.microsoft.com/office/drawing/2014/main" id="{E335BDDD-A5D1-4ABD-BA01-37F4C5A06F5C}"/>
+              </a:ext>
+            </a:extLst>
+          </p:cNvPr>
+          <p:cNvSpPr txBox="1"/>
+          <p:nvPr/>
+        </p:nvSpPr>
+        <p:spPr>
+          <a:xfrm>
+            <a:off x="1465118" y="2440804"/>
+            <a:ext cx="9029700" cy="3108543"/>
+          </a:xfrm>
+          <a:prstGeom prst="rect">
+            <a:avLst/>
+          </a:prstGeom>
+          <a:solidFill>
+            <a:schemeClr val="bg1">
+              <a:lumMod val="95000"/>
+            </a:schemeClr>
+          </a:solidFill>
+        </p:spPr>
+        <p:txBody>
+          <a:bodyPr wrap="square" rtlCol="0">
+            <a:spAutoFit/>
+          </a:bodyPr>
+          <a:lstStyle/>
+          <a:p>
+            <a:r>
+              <a:rPr lang="pt-BR" sz="1400" dirty="0" err="1">
+                <a:latin typeface="Courier New" panose="02070309020205020404" pitchFamily="49" charset="0"/>
+                <a:cs typeface="Courier New" panose="02070309020205020404" pitchFamily="49" charset="0"/>
+              </a:rPr>
+              <a:t>import</a:t>
+            </a:r>
+            <a:r>
+              <a:rPr lang="pt-BR" sz="1400" dirty="0">
+                <a:latin typeface="Courier New" panose="02070309020205020404" pitchFamily="49" charset="0"/>
+                <a:cs typeface="Courier New" panose="02070309020205020404" pitchFamily="49" charset="0"/>
+              </a:rPr>
+              <a:t> { </a:t>
+            </a:r>
+            <a:r>
+              <a:rPr lang="pt-BR" sz="1400" dirty="0" err="1">
+                <a:latin typeface="Courier New" panose="02070309020205020404" pitchFamily="49" charset="0"/>
+                <a:cs typeface="Courier New" panose="02070309020205020404" pitchFamily="49" charset="0"/>
+              </a:rPr>
+              <a:t>Injectable</a:t>
+            </a:r>
+            <a:r>
+              <a:rPr lang="pt-BR" sz="1400" dirty="0">
+                <a:latin typeface="Courier New" panose="02070309020205020404" pitchFamily="49" charset="0"/>
+                <a:cs typeface="Courier New" panose="02070309020205020404" pitchFamily="49" charset="0"/>
+              </a:rPr>
+              <a:t> } </a:t>
+            </a:r>
+            <a:r>
+              <a:rPr lang="pt-BR" sz="1400" dirty="0" err="1">
+                <a:latin typeface="Courier New" panose="02070309020205020404" pitchFamily="49" charset="0"/>
+                <a:cs typeface="Courier New" panose="02070309020205020404" pitchFamily="49" charset="0"/>
+              </a:rPr>
+              <a:t>from</a:t>
+            </a:r>
+            <a:r>
+              <a:rPr lang="pt-BR" sz="1400" dirty="0">
+                <a:latin typeface="Courier New" panose="02070309020205020404" pitchFamily="49" charset="0"/>
+                <a:cs typeface="Courier New" panose="02070309020205020404" pitchFamily="49" charset="0"/>
+              </a:rPr>
+              <a:t> '@angular/core';</a:t>
+            </a:r>
+          </a:p>
+          <a:p>
+            <a:r>
+              <a:rPr lang="pt-BR" sz="1400" b="1" dirty="0" err="1">
+                <a:latin typeface="Courier New" panose="02070309020205020404" pitchFamily="49" charset="0"/>
+                <a:cs typeface="Courier New" panose="02070309020205020404" pitchFamily="49" charset="0"/>
+              </a:rPr>
+              <a:t>import</a:t>
+            </a:r>
+            <a:r>
+              <a:rPr lang="pt-BR" sz="1400" b="1" dirty="0">
+                <a:latin typeface="Courier New" panose="02070309020205020404" pitchFamily="49" charset="0"/>
+                <a:cs typeface="Courier New" panose="02070309020205020404" pitchFamily="49" charset="0"/>
+              </a:rPr>
+              <a:t> { </a:t>
+            </a:r>
+            <a:r>
+              <a:rPr lang="pt-BR" sz="1400" b="1" dirty="0" err="1">
+                <a:latin typeface="Courier New" panose="02070309020205020404" pitchFamily="49" charset="0"/>
+                <a:cs typeface="Courier New" panose="02070309020205020404" pitchFamily="49" charset="0"/>
+              </a:rPr>
+              <a:t>PreloadingStrategy</a:t>
+            </a:r>
+            <a:r>
+              <a:rPr lang="pt-BR" sz="1400" b="1" dirty="0">
+                <a:latin typeface="Courier New" panose="02070309020205020404" pitchFamily="49" charset="0"/>
+                <a:cs typeface="Courier New" panose="02070309020205020404" pitchFamily="49" charset="0"/>
+              </a:rPr>
+              <a:t>, </a:t>
+            </a:r>
+            <a:r>
+              <a:rPr lang="pt-BR" sz="1400" b="1" dirty="0" err="1">
+                <a:latin typeface="Courier New" panose="02070309020205020404" pitchFamily="49" charset="0"/>
+                <a:cs typeface="Courier New" panose="02070309020205020404" pitchFamily="49" charset="0"/>
+              </a:rPr>
+              <a:t>Route</a:t>
+            </a:r>
+            <a:r>
+              <a:rPr lang="pt-BR" sz="1400" b="1" dirty="0">
+                <a:latin typeface="Courier New" panose="02070309020205020404" pitchFamily="49" charset="0"/>
+                <a:cs typeface="Courier New" panose="02070309020205020404" pitchFamily="49" charset="0"/>
+              </a:rPr>
+              <a:t> } </a:t>
+            </a:r>
+            <a:r>
+              <a:rPr lang="pt-BR" sz="1400" b="1" dirty="0" err="1">
+                <a:latin typeface="Courier New" panose="02070309020205020404" pitchFamily="49" charset="0"/>
+                <a:cs typeface="Courier New" panose="02070309020205020404" pitchFamily="49" charset="0"/>
+              </a:rPr>
+              <a:t>from</a:t>
+            </a:r>
+            <a:r>
+              <a:rPr lang="pt-BR" sz="1400" b="1" dirty="0">
+                <a:latin typeface="Courier New" panose="02070309020205020404" pitchFamily="49" charset="0"/>
+                <a:cs typeface="Courier New" panose="02070309020205020404" pitchFamily="49" charset="0"/>
+              </a:rPr>
+              <a:t> '@angular/</a:t>
+            </a:r>
+            <a:r>
+              <a:rPr lang="pt-BR" sz="1400" b="1" dirty="0" err="1">
+                <a:latin typeface="Courier New" panose="02070309020205020404" pitchFamily="49" charset="0"/>
+                <a:cs typeface="Courier New" panose="02070309020205020404" pitchFamily="49" charset="0"/>
+              </a:rPr>
+              <a:t>router</a:t>
+            </a:r>
+            <a:r>
+              <a:rPr lang="pt-BR" sz="1400" b="1" dirty="0">
+                <a:latin typeface="Courier New" panose="02070309020205020404" pitchFamily="49" charset="0"/>
+                <a:cs typeface="Courier New" panose="02070309020205020404" pitchFamily="49" charset="0"/>
+              </a:rPr>
+              <a:t>';</a:t>
+            </a:r>
+          </a:p>
+          <a:p>
+            <a:r>
+              <a:rPr lang="pt-BR" sz="1400" b="1" dirty="0" err="1">
+                <a:latin typeface="Courier New" panose="02070309020205020404" pitchFamily="49" charset="0"/>
+                <a:cs typeface="Courier New" panose="02070309020205020404" pitchFamily="49" charset="0"/>
+              </a:rPr>
+              <a:t>import</a:t>
+            </a:r>
+            <a:r>
+              <a:rPr lang="pt-BR" sz="1400" b="1" dirty="0">
+                <a:latin typeface="Courier New" panose="02070309020205020404" pitchFamily="49" charset="0"/>
+                <a:cs typeface="Courier New" panose="02070309020205020404" pitchFamily="49" charset="0"/>
+              </a:rPr>
+              <a:t> { </a:t>
+            </a:r>
+            <a:r>
+              <a:rPr lang="pt-BR" sz="1400" b="1" dirty="0" err="1">
+                <a:latin typeface="Courier New" panose="02070309020205020404" pitchFamily="49" charset="0"/>
+                <a:cs typeface="Courier New" panose="02070309020205020404" pitchFamily="49" charset="0"/>
+              </a:rPr>
+              <a:t>Observable</a:t>
+            </a:r>
+            <a:r>
+              <a:rPr lang="pt-BR" sz="1400" b="1" dirty="0">
+                <a:latin typeface="Courier New" panose="02070309020205020404" pitchFamily="49" charset="0"/>
+                <a:cs typeface="Courier New" panose="02070309020205020404" pitchFamily="49" charset="0"/>
+              </a:rPr>
+              <a:t>, </a:t>
+            </a:r>
+            <a:r>
+              <a:rPr lang="pt-BR" sz="1400" b="1" dirty="0" err="1">
+                <a:latin typeface="Courier New" panose="02070309020205020404" pitchFamily="49" charset="0"/>
+                <a:cs typeface="Courier New" panose="02070309020205020404" pitchFamily="49" charset="0"/>
+              </a:rPr>
+              <a:t>of</a:t>
+            </a:r>
+            <a:r>
+              <a:rPr lang="pt-BR" sz="1400" b="1" dirty="0">
+                <a:latin typeface="Courier New" panose="02070309020205020404" pitchFamily="49" charset="0"/>
+                <a:cs typeface="Courier New" panose="02070309020205020404" pitchFamily="49" charset="0"/>
+              </a:rPr>
+              <a:t> } </a:t>
+            </a:r>
+            <a:r>
+              <a:rPr lang="pt-BR" sz="1400" b="1" dirty="0" err="1">
+                <a:latin typeface="Courier New" panose="02070309020205020404" pitchFamily="49" charset="0"/>
+                <a:cs typeface="Courier New" panose="02070309020205020404" pitchFamily="49" charset="0"/>
+              </a:rPr>
+              <a:t>from</a:t>
+            </a:r>
+            <a:r>
+              <a:rPr lang="pt-BR" sz="1400" b="1" dirty="0">
+                <a:latin typeface="Courier New" panose="02070309020205020404" pitchFamily="49" charset="0"/>
+                <a:cs typeface="Courier New" panose="02070309020205020404" pitchFamily="49" charset="0"/>
+              </a:rPr>
+              <a:t> '</a:t>
+            </a:r>
+            <a:r>
+              <a:rPr lang="pt-BR" sz="1400" b="1" dirty="0" err="1">
+                <a:latin typeface="Courier New" panose="02070309020205020404" pitchFamily="49" charset="0"/>
+                <a:cs typeface="Courier New" panose="02070309020205020404" pitchFamily="49" charset="0"/>
+              </a:rPr>
+              <a:t>rxjs</a:t>
+            </a:r>
+            <a:r>
+              <a:rPr lang="pt-BR" sz="1400" b="1" dirty="0">
+                <a:latin typeface="Courier New" panose="02070309020205020404" pitchFamily="49" charset="0"/>
+                <a:cs typeface="Courier New" panose="02070309020205020404" pitchFamily="49" charset="0"/>
+              </a:rPr>
+              <a:t>';</a:t>
+            </a:r>
+          </a:p>
+          <a:p>
+            <a:endParaRPr lang="pt-BR" sz="1400" dirty="0">
+              <a:latin typeface="Courier New" panose="02070309020205020404" pitchFamily="49" charset="0"/>
+              <a:cs typeface="Courier New" panose="02070309020205020404" pitchFamily="49" charset="0"/>
+            </a:endParaRPr>
+          </a:p>
+          <a:p>
+            <a:r>
+              <a:rPr lang="pt-BR" sz="1400" dirty="0">
+                <a:latin typeface="Courier New" panose="02070309020205020404" pitchFamily="49" charset="0"/>
+                <a:cs typeface="Courier New" panose="02070309020205020404" pitchFamily="49" charset="0"/>
+              </a:rPr>
+              <a:t>@</a:t>
+            </a:r>
+            <a:r>
+              <a:rPr lang="pt-BR" sz="1400" dirty="0" err="1">
+                <a:latin typeface="Courier New" panose="02070309020205020404" pitchFamily="49" charset="0"/>
+                <a:cs typeface="Courier New" panose="02070309020205020404" pitchFamily="49" charset="0"/>
+              </a:rPr>
+              <a:t>Injectable</a:t>
+            </a:r>
+            <a:r>
+              <a:rPr lang="pt-BR" sz="1400" dirty="0">
+                <a:latin typeface="Courier New" panose="02070309020205020404" pitchFamily="49" charset="0"/>
+                <a:cs typeface="Courier New" panose="02070309020205020404" pitchFamily="49" charset="0"/>
+              </a:rPr>
+              <a:t>({</a:t>
+            </a:r>
+          </a:p>
+          <a:p>
+            <a:r>
+              <a:rPr lang="pt-BR" sz="1400" dirty="0">
+                <a:latin typeface="Courier New" panose="02070309020205020404" pitchFamily="49" charset="0"/>
+                <a:cs typeface="Courier New" panose="02070309020205020404" pitchFamily="49" charset="0"/>
+              </a:rPr>
+              <a:t>  </a:t>
+            </a:r>
+            <a:r>
+              <a:rPr lang="pt-BR" sz="1400" dirty="0" err="1">
+                <a:latin typeface="Courier New" panose="02070309020205020404" pitchFamily="49" charset="0"/>
+                <a:cs typeface="Courier New" panose="02070309020205020404" pitchFamily="49" charset="0"/>
+              </a:rPr>
+              <a:t>providedIn</a:t>
+            </a:r>
+            <a:r>
+              <a:rPr lang="pt-BR" sz="1400" dirty="0">
+                <a:latin typeface="Courier New" panose="02070309020205020404" pitchFamily="49" charset="0"/>
+                <a:cs typeface="Courier New" panose="02070309020205020404" pitchFamily="49" charset="0"/>
+              </a:rPr>
+              <a:t>: 'root'</a:t>
+            </a:r>
+          </a:p>
+          <a:p>
+            <a:r>
+              <a:rPr lang="pt-BR" sz="1400" dirty="0">
+                <a:latin typeface="Courier New" panose="02070309020205020404" pitchFamily="49" charset="0"/>
+                <a:cs typeface="Courier New" panose="02070309020205020404" pitchFamily="49" charset="0"/>
+              </a:rPr>
+              <a:t>})</a:t>
+            </a:r>
+          </a:p>
+          <a:p>
+            <a:r>
+              <a:rPr lang="pt-BR" sz="1400" dirty="0" err="1">
+                <a:latin typeface="Courier New" panose="02070309020205020404" pitchFamily="49" charset="0"/>
+                <a:cs typeface="Courier New" panose="02070309020205020404" pitchFamily="49" charset="0"/>
+              </a:rPr>
+              <a:t>export</a:t>
+            </a:r>
+            <a:r>
+              <a:rPr lang="pt-BR" sz="1400" dirty="0">
+                <a:latin typeface="Courier New" panose="02070309020205020404" pitchFamily="49" charset="0"/>
+                <a:cs typeface="Courier New" panose="02070309020205020404" pitchFamily="49" charset="0"/>
+              </a:rPr>
+              <a:t> </a:t>
+            </a:r>
+            <a:r>
+              <a:rPr lang="pt-BR" sz="1400" dirty="0" err="1">
+                <a:latin typeface="Courier New" panose="02070309020205020404" pitchFamily="49" charset="0"/>
+                <a:cs typeface="Courier New" panose="02070309020205020404" pitchFamily="49" charset="0"/>
+              </a:rPr>
+              <a:t>class</a:t>
+            </a:r>
+            <a:r>
+              <a:rPr lang="pt-BR" sz="1400" dirty="0">
+                <a:latin typeface="Courier New" panose="02070309020205020404" pitchFamily="49" charset="0"/>
+                <a:cs typeface="Courier New" panose="02070309020205020404" pitchFamily="49" charset="0"/>
+              </a:rPr>
+              <a:t> </a:t>
+            </a:r>
+            <a:r>
+              <a:rPr lang="pt-BR" sz="1400" dirty="0" err="1">
+                <a:latin typeface="Courier New" panose="02070309020205020404" pitchFamily="49" charset="0"/>
+                <a:cs typeface="Courier New" panose="02070309020205020404" pitchFamily="49" charset="0"/>
+              </a:rPr>
+              <a:t>CustomPreloaderService</a:t>
+            </a:r>
+            <a:r>
+              <a:rPr lang="pt-BR" sz="1400" dirty="0">
+                <a:latin typeface="Courier New" panose="02070309020205020404" pitchFamily="49" charset="0"/>
+                <a:cs typeface="Courier New" panose="02070309020205020404" pitchFamily="49" charset="0"/>
+              </a:rPr>
+              <a:t> </a:t>
+            </a:r>
+            <a:r>
+              <a:rPr lang="pt-BR" sz="1400" b="1" dirty="0" err="1">
+                <a:latin typeface="Courier New" panose="02070309020205020404" pitchFamily="49" charset="0"/>
+                <a:cs typeface="Courier New" panose="02070309020205020404" pitchFamily="49" charset="0"/>
+              </a:rPr>
+              <a:t>implements</a:t>
+            </a:r>
+            <a:r>
+              <a:rPr lang="pt-BR" sz="1400" b="1" dirty="0">
+                <a:latin typeface="Courier New" panose="02070309020205020404" pitchFamily="49" charset="0"/>
+                <a:cs typeface="Courier New" panose="02070309020205020404" pitchFamily="49" charset="0"/>
+              </a:rPr>
+              <a:t> </a:t>
+            </a:r>
+            <a:r>
+              <a:rPr lang="pt-BR" sz="1400" b="1" dirty="0" err="1">
+                <a:latin typeface="Courier New" panose="02070309020205020404" pitchFamily="49" charset="0"/>
+                <a:cs typeface="Courier New" panose="02070309020205020404" pitchFamily="49" charset="0"/>
+              </a:rPr>
+              <a:t>PreloadingStrategy</a:t>
+            </a:r>
+            <a:r>
+              <a:rPr lang="pt-BR" sz="1400" b="1" dirty="0">
+                <a:latin typeface="Courier New" panose="02070309020205020404" pitchFamily="49" charset="0"/>
+                <a:cs typeface="Courier New" panose="02070309020205020404" pitchFamily="49" charset="0"/>
+              </a:rPr>
+              <a:t> </a:t>
+            </a:r>
+            <a:r>
+              <a:rPr lang="pt-BR" sz="1400" dirty="0">
+                <a:latin typeface="Courier New" panose="02070309020205020404" pitchFamily="49" charset="0"/>
+                <a:cs typeface="Courier New" panose="02070309020205020404" pitchFamily="49" charset="0"/>
+              </a:rPr>
+              <a:t>{</a:t>
+            </a:r>
+          </a:p>
+          <a:p>
+            <a:endParaRPr lang="pt-BR" sz="1400" dirty="0">
+              <a:latin typeface="Courier New" panose="02070309020205020404" pitchFamily="49" charset="0"/>
+              <a:cs typeface="Courier New" panose="02070309020205020404" pitchFamily="49" charset="0"/>
+            </a:endParaRPr>
+          </a:p>
+          <a:p>
+            <a:r>
+              <a:rPr lang="pt-BR" sz="1400" dirty="0">
+                <a:latin typeface="Courier New" panose="02070309020205020404" pitchFamily="49" charset="0"/>
+                <a:cs typeface="Courier New" panose="02070309020205020404" pitchFamily="49" charset="0"/>
+              </a:rPr>
+              <a:t>  </a:t>
+            </a:r>
+            <a:r>
+              <a:rPr lang="pt-BR" sz="1400" b="1" dirty="0" err="1">
+                <a:latin typeface="Courier New" panose="02070309020205020404" pitchFamily="49" charset="0"/>
+                <a:cs typeface="Courier New" panose="02070309020205020404" pitchFamily="49" charset="0"/>
+              </a:rPr>
+              <a:t>preload</a:t>
+            </a:r>
+            <a:r>
+              <a:rPr lang="pt-BR" sz="1400" b="1" dirty="0">
+                <a:latin typeface="Courier New" panose="02070309020205020404" pitchFamily="49" charset="0"/>
+                <a:cs typeface="Courier New" panose="02070309020205020404" pitchFamily="49" charset="0"/>
+              </a:rPr>
+              <a:t>(</a:t>
+            </a:r>
+            <a:r>
+              <a:rPr lang="pt-BR" sz="1400" b="1" dirty="0" err="1">
+                <a:latin typeface="Courier New" panose="02070309020205020404" pitchFamily="49" charset="0"/>
+                <a:cs typeface="Courier New" panose="02070309020205020404" pitchFamily="49" charset="0"/>
+              </a:rPr>
+              <a:t>route</a:t>
+            </a:r>
+            <a:r>
+              <a:rPr lang="pt-BR" sz="1400" b="1" dirty="0">
+                <a:latin typeface="Courier New" panose="02070309020205020404" pitchFamily="49" charset="0"/>
+                <a:cs typeface="Courier New" panose="02070309020205020404" pitchFamily="49" charset="0"/>
+              </a:rPr>
+              <a:t>: </a:t>
+            </a:r>
+            <a:r>
+              <a:rPr lang="pt-BR" sz="1400" b="1" dirty="0" err="1">
+                <a:latin typeface="Courier New" panose="02070309020205020404" pitchFamily="49" charset="0"/>
+                <a:cs typeface="Courier New" panose="02070309020205020404" pitchFamily="49" charset="0"/>
+              </a:rPr>
+              <a:t>Route</a:t>
+            </a:r>
+            <a:r>
+              <a:rPr lang="pt-BR" sz="1400" b="1" dirty="0">
+                <a:latin typeface="Courier New" panose="02070309020205020404" pitchFamily="49" charset="0"/>
+                <a:cs typeface="Courier New" panose="02070309020205020404" pitchFamily="49" charset="0"/>
+              </a:rPr>
+              <a:t>, </a:t>
+            </a:r>
+            <a:r>
+              <a:rPr lang="pt-BR" sz="1400" b="1" dirty="0" err="1">
+                <a:latin typeface="Courier New" panose="02070309020205020404" pitchFamily="49" charset="0"/>
+                <a:cs typeface="Courier New" panose="02070309020205020404" pitchFamily="49" charset="0"/>
+              </a:rPr>
+              <a:t>load</a:t>
+            </a:r>
+            <a:r>
+              <a:rPr lang="pt-BR" sz="1400" b="1" dirty="0">
+                <a:latin typeface="Courier New" panose="02070309020205020404" pitchFamily="49" charset="0"/>
+                <a:cs typeface="Courier New" panose="02070309020205020404" pitchFamily="49" charset="0"/>
+              </a:rPr>
+              <a:t>: () =&gt; </a:t>
+            </a:r>
+            <a:r>
+              <a:rPr lang="pt-BR" sz="1400" b="1" dirty="0" err="1">
+                <a:latin typeface="Courier New" panose="02070309020205020404" pitchFamily="49" charset="0"/>
+                <a:cs typeface="Courier New" panose="02070309020205020404" pitchFamily="49" charset="0"/>
+              </a:rPr>
+              <a:t>Observable</a:t>
+            </a:r>
+            <a:r>
+              <a:rPr lang="pt-BR" sz="1400" b="1" dirty="0">
+                <a:latin typeface="Courier New" panose="02070309020205020404" pitchFamily="49" charset="0"/>
+                <a:cs typeface="Courier New" panose="02070309020205020404" pitchFamily="49" charset="0"/>
+              </a:rPr>
+              <a:t>&lt;</a:t>
+            </a:r>
+            <a:r>
+              <a:rPr lang="pt-BR" sz="1400" b="1" dirty="0" err="1">
+                <a:latin typeface="Courier New" panose="02070309020205020404" pitchFamily="49" charset="0"/>
+                <a:cs typeface="Courier New" panose="02070309020205020404" pitchFamily="49" charset="0"/>
+              </a:rPr>
+              <a:t>any</a:t>
+            </a:r>
+            <a:r>
+              <a:rPr lang="pt-BR" sz="1400" b="1" dirty="0">
+                <a:latin typeface="Courier New" panose="02070309020205020404" pitchFamily="49" charset="0"/>
+                <a:cs typeface="Courier New" panose="02070309020205020404" pitchFamily="49" charset="0"/>
+              </a:rPr>
+              <a:t>&gt;): </a:t>
+            </a:r>
+            <a:r>
+              <a:rPr lang="pt-BR" sz="1400" b="1" dirty="0" err="1">
+                <a:latin typeface="Courier New" panose="02070309020205020404" pitchFamily="49" charset="0"/>
+                <a:cs typeface="Courier New" panose="02070309020205020404" pitchFamily="49" charset="0"/>
+              </a:rPr>
+              <a:t>Observable</a:t>
+            </a:r>
+            <a:r>
+              <a:rPr lang="pt-BR" sz="1400" b="1" dirty="0">
+                <a:latin typeface="Courier New" panose="02070309020205020404" pitchFamily="49" charset="0"/>
+                <a:cs typeface="Courier New" panose="02070309020205020404" pitchFamily="49" charset="0"/>
+              </a:rPr>
+              <a:t>&lt;</a:t>
+            </a:r>
+            <a:r>
+              <a:rPr lang="pt-BR" sz="1400" b="1" dirty="0" err="1">
+                <a:latin typeface="Courier New" panose="02070309020205020404" pitchFamily="49" charset="0"/>
+                <a:cs typeface="Courier New" panose="02070309020205020404" pitchFamily="49" charset="0"/>
+              </a:rPr>
+              <a:t>any</a:t>
+            </a:r>
+            <a:r>
+              <a:rPr lang="pt-BR" sz="1400" b="1" dirty="0">
+                <a:latin typeface="Courier New" panose="02070309020205020404" pitchFamily="49" charset="0"/>
+                <a:cs typeface="Courier New" panose="02070309020205020404" pitchFamily="49" charset="0"/>
+              </a:rPr>
+              <a:t>&gt; {</a:t>
+            </a:r>
+          </a:p>
+          <a:p>
+            <a:r>
+              <a:rPr lang="pt-BR" sz="1400" b="1" dirty="0">
+                <a:latin typeface="Courier New" panose="02070309020205020404" pitchFamily="49" charset="0"/>
+                <a:cs typeface="Courier New" panose="02070309020205020404" pitchFamily="49" charset="0"/>
+              </a:rPr>
+              <a:t>    </a:t>
+            </a:r>
+            <a:r>
+              <a:rPr lang="pt-BR" sz="1400" b="1" dirty="0" err="1">
+                <a:latin typeface="Courier New" panose="02070309020205020404" pitchFamily="49" charset="0"/>
+                <a:cs typeface="Courier New" panose="02070309020205020404" pitchFamily="49" charset="0"/>
+              </a:rPr>
+              <a:t>return</a:t>
+            </a:r>
+            <a:r>
+              <a:rPr lang="pt-BR" sz="1400" b="1" dirty="0">
+                <a:latin typeface="Courier New" panose="02070309020205020404" pitchFamily="49" charset="0"/>
+                <a:cs typeface="Courier New" panose="02070309020205020404" pitchFamily="49" charset="0"/>
+              </a:rPr>
+              <a:t> </a:t>
+            </a:r>
+            <a:r>
+              <a:rPr lang="pt-BR" sz="1400" b="1" dirty="0" err="1">
+                <a:latin typeface="Courier New" panose="02070309020205020404" pitchFamily="49" charset="0"/>
+                <a:cs typeface="Courier New" panose="02070309020205020404" pitchFamily="49" charset="0"/>
+              </a:rPr>
+              <a:t>route.data</a:t>
+            </a:r>
+            <a:r>
+              <a:rPr lang="pt-BR" sz="1400" b="1" dirty="0">
+                <a:latin typeface="Courier New" panose="02070309020205020404" pitchFamily="49" charset="0"/>
+                <a:cs typeface="Courier New" panose="02070309020205020404" pitchFamily="49" charset="0"/>
+              </a:rPr>
+              <a:t> &amp;&amp; </a:t>
+            </a:r>
+            <a:r>
+              <a:rPr lang="pt-BR" sz="1400" b="1" dirty="0" err="1">
+                <a:latin typeface="Courier New" panose="02070309020205020404" pitchFamily="49" charset="0"/>
+                <a:cs typeface="Courier New" panose="02070309020205020404" pitchFamily="49" charset="0"/>
+              </a:rPr>
+              <a:t>route.data.preload</a:t>
+            </a:r>
+            <a:r>
+              <a:rPr lang="pt-BR" sz="1400" b="1" dirty="0">
+                <a:latin typeface="Courier New" panose="02070309020205020404" pitchFamily="49" charset="0"/>
+                <a:cs typeface="Courier New" panose="02070309020205020404" pitchFamily="49" charset="0"/>
+              </a:rPr>
+              <a:t> ? </a:t>
+            </a:r>
+            <a:r>
+              <a:rPr lang="pt-BR" sz="1400" b="1" dirty="0" err="1">
+                <a:latin typeface="Courier New" panose="02070309020205020404" pitchFamily="49" charset="0"/>
+                <a:cs typeface="Courier New" panose="02070309020205020404" pitchFamily="49" charset="0"/>
+              </a:rPr>
+              <a:t>load</a:t>
+            </a:r>
+            <a:r>
+              <a:rPr lang="pt-BR" sz="1400" b="1" dirty="0">
+                <a:latin typeface="Courier New" panose="02070309020205020404" pitchFamily="49" charset="0"/>
+                <a:cs typeface="Courier New" panose="02070309020205020404" pitchFamily="49" charset="0"/>
+              </a:rPr>
+              <a:t>() : </a:t>
+            </a:r>
+            <a:r>
+              <a:rPr lang="pt-BR" sz="1400" b="1" dirty="0" err="1">
+                <a:latin typeface="Courier New" panose="02070309020205020404" pitchFamily="49" charset="0"/>
+                <a:cs typeface="Courier New" panose="02070309020205020404" pitchFamily="49" charset="0"/>
+              </a:rPr>
+              <a:t>of</a:t>
+            </a:r>
+            <a:r>
+              <a:rPr lang="pt-BR" sz="1400" b="1" dirty="0">
+                <a:latin typeface="Courier New" panose="02070309020205020404" pitchFamily="49" charset="0"/>
+                <a:cs typeface="Courier New" panose="02070309020205020404" pitchFamily="49" charset="0"/>
+              </a:rPr>
+              <a:t>(</a:t>
+            </a:r>
+            <a:r>
+              <a:rPr lang="pt-BR" sz="1400" b="1" dirty="0" err="1">
+                <a:latin typeface="Courier New" panose="02070309020205020404" pitchFamily="49" charset="0"/>
+                <a:cs typeface="Courier New" panose="02070309020205020404" pitchFamily="49" charset="0"/>
+              </a:rPr>
+              <a:t>null</a:t>
+            </a:r>
+            <a:r>
+              <a:rPr lang="pt-BR" sz="1400" b="1" dirty="0">
+                <a:latin typeface="Courier New" panose="02070309020205020404" pitchFamily="49" charset="0"/>
+                <a:cs typeface="Courier New" panose="02070309020205020404" pitchFamily="49" charset="0"/>
+              </a:rPr>
+              <a:t>);</a:t>
+            </a:r>
+          </a:p>
+          <a:p>
+            <a:r>
+              <a:rPr lang="pt-BR" sz="1400" b="1" dirty="0">
+                <a:latin typeface="Courier New" panose="02070309020205020404" pitchFamily="49" charset="0"/>
+                <a:cs typeface="Courier New" panose="02070309020205020404" pitchFamily="49" charset="0"/>
+              </a:rPr>
+              <a:t>  }</a:t>
+            </a:r>
+          </a:p>
+          <a:p>
+            <a:endParaRPr lang="pt-BR" sz="1400" dirty="0">
+              <a:latin typeface="Courier New" panose="02070309020205020404" pitchFamily="49" charset="0"/>
+              <a:cs typeface="Courier New" panose="02070309020205020404" pitchFamily="49" charset="0"/>
+            </a:endParaRPr>
+          </a:p>
+          <a:p>
+            <a:r>
+              <a:rPr lang="pt-BR" sz="1400" dirty="0">
+                <a:latin typeface="Courier New" panose="02070309020205020404" pitchFamily="49" charset="0"/>
+                <a:cs typeface="Courier New" panose="02070309020205020404" pitchFamily="49" charset="0"/>
+              </a:rPr>
+              <a:t>}</a:t>
+            </a:r>
+          </a:p>
+        </p:txBody>
+      </p:sp>
+    </p:spTree>
+    <p:extLst>
+      <p:ext uri="{BB962C8B-B14F-4D97-AF65-F5344CB8AC3E}">
+        <p14:creationId xmlns:p14="http://schemas.microsoft.com/office/powerpoint/2010/main" val="2483762174"/>
+      </p:ext>
+    </p:extLst>
+  </p:cSld>
+  <p:clrMapOvr>
+    <a:masterClrMapping/>
+  </p:clrMapOvr>
+</p:sld>
+</file>
+
+<file path=ppt/slides/slide16.xml><?xml version="1.0" encoding="utf-8"?>
+<p:sld xmlns:a="http://schemas.openxmlformats.org/drawingml/2006/main" xmlns:r="http://schemas.openxmlformats.org/officeDocument/2006/relationships" xmlns:p="http://schemas.openxmlformats.org/presentationml/2006/main">
+  <p:cSld>
+    <p:spTree>
+      <p:nvGrpSpPr>
+        <p:cNvPr id="1" name=""/>
+        <p:cNvGrpSpPr/>
+        <p:nvPr/>
+      </p:nvGrpSpPr>
+      <p:grpSpPr>
+        <a:xfrm>
+          <a:off x="0" y="0"/>
+          <a:ext cx="0" cy="0"/>
+          <a:chOff x="0" y="0"/>
+          <a:chExt cx="0" cy="0"/>
+        </a:xfrm>
+      </p:grpSpPr>
+      <p:sp>
+        <p:nvSpPr>
+          <p:cNvPr id="2" name="Título 1">
+            <a:extLst>
+              <a:ext uri="{FF2B5EF4-FFF2-40B4-BE49-F238E27FC236}">
+                <a16:creationId xmlns:a16="http://schemas.microsoft.com/office/drawing/2014/main" id="{2803188B-252D-430D-95B5-2E9ABC5D9BF2}"/>
+              </a:ext>
+            </a:extLst>
+          </p:cNvPr>
+          <p:cNvSpPr>
+            <a:spLocks noGrp="1"/>
+          </p:cNvSpPr>
+          <p:nvPr>
+            <p:ph type="title"/>
+          </p:nvPr>
+        </p:nvSpPr>
+        <p:spPr/>
+        <p:txBody>
+          <a:bodyPr/>
+          <a:lstStyle/>
+          <a:p>
+            <a:r>
+              <a:rPr lang="pt-BR" dirty="0"/>
+              <a:t>O último problema (eu acho!)</a:t>
+            </a:r>
+          </a:p>
+        </p:txBody>
+      </p:sp>
+      <p:sp>
+        <p:nvSpPr>
+          <p:cNvPr id="3" name="Espaço Reservado para Conteúdo 2">
+            <a:extLst>
+              <a:ext uri="{FF2B5EF4-FFF2-40B4-BE49-F238E27FC236}">
+                <a16:creationId xmlns:a16="http://schemas.microsoft.com/office/drawing/2014/main" id="{D8731A63-D774-41B0-9E7C-8DEEAF71BFBD}"/>
+              </a:ext>
+            </a:extLst>
+          </p:cNvPr>
+          <p:cNvSpPr>
+            <a:spLocks noGrp="1"/>
+          </p:cNvSpPr>
+          <p:nvPr>
+            <p:ph idx="1"/>
+          </p:nvPr>
+        </p:nvSpPr>
+        <p:spPr>
+          <a:xfrm>
+            <a:off x="2412394" y="1906476"/>
+            <a:ext cx="7367212" cy="3045048"/>
+          </a:xfrm>
+        </p:spPr>
+        <p:txBody>
+          <a:bodyPr>
+            <a:normAutofit/>
+          </a:bodyPr>
+          <a:lstStyle/>
+          <a:p>
+            <a:pPr algn="ctr"/>
+            <a:r>
+              <a:rPr lang="pt-BR" sz="3200" dirty="0"/>
+              <a:t>Muitos módulos sendo </a:t>
+            </a:r>
+          </a:p>
+          <a:p>
+            <a:pPr algn="ctr"/>
+            <a:r>
+              <a:rPr lang="pt-BR" sz="3200" dirty="0"/>
+              <a:t>carregados em segundo plano </a:t>
+            </a:r>
+          </a:p>
+          <a:p>
+            <a:pPr algn="ctr"/>
+            <a:r>
+              <a:rPr lang="pt-BR" sz="3200" dirty="0"/>
+              <a:t>podem causar lentidão no tráfego de dados </a:t>
+            </a:r>
+          </a:p>
+          <a:p>
+            <a:pPr algn="ctr"/>
+            <a:r>
+              <a:rPr lang="pt-BR" sz="3200" dirty="0"/>
+              <a:t>do módulo que está em uso </a:t>
+            </a:r>
+          </a:p>
+          <a:p>
+            <a:pPr algn="ctr"/>
+            <a:r>
+              <a:rPr lang="pt-BR" sz="3200" dirty="0"/>
+              <a:t>E, INCLUSIVE, do módulo inicial</a:t>
+            </a:r>
+          </a:p>
+          <a:p>
+            <a:pPr algn="ctr"/>
+            <a:endParaRPr lang="pt-BR" sz="3200" dirty="0"/>
+          </a:p>
+        </p:txBody>
+      </p:sp>
+    </p:spTree>
+    <p:extLst>
+      <p:ext uri="{BB962C8B-B14F-4D97-AF65-F5344CB8AC3E}">
+        <p14:creationId xmlns:p14="http://schemas.microsoft.com/office/powerpoint/2010/main" val="1374606708"/>
+      </p:ext>
+    </p:extLst>
+  </p:cSld>
+  <p:clrMapOvr>
+    <a:masterClrMapping/>
+  </p:clrMapOvr>
+</p:sld>
+</file>
+
+<file path=ppt/slides/slide17.xml><?xml version="1.0" encoding="utf-8"?>
+<p:sld xmlns:a="http://schemas.openxmlformats.org/drawingml/2006/main" xmlns:r="http://schemas.openxmlformats.org/officeDocument/2006/relationships" xmlns:p="http://schemas.openxmlformats.org/presentationml/2006/main">
+  <p:cSld>
+    <p:spTree>
+      <p:nvGrpSpPr>
+        <p:cNvPr id="1" name=""/>
+        <p:cNvGrpSpPr/>
+        <p:nvPr/>
+      </p:nvGrpSpPr>
+      <p:grpSpPr>
+        <a:xfrm>
+          <a:off x="0" y="0"/>
+          <a:ext cx="0" cy="0"/>
+          <a:chOff x="0" y="0"/>
+          <a:chExt cx="0" cy="0"/>
+        </a:xfrm>
+      </p:grpSpPr>
+      <p:sp>
+        <p:nvSpPr>
+          <p:cNvPr id="2" name="Título 1">
+            <a:extLst>
+              <a:ext uri="{FF2B5EF4-FFF2-40B4-BE49-F238E27FC236}">
+                <a16:creationId xmlns:a16="http://schemas.microsoft.com/office/drawing/2014/main" id="{2803188B-252D-430D-95B5-2E9ABC5D9BF2}"/>
+              </a:ext>
+            </a:extLst>
+          </p:cNvPr>
+          <p:cNvSpPr>
+            <a:spLocks noGrp="1"/>
+          </p:cNvSpPr>
+          <p:nvPr>
+            <p:ph type="title"/>
+          </p:nvPr>
+        </p:nvSpPr>
+        <p:spPr/>
+        <p:txBody>
+          <a:bodyPr/>
+          <a:lstStyle/>
+          <a:p>
+            <a:r>
+              <a:rPr lang="pt-BR" dirty="0"/>
+              <a:t>Solução</a:t>
+            </a:r>
+          </a:p>
+        </p:txBody>
+      </p:sp>
+      <p:sp>
+        <p:nvSpPr>
+          <p:cNvPr id="3" name="Espaço Reservado para Conteúdo 2">
+            <a:extLst>
+              <a:ext uri="{FF2B5EF4-FFF2-40B4-BE49-F238E27FC236}">
+                <a16:creationId xmlns:a16="http://schemas.microsoft.com/office/drawing/2014/main" id="{D8731A63-D774-41B0-9E7C-8DEEAF71BFBD}"/>
+              </a:ext>
+            </a:extLst>
+          </p:cNvPr>
+          <p:cNvSpPr>
+            <a:spLocks noGrp="1"/>
+          </p:cNvSpPr>
+          <p:nvPr>
+            <p:ph idx="1"/>
+          </p:nvPr>
+        </p:nvSpPr>
+        <p:spPr/>
+        <p:txBody>
+          <a:bodyPr>
+            <a:normAutofit/>
+          </a:bodyPr>
+          <a:lstStyle/>
+          <a:p>
+            <a:pPr marL="0" indent="0">
+              <a:buNone/>
+            </a:pPr>
+            <a:r>
+              <a:rPr lang="pt-BR" sz="2400" dirty="0"/>
+              <a:t>Aplicar um </a:t>
+            </a:r>
+            <a:r>
+              <a:rPr lang="pt-BR" sz="2400" dirty="0" err="1"/>
+              <a:t>delay</a:t>
+            </a:r>
+            <a:r>
+              <a:rPr lang="pt-BR" sz="2400" dirty="0"/>
+              <a:t> antes de iniciar o módulo em segundo plano</a:t>
+            </a:r>
+          </a:p>
+          <a:p>
+            <a:endParaRPr lang="pt-BR" sz="2400" dirty="0"/>
+          </a:p>
+        </p:txBody>
+      </p:sp>
+      <p:sp>
+        <p:nvSpPr>
+          <p:cNvPr id="6" name="CaixaDeTexto 5">
+            <a:extLst>
+              <a:ext uri="{FF2B5EF4-FFF2-40B4-BE49-F238E27FC236}">
+                <a16:creationId xmlns:a16="http://schemas.microsoft.com/office/drawing/2014/main" id="{E335BDDD-A5D1-4ABD-BA01-37F4C5A06F5C}"/>
+              </a:ext>
+            </a:extLst>
+          </p:cNvPr>
+          <p:cNvSpPr txBox="1"/>
+          <p:nvPr/>
+        </p:nvSpPr>
+        <p:spPr>
+          <a:xfrm>
+            <a:off x="950075" y="2873872"/>
+            <a:ext cx="10573444" cy="2246769"/>
+          </a:xfrm>
+          <a:prstGeom prst="rect">
+            <a:avLst/>
+          </a:prstGeom>
+          <a:solidFill>
+            <a:schemeClr val="bg1">
+              <a:lumMod val="95000"/>
+            </a:schemeClr>
+          </a:solidFill>
+        </p:spPr>
+        <p:txBody>
+          <a:bodyPr wrap="square" rtlCol="0">
+            <a:spAutoFit/>
+          </a:bodyPr>
+          <a:lstStyle/>
+          <a:p>
+            <a:r>
+              <a:rPr lang="pt-BR" sz="1400" dirty="0" err="1">
+                <a:latin typeface="Courier New" panose="02070309020205020404" pitchFamily="49" charset="0"/>
+                <a:cs typeface="Courier New" panose="02070309020205020404" pitchFamily="49" charset="0"/>
+              </a:rPr>
+              <a:t>const</a:t>
+            </a:r>
+            <a:r>
+              <a:rPr lang="pt-BR" sz="1400" dirty="0">
+                <a:latin typeface="Courier New" panose="02070309020205020404" pitchFamily="49" charset="0"/>
+                <a:cs typeface="Courier New" panose="02070309020205020404" pitchFamily="49" charset="0"/>
+              </a:rPr>
+              <a:t> </a:t>
+            </a:r>
+            <a:r>
+              <a:rPr lang="pt-BR" sz="1400" dirty="0" err="1">
+                <a:latin typeface="Courier New" panose="02070309020205020404" pitchFamily="49" charset="0"/>
+                <a:cs typeface="Courier New" panose="02070309020205020404" pitchFamily="49" charset="0"/>
+              </a:rPr>
+              <a:t>routes</a:t>
+            </a:r>
+            <a:r>
+              <a:rPr lang="pt-BR" sz="1400" dirty="0">
+                <a:latin typeface="Courier New" panose="02070309020205020404" pitchFamily="49" charset="0"/>
+                <a:cs typeface="Courier New" panose="02070309020205020404" pitchFamily="49" charset="0"/>
+              </a:rPr>
+              <a:t>: </a:t>
+            </a:r>
+            <a:r>
+              <a:rPr lang="pt-BR" sz="1400" dirty="0" err="1">
+                <a:latin typeface="Courier New" panose="02070309020205020404" pitchFamily="49" charset="0"/>
+                <a:cs typeface="Courier New" panose="02070309020205020404" pitchFamily="49" charset="0"/>
+              </a:rPr>
+              <a:t>Routes</a:t>
+            </a:r>
+            <a:r>
+              <a:rPr lang="pt-BR" sz="1400" dirty="0">
+                <a:latin typeface="Courier New" panose="02070309020205020404" pitchFamily="49" charset="0"/>
+                <a:cs typeface="Courier New" panose="02070309020205020404" pitchFamily="49" charset="0"/>
+              </a:rPr>
+              <a:t> = [</a:t>
+            </a:r>
+          </a:p>
+          <a:p>
+            <a:r>
+              <a:rPr lang="pt-BR" sz="1400" dirty="0">
+                <a:latin typeface="Courier New" panose="02070309020205020404" pitchFamily="49" charset="0"/>
+                <a:cs typeface="Courier New" panose="02070309020205020404" pitchFamily="49" charset="0"/>
+              </a:rPr>
+              <a:t>  { path: '', </a:t>
+            </a:r>
+            <a:r>
+              <a:rPr lang="pt-BR" sz="1400" dirty="0" err="1">
+                <a:latin typeface="Courier New" panose="02070309020205020404" pitchFamily="49" charset="0"/>
+                <a:cs typeface="Courier New" panose="02070309020205020404" pitchFamily="49" charset="0"/>
+              </a:rPr>
+              <a:t>component</a:t>
+            </a:r>
+            <a:r>
+              <a:rPr lang="pt-BR" sz="1400" dirty="0">
+                <a:latin typeface="Courier New" panose="02070309020205020404" pitchFamily="49" charset="0"/>
+                <a:cs typeface="Courier New" panose="02070309020205020404" pitchFamily="49" charset="0"/>
+              </a:rPr>
+              <a:t>: </a:t>
+            </a:r>
+            <a:r>
+              <a:rPr lang="pt-BR" sz="1400" dirty="0" err="1">
+                <a:latin typeface="Courier New" panose="02070309020205020404" pitchFamily="49" charset="0"/>
+                <a:cs typeface="Courier New" panose="02070309020205020404" pitchFamily="49" charset="0"/>
+              </a:rPr>
+              <a:t>DashboardComponent</a:t>
+            </a:r>
+            <a:r>
+              <a:rPr lang="pt-BR" sz="1400" dirty="0">
+                <a:latin typeface="Courier New" panose="02070309020205020404" pitchFamily="49" charset="0"/>
+                <a:cs typeface="Courier New" panose="02070309020205020404" pitchFamily="49" charset="0"/>
+              </a:rPr>
+              <a:t> },</a:t>
+            </a:r>
+          </a:p>
+          <a:p>
+            <a:r>
+              <a:rPr lang="pt-BR" sz="1400" dirty="0">
+                <a:latin typeface="Courier New" panose="02070309020205020404" pitchFamily="49" charset="0"/>
+                <a:cs typeface="Courier New" panose="02070309020205020404" pitchFamily="49" charset="0"/>
+              </a:rPr>
+              <a:t>  { path: 'dashboard', </a:t>
+            </a:r>
+            <a:r>
+              <a:rPr lang="pt-BR" sz="1400" dirty="0" err="1">
+                <a:latin typeface="Courier New" panose="02070309020205020404" pitchFamily="49" charset="0"/>
+                <a:cs typeface="Courier New" panose="02070309020205020404" pitchFamily="49" charset="0"/>
+              </a:rPr>
+              <a:t>component</a:t>
+            </a:r>
+            <a:r>
+              <a:rPr lang="pt-BR" sz="1400" dirty="0">
+                <a:latin typeface="Courier New" panose="02070309020205020404" pitchFamily="49" charset="0"/>
+                <a:cs typeface="Courier New" panose="02070309020205020404" pitchFamily="49" charset="0"/>
+              </a:rPr>
+              <a:t>: </a:t>
+            </a:r>
+            <a:r>
+              <a:rPr lang="pt-BR" sz="1400" dirty="0" err="1">
+                <a:latin typeface="Courier New" panose="02070309020205020404" pitchFamily="49" charset="0"/>
+                <a:cs typeface="Courier New" panose="02070309020205020404" pitchFamily="49" charset="0"/>
+              </a:rPr>
+              <a:t>DashboardComponent</a:t>
+            </a:r>
+            <a:r>
+              <a:rPr lang="pt-BR" sz="1400" dirty="0">
+                <a:latin typeface="Courier New" panose="02070309020205020404" pitchFamily="49" charset="0"/>
+                <a:cs typeface="Courier New" panose="02070309020205020404" pitchFamily="49" charset="0"/>
+              </a:rPr>
+              <a:t> },</a:t>
+            </a:r>
+          </a:p>
+          <a:p>
+            <a:r>
+              <a:rPr lang="pt-BR" sz="1400" dirty="0">
+                <a:latin typeface="Courier New" panose="02070309020205020404" pitchFamily="49" charset="0"/>
+                <a:cs typeface="Courier New" panose="02070309020205020404" pitchFamily="49" charset="0"/>
+              </a:rPr>
+              <a:t>  {</a:t>
+            </a:r>
+          </a:p>
+          <a:p>
+            <a:r>
+              <a:rPr lang="pt-BR" sz="1400" dirty="0">
+                <a:latin typeface="Courier New" panose="02070309020205020404" pitchFamily="49" charset="0"/>
+                <a:cs typeface="Courier New" panose="02070309020205020404" pitchFamily="49" charset="0"/>
+              </a:rPr>
+              <a:t>    path: 'clientes',</a:t>
+            </a:r>
+          </a:p>
+          <a:p>
+            <a:r>
+              <a:rPr lang="pt-BR" sz="1400" dirty="0">
+                <a:latin typeface="Courier New" panose="02070309020205020404" pitchFamily="49" charset="0"/>
+                <a:cs typeface="Courier New" panose="02070309020205020404" pitchFamily="49" charset="0"/>
+              </a:rPr>
+              <a:t>    </a:t>
+            </a:r>
+            <a:r>
+              <a:rPr lang="pt-BR" sz="1400" dirty="0" err="1">
+                <a:latin typeface="Courier New" panose="02070309020205020404" pitchFamily="49" charset="0"/>
+                <a:cs typeface="Courier New" panose="02070309020205020404" pitchFamily="49" charset="0"/>
+              </a:rPr>
+              <a:t>loadChildren</a:t>
+            </a:r>
+            <a:r>
+              <a:rPr lang="pt-BR" sz="1400" dirty="0">
+                <a:latin typeface="Courier New" panose="02070309020205020404" pitchFamily="49" charset="0"/>
+                <a:cs typeface="Courier New" panose="02070309020205020404" pitchFamily="49" charset="0"/>
+              </a:rPr>
+              <a:t>: './clientes/</a:t>
+            </a:r>
+            <a:r>
+              <a:rPr lang="pt-BR" sz="1400" dirty="0" err="1">
+                <a:latin typeface="Courier New" panose="02070309020205020404" pitchFamily="49" charset="0"/>
+                <a:cs typeface="Courier New" panose="02070309020205020404" pitchFamily="49" charset="0"/>
+              </a:rPr>
+              <a:t>clientes.module#ClientesModule</a:t>
+            </a:r>
+            <a:r>
+              <a:rPr lang="pt-BR" sz="1400" dirty="0">
+                <a:latin typeface="Courier New" panose="02070309020205020404" pitchFamily="49" charset="0"/>
+                <a:cs typeface="Courier New" panose="02070309020205020404" pitchFamily="49" charset="0"/>
+              </a:rPr>
+              <a:t>',</a:t>
+            </a:r>
+          </a:p>
+          <a:p>
+            <a:r>
+              <a:rPr lang="pt-BR" sz="1400" dirty="0">
+                <a:latin typeface="Courier New" panose="02070309020205020404" pitchFamily="49" charset="0"/>
+                <a:cs typeface="Courier New" panose="02070309020205020404" pitchFamily="49" charset="0"/>
+              </a:rPr>
+              <a:t>    data: {</a:t>
+            </a:r>
+            <a:r>
+              <a:rPr lang="pt-BR" sz="1400" dirty="0" err="1">
+                <a:latin typeface="Courier New" panose="02070309020205020404" pitchFamily="49" charset="0"/>
+                <a:cs typeface="Courier New" panose="02070309020205020404" pitchFamily="49" charset="0"/>
+              </a:rPr>
+              <a:t>preload</a:t>
+            </a:r>
+            <a:r>
+              <a:rPr lang="pt-BR" sz="1400" dirty="0">
+                <a:latin typeface="Courier New" panose="02070309020205020404" pitchFamily="49" charset="0"/>
+                <a:cs typeface="Courier New" panose="02070309020205020404" pitchFamily="49" charset="0"/>
+              </a:rPr>
+              <a:t>: </a:t>
+            </a:r>
+            <a:r>
+              <a:rPr lang="pt-BR" sz="1400" dirty="0" err="1">
+                <a:latin typeface="Courier New" panose="02070309020205020404" pitchFamily="49" charset="0"/>
+                <a:cs typeface="Courier New" panose="02070309020205020404" pitchFamily="49" charset="0"/>
+              </a:rPr>
+              <a:t>true</a:t>
+            </a:r>
+            <a:r>
+              <a:rPr lang="pt-BR" sz="1400" b="1" dirty="0">
+                <a:latin typeface="Courier New" panose="02070309020205020404" pitchFamily="49" charset="0"/>
+                <a:cs typeface="Courier New" panose="02070309020205020404" pitchFamily="49" charset="0"/>
+              </a:rPr>
+              <a:t>, </a:t>
+            </a:r>
+            <a:r>
+              <a:rPr lang="pt-BR" sz="1400" b="1" dirty="0" err="1">
+                <a:latin typeface="Courier New" panose="02070309020205020404" pitchFamily="49" charset="0"/>
+                <a:cs typeface="Courier New" panose="02070309020205020404" pitchFamily="49" charset="0"/>
+              </a:rPr>
+              <a:t>delay</a:t>
+            </a:r>
+            <a:r>
+              <a:rPr lang="pt-BR" sz="1400" b="1" dirty="0">
+                <a:latin typeface="Courier New" panose="02070309020205020404" pitchFamily="49" charset="0"/>
+                <a:cs typeface="Courier New" panose="02070309020205020404" pitchFamily="49" charset="0"/>
+              </a:rPr>
+              <a:t>: 500</a:t>
+            </a:r>
+            <a:r>
+              <a:rPr lang="pt-BR" sz="1400" dirty="0">
+                <a:latin typeface="Courier New" panose="02070309020205020404" pitchFamily="49" charset="0"/>
+                <a:cs typeface="Courier New" panose="02070309020205020404" pitchFamily="49" charset="0"/>
+              </a:rPr>
+              <a:t>}</a:t>
+            </a:r>
+          </a:p>
+          <a:p>
+            <a:r>
+              <a:rPr lang="pt-BR" sz="1400" dirty="0">
+                <a:latin typeface="Courier New" panose="02070309020205020404" pitchFamily="49" charset="0"/>
+                <a:cs typeface="Courier New" panose="02070309020205020404" pitchFamily="49" charset="0"/>
+              </a:rPr>
+              <a:t>  },</a:t>
+            </a:r>
+          </a:p>
+          <a:p>
+            <a:r>
+              <a:rPr lang="pt-BR" sz="1400" dirty="0">
+                <a:latin typeface="Courier New" panose="02070309020205020404" pitchFamily="49" charset="0"/>
+                <a:cs typeface="Courier New" panose="02070309020205020404" pitchFamily="49" charset="0"/>
+              </a:rPr>
+              <a:t>  { path: 'fornecedores', </a:t>
+            </a:r>
+            <a:r>
+              <a:rPr lang="pt-BR" sz="1400" dirty="0" err="1">
+                <a:latin typeface="Courier New" panose="02070309020205020404" pitchFamily="49" charset="0"/>
+                <a:cs typeface="Courier New" panose="02070309020205020404" pitchFamily="49" charset="0"/>
+              </a:rPr>
+              <a:t>loadChildren</a:t>
+            </a:r>
+            <a:r>
+              <a:rPr lang="pt-BR" sz="1400" dirty="0">
+                <a:latin typeface="Courier New" panose="02070309020205020404" pitchFamily="49" charset="0"/>
+                <a:cs typeface="Courier New" panose="02070309020205020404" pitchFamily="49" charset="0"/>
+              </a:rPr>
+              <a:t>: './fornecedores/</a:t>
+            </a:r>
+            <a:r>
+              <a:rPr lang="pt-BR" sz="1400" dirty="0" err="1">
+                <a:latin typeface="Courier New" panose="02070309020205020404" pitchFamily="49" charset="0"/>
+                <a:cs typeface="Courier New" panose="02070309020205020404" pitchFamily="49" charset="0"/>
+              </a:rPr>
+              <a:t>fornecedores.module#FornecedoresModule</a:t>
+            </a:r>
+            <a:r>
+              <a:rPr lang="pt-BR" sz="1400" dirty="0">
+                <a:latin typeface="Courier New" panose="02070309020205020404" pitchFamily="49" charset="0"/>
+                <a:cs typeface="Courier New" panose="02070309020205020404" pitchFamily="49" charset="0"/>
+              </a:rPr>
+              <a:t>' }</a:t>
+            </a:r>
+          </a:p>
+          <a:p>
+            <a:r>
+              <a:rPr lang="pt-BR" sz="1400" dirty="0">
+                <a:latin typeface="Courier New" panose="02070309020205020404" pitchFamily="49" charset="0"/>
+                <a:cs typeface="Courier New" panose="02070309020205020404" pitchFamily="49" charset="0"/>
+              </a:rPr>
+              <a:t>];</a:t>
+            </a:r>
+          </a:p>
+        </p:txBody>
+      </p:sp>
+    </p:spTree>
+    <p:extLst>
+      <p:ext uri="{BB962C8B-B14F-4D97-AF65-F5344CB8AC3E}">
+        <p14:creationId xmlns:p14="http://schemas.microsoft.com/office/powerpoint/2010/main" val="2821891049"/>
+      </p:ext>
+    </p:extLst>
+  </p:cSld>
+  <p:clrMapOvr>
+    <a:masterClrMapping/>
+  </p:clrMapOvr>
+</p:sld>
+</file>
+
+<file path=ppt/slides/slide18.xml><?xml version="1.0" encoding="utf-8"?>
+<p:sld xmlns:a="http://schemas.openxmlformats.org/drawingml/2006/main" xmlns:r="http://schemas.openxmlformats.org/officeDocument/2006/relationships" xmlns:p="http://schemas.openxmlformats.org/presentationml/2006/main">
+  <p:cSld>
+    <p:spTree>
+      <p:nvGrpSpPr>
+        <p:cNvPr id="1" name=""/>
+        <p:cNvGrpSpPr/>
+        <p:nvPr/>
+      </p:nvGrpSpPr>
+      <p:grpSpPr>
+        <a:xfrm>
+          <a:off x="0" y="0"/>
+          <a:ext cx="0" cy="0"/>
+          <a:chOff x="0" y="0"/>
+          <a:chExt cx="0" cy="0"/>
+        </a:xfrm>
+      </p:grpSpPr>
+      <p:sp>
+        <p:nvSpPr>
+          <p:cNvPr id="2" name="Título 1">
+            <a:extLst>
+              <a:ext uri="{FF2B5EF4-FFF2-40B4-BE49-F238E27FC236}">
+                <a16:creationId xmlns:a16="http://schemas.microsoft.com/office/drawing/2014/main" id="{2803188B-252D-430D-95B5-2E9ABC5D9BF2}"/>
+              </a:ext>
+            </a:extLst>
+          </p:cNvPr>
+          <p:cNvSpPr>
+            <a:spLocks noGrp="1"/>
+          </p:cNvSpPr>
+          <p:nvPr>
+            <p:ph type="title"/>
+          </p:nvPr>
+        </p:nvSpPr>
+        <p:spPr/>
+        <p:txBody>
+          <a:bodyPr/>
+          <a:lstStyle/>
+          <a:p>
+            <a:r>
+              <a:rPr lang="pt-BR" dirty="0"/>
+              <a:t>Solução</a:t>
+            </a:r>
+          </a:p>
+        </p:txBody>
+      </p:sp>
+      <p:sp>
+        <p:nvSpPr>
+          <p:cNvPr id="3" name="Espaço Reservado para Conteúdo 2">
+            <a:extLst>
+              <a:ext uri="{FF2B5EF4-FFF2-40B4-BE49-F238E27FC236}">
+                <a16:creationId xmlns:a16="http://schemas.microsoft.com/office/drawing/2014/main" id="{D8731A63-D774-41B0-9E7C-8DEEAF71BFBD}"/>
+              </a:ext>
+            </a:extLst>
+          </p:cNvPr>
+          <p:cNvSpPr>
+            <a:spLocks noGrp="1"/>
+          </p:cNvSpPr>
+          <p:nvPr>
+            <p:ph idx="1"/>
+          </p:nvPr>
+        </p:nvSpPr>
+        <p:spPr/>
+        <p:txBody>
+          <a:bodyPr>
+            <a:normAutofit/>
+          </a:bodyPr>
+          <a:lstStyle/>
+          <a:p>
+            <a:r>
+              <a:rPr lang="pt-BR" sz="2400" dirty="0"/>
+              <a:t>Aplicar um </a:t>
+            </a:r>
+            <a:r>
+              <a:rPr lang="pt-BR" sz="2400" dirty="0" err="1"/>
+              <a:t>delay</a:t>
+            </a:r>
+            <a:r>
+              <a:rPr lang="pt-BR" sz="2400" dirty="0"/>
+              <a:t> antes de iniciar o módulo em segundo plano</a:t>
+            </a:r>
+          </a:p>
+          <a:p>
+            <a:endParaRPr lang="pt-BR" sz="2400" dirty="0"/>
+          </a:p>
+        </p:txBody>
+      </p:sp>
+      <p:sp>
+        <p:nvSpPr>
+          <p:cNvPr id="6" name="CaixaDeTexto 5">
+            <a:extLst>
+              <a:ext uri="{FF2B5EF4-FFF2-40B4-BE49-F238E27FC236}">
+                <a16:creationId xmlns:a16="http://schemas.microsoft.com/office/drawing/2014/main" id="{E335BDDD-A5D1-4ABD-BA01-37F4C5A06F5C}"/>
+              </a:ext>
+            </a:extLst>
+          </p:cNvPr>
+          <p:cNvSpPr txBox="1"/>
+          <p:nvPr/>
+        </p:nvSpPr>
+        <p:spPr>
+          <a:xfrm>
+            <a:off x="1407276" y="2333544"/>
+            <a:ext cx="8006888" cy="3970318"/>
+          </a:xfrm>
+          <a:prstGeom prst="rect">
+            <a:avLst/>
+          </a:prstGeom>
+          <a:solidFill>
+            <a:schemeClr val="bg1">
+              <a:lumMod val="95000"/>
+            </a:schemeClr>
+          </a:solidFill>
+        </p:spPr>
+        <p:txBody>
+          <a:bodyPr wrap="square" rtlCol="0">
+            <a:spAutoFit/>
+          </a:bodyPr>
+          <a:lstStyle/>
+          <a:p>
+            <a:r>
+              <a:rPr lang="pt-BR" sz="1400" dirty="0">
+                <a:latin typeface="Courier New" panose="02070309020205020404" pitchFamily="49" charset="0"/>
+                <a:cs typeface="Courier New" panose="02070309020205020404" pitchFamily="49" charset="0"/>
+              </a:rPr>
+              <a:t>...</a:t>
+            </a:r>
+          </a:p>
+          <a:p>
+            <a:r>
+              <a:rPr lang="pt-BR" sz="1400" b="1" dirty="0" err="1">
+                <a:latin typeface="Courier New" panose="02070309020205020404" pitchFamily="49" charset="0"/>
+                <a:cs typeface="Courier New" panose="02070309020205020404" pitchFamily="49" charset="0"/>
+              </a:rPr>
+              <a:t>import</a:t>
+            </a:r>
+            <a:r>
+              <a:rPr lang="pt-BR" sz="1400" b="1" dirty="0">
+                <a:latin typeface="Courier New" panose="02070309020205020404" pitchFamily="49" charset="0"/>
+                <a:cs typeface="Courier New" panose="02070309020205020404" pitchFamily="49" charset="0"/>
+              </a:rPr>
+              <a:t> { </a:t>
+            </a:r>
+            <a:r>
+              <a:rPr lang="pt-BR" sz="1400" b="1" dirty="0" err="1">
+                <a:latin typeface="Courier New" panose="02070309020205020404" pitchFamily="49" charset="0"/>
+                <a:cs typeface="Courier New" panose="02070309020205020404" pitchFamily="49" charset="0"/>
+              </a:rPr>
+              <a:t>flatMap</a:t>
+            </a:r>
+            <a:r>
+              <a:rPr lang="pt-BR" sz="1400" b="1" dirty="0">
+                <a:latin typeface="Courier New" panose="02070309020205020404" pitchFamily="49" charset="0"/>
+                <a:cs typeface="Courier New" panose="02070309020205020404" pitchFamily="49" charset="0"/>
+              </a:rPr>
+              <a:t> } </a:t>
+            </a:r>
+            <a:r>
+              <a:rPr lang="pt-BR" sz="1400" b="1" dirty="0" err="1">
+                <a:latin typeface="Courier New" panose="02070309020205020404" pitchFamily="49" charset="0"/>
+                <a:cs typeface="Courier New" panose="02070309020205020404" pitchFamily="49" charset="0"/>
+              </a:rPr>
+              <a:t>from</a:t>
+            </a:r>
+            <a:r>
+              <a:rPr lang="pt-BR" sz="1400" b="1" dirty="0">
+                <a:latin typeface="Courier New" panose="02070309020205020404" pitchFamily="49" charset="0"/>
+                <a:cs typeface="Courier New" panose="02070309020205020404" pitchFamily="49" charset="0"/>
+              </a:rPr>
+              <a:t> '</a:t>
+            </a:r>
+            <a:r>
+              <a:rPr lang="pt-BR" sz="1400" b="1" dirty="0" err="1">
+                <a:latin typeface="Courier New" panose="02070309020205020404" pitchFamily="49" charset="0"/>
+                <a:cs typeface="Courier New" panose="02070309020205020404" pitchFamily="49" charset="0"/>
+              </a:rPr>
+              <a:t>rxjs</a:t>
+            </a:r>
+            <a:r>
+              <a:rPr lang="pt-BR" sz="1400" b="1" dirty="0">
+                <a:latin typeface="Courier New" panose="02070309020205020404" pitchFamily="49" charset="0"/>
+                <a:cs typeface="Courier New" panose="02070309020205020404" pitchFamily="49" charset="0"/>
+              </a:rPr>
+              <a:t>/</a:t>
+            </a:r>
+            <a:r>
+              <a:rPr lang="pt-BR" sz="1400" b="1" dirty="0" err="1">
+                <a:latin typeface="Courier New" panose="02070309020205020404" pitchFamily="49" charset="0"/>
+                <a:cs typeface="Courier New" panose="02070309020205020404" pitchFamily="49" charset="0"/>
+              </a:rPr>
+              <a:t>operators</a:t>
+            </a:r>
+            <a:r>
+              <a:rPr lang="pt-BR" sz="1400" b="1" dirty="0">
+                <a:latin typeface="Courier New" panose="02070309020205020404" pitchFamily="49" charset="0"/>
+                <a:cs typeface="Courier New" panose="02070309020205020404" pitchFamily="49" charset="0"/>
+              </a:rPr>
+              <a:t>’;</a:t>
+            </a:r>
+          </a:p>
+          <a:p>
+            <a:r>
+              <a:rPr lang="pt-BR" sz="1400" dirty="0">
+                <a:latin typeface="Courier New" panose="02070309020205020404" pitchFamily="49" charset="0"/>
+                <a:cs typeface="Courier New" panose="02070309020205020404" pitchFamily="49" charset="0"/>
+              </a:rPr>
+              <a:t>...</a:t>
+            </a:r>
+          </a:p>
+          <a:p>
+            <a:r>
+              <a:rPr lang="pt-BR" sz="1400" dirty="0" err="1">
+                <a:latin typeface="Courier New" panose="02070309020205020404" pitchFamily="49" charset="0"/>
+                <a:cs typeface="Courier New" panose="02070309020205020404" pitchFamily="49" charset="0"/>
+              </a:rPr>
+              <a:t>export</a:t>
+            </a:r>
+            <a:r>
+              <a:rPr lang="pt-BR" sz="1400" dirty="0">
+                <a:latin typeface="Courier New" panose="02070309020205020404" pitchFamily="49" charset="0"/>
+                <a:cs typeface="Courier New" panose="02070309020205020404" pitchFamily="49" charset="0"/>
+              </a:rPr>
+              <a:t> </a:t>
+            </a:r>
+            <a:r>
+              <a:rPr lang="pt-BR" sz="1400" dirty="0" err="1">
+                <a:latin typeface="Courier New" panose="02070309020205020404" pitchFamily="49" charset="0"/>
+                <a:cs typeface="Courier New" panose="02070309020205020404" pitchFamily="49" charset="0"/>
+              </a:rPr>
+              <a:t>class</a:t>
+            </a:r>
+            <a:r>
+              <a:rPr lang="pt-BR" sz="1400" dirty="0">
+                <a:latin typeface="Courier New" panose="02070309020205020404" pitchFamily="49" charset="0"/>
+                <a:cs typeface="Courier New" panose="02070309020205020404" pitchFamily="49" charset="0"/>
+              </a:rPr>
+              <a:t> </a:t>
+            </a:r>
+            <a:r>
+              <a:rPr lang="pt-BR" sz="1400" dirty="0" err="1">
+                <a:latin typeface="Courier New" panose="02070309020205020404" pitchFamily="49" charset="0"/>
+                <a:cs typeface="Courier New" panose="02070309020205020404" pitchFamily="49" charset="0"/>
+              </a:rPr>
+              <a:t>CustomPreloaderService</a:t>
+            </a:r>
+            <a:r>
+              <a:rPr lang="pt-BR" sz="1400" dirty="0">
+                <a:latin typeface="Courier New" panose="02070309020205020404" pitchFamily="49" charset="0"/>
+                <a:cs typeface="Courier New" panose="02070309020205020404" pitchFamily="49" charset="0"/>
+              </a:rPr>
+              <a:t> </a:t>
+            </a:r>
+            <a:r>
+              <a:rPr lang="pt-BR" sz="1400" dirty="0" err="1">
+                <a:latin typeface="Courier New" panose="02070309020205020404" pitchFamily="49" charset="0"/>
+                <a:cs typeface="Courier New" panose="02070309020205020404" pitchFamily="49" charset="0"/>
+              </a:rPr>
+              <a:t>implements</a:t>
+            </a:r>
+            <a:r>
+              <a:rPr lang="pt-BR" sz="1400" dirty="0">
+                <a:latin typeface="Courier New" panose="02070309020205020404" pitchFamily="49" charset="0"/>
+                <a:cs typeface="Courier New" panose="02070309020205020404" pitchFamily="49" charset="0"/>
+              </a:rPr>
+              <a:t> </a:t>
+            </a:r>
+            <a:r>
+              <a:rPr lang="pt-BR" sz="1400" dirty="0" err="1">
+                <a:latin typeface="Courier New" panose="02070309020205020404" pitchFamily="49" charset="0"/>
+                <a:cs typeface="Courier New" panose="02070309020205020404" pitchFamily="49" charset="0"/>
+              </a:rPr>
+              <a:t>PreloadingStrategy</a:t>
+            </a:r>
+            <a:r>
+              <a:rPr lang="pt-BR" sz="1400" dirty="0">
+                <a:latin typeface="Courier New" panose="02070309020205020404" pitchFamily="49" charset="0"/>
+                <a:cs typeface="Courier New" panose="02070309020205020404" pitchFamily="49" charset="0"/>
+              </a:rPr>
+              <a:t> {</a:t>
+            </a:r>
+          </a:p>
+          <a:p>
+            <a:endParaRPr lang="pt-BR" sz="1400" dirty="0">
+              <a:latin typeface="Courier New" panose="02070309020205020404" pitchFamily="49" charset="0"/>
+              <a:cs typeface="Courier New" panose="02070309020205020404" pitchFamily="49" charset="0"/>
+            </a:endParaRPr>
+          </a:p>
+          <a:p>
+            <a:r>
+              <a:rPr lang="pt-BR" sz="1400" dirty="0">
+                <a:latin typeface="Courier New" panose="02070309020205020404" pitchFamily="49" charset="0"/>
+                <a:cs typeface="Courier New" panose="02070309020205020404" pitchFamily="49" charset="0"/>
+              </a:rPr>
+              <a:t>  </a:t>
+            </a:r>
+            <a:r>
+              <a:rPr lang="pt-BR" sz="1400" dirty="0" err="1">
+                <a:latin typeface="Courier New" panose="02070309020205020404" pitchFamily="49" charset="0"/>
+                <a:cs typeface="Courier New" panose="02070309020205020404" pitchFamily="49" charset="0"/>
+              </a:rPr>
+              <a:t>preload</a:t>
+            </a:r>
+            <a:r>
+              <a:rPr lang="pt-BR" sz="1400" dirty="0">
+                <a:latin typeface="Courier New" panose="02070309020205020404" pitchFamily="49" charset="0"/>
+                <a:cs typeface="Courier New" panose="02070309020205020404" pitchFamily="49" charset="0"/>
+              </a:rPr>
+              <a:t>(</a:t>
+            </a:r>
+            <a:r>
+              <a:rPr lang="pt-BR" sz="1400" dirty="0" err="1">
+                <a:latin typeface="Courier New" panose="02070309020205020404" pitchFamily="49" charset="0"/>
+                <a:cs typeface="Courier New" panose="02070309020205020404" pitchFamily="49" charset="0"/>
+              </a:rPr>
+              <a:t>route</a:t>
+            </a:r>
+            <a:r>
+              <a:rPr lang="pt-BR" sz="1400" dirty="0">
+                <a:latin typeface="Courier New" panose="02070309020205020404" pitchFamily="49" charset="0"/>
+                <a:cs typeface="Courier New" panose="02070309020205020404" pitchFamily="49" charset="0"/>
+              </a:rPr>
+              <a:t>: </a:t>
+            </a:r>
+            <a:r>
+              <a:rPr lang="pt-BR" sz="1400" dirty="0" err="1">
+                <a:latin typeface="Courier New" panose="02070309020205020404" pitchFamily="49" charset="0"/>
+                <a:cs typeface="Courier New" panose="02070309020205020404" pitchFamily="49" charset="0"/>
+              </a:rPr>
+              <a:t>Route</a:t>
+            </a:r>
+            <a:r>
+              <a:rPr lang="pt-BR" sz="1400" dirty="0">
+                <a:latin typeface="Courier New" panose="02070309020205020404" pitchFamily="49" charset="0"/>
+                <a:cs typeface="Courier New" panose="02070309020205020404" pitchFamily="49" charset="0"/>
+              </a:rPr>
+              <a:t>, </a:t>
+            </a:r>
+            <a:r>
+              <a:rPr lang="pt-BR" sz="1400" dirty="0" err="1">
+                <a:latin typeface="Courier New" panose="02070309020205020404" pitchFamily="49" charset="0"/>
+                <a:cs typeface="Courier New" panose="02070309020205020404" pitchFamily="49" charset="0"/>
+              </a:rPr>
+              <a:t>load</a:t>
+            </a:r>
+            <a:r>
+              <a:rPr lang="pt-BR" sz="1400" dirty="0">
+                <a:latin typeface="Courier New" panose="02070309020205020404" pitchFamily="49" charset="0"/>
+                <a:cs typeface="Courier New" panose="02070309020205020404" pitchFamily="49" charset="0"/>
+              </a:rPr>
+              <a:t>: () =&gt; </a:t>
+            </a:r>
+            <a:r>
+              <a:rPr lang="pt-BR" sz="1400" dirty="0" err="1">
+                <a:latin typeface="Courier New" panose="02070309020205020404" pitchFamily="49" charset="0"/>
+                <a:cs typeface="Courier New" panose="02070309020205020404" pitchFamily="49" charset="0"/>
+              </a:rPr>
+              <a:t>Observable</a:t>
+            </a:r>
+            <a:r>
+              <a:rPr lang="pt-BR" sz="1400" dirty="0">
+                <a:latin typeface="Courier New" panose="02070309020205020404" pitchFamily="49" charset="0"/>
+                <a:cs typeface="Courier New" panose="02070309020205020404" pitchFamily="49" charset="0"/>
+              </a:rPr>
+              <a:t>&lt;</a:t>
+            </a:r>
+            <a:r>
+              <a:rPr lang="pt-BR" sz="1400" dirty="0" err="1">
+                <a:latin typeface="Courier New" panose="02070309020205020404" pitchFamily="49" charset="0"/>
+                <a:cs typeface="Courier New" panose="02070309020205020404" pitchFamily="49" charset="0"/>
+              </a:rPr>
+              <a:t>any</a:t>
+            </a:r>
+            <a:r>
+              <a:rPr lang="pt-BR" sz="1400" dirty="0">
+                <a:latin typeface="Courier New" panose="02070309020205020404" pitchFamily="49" charset="0"/>
+                <a:cs typeface="Courier New" panose="02070309020205020404" pitchFamily="49" charset="0"/>
+              </a:rPr>
+              <a:t>&gt;): </a:t>
+            </a:r>
+            <a:r>
+              <a:rPr lang="pt-BR" sz="1400" dirty="0" err="1">
+                <a:latin typeface="Courier New" panose="02070309020205020404" pitchFamily="49" charset="0"/>
+                <a:cs typeface="Courier New" panose="02070309020205020404" pitchFamily="49" charset="0"/>
+              </a:rPr>
+              <a:t>Observable</a:t>
+            </a:r>
+            <a:r>
+              <a:rPr lang="pt-BR" sz="1400" dirty="0">
+                <a:latin typeface="Courier New" panose="02070309020205020404" pitchFamily="49" charset="0"/>
+                <a:cs typeface="Courier New" panose="02070309020205020404" pitchFamily="49" charset="0"/>
+              </a:rPr>
+              <a:t>&lt;</a:t>
+            </a:r>
+            <a:r>
+              <a:rPr lang="pt-BR" sz="1400" dirty="0" err="1">
+                <a:latin typeface="Courier New" panose="02070309020205020404" pitchFamily="49" charset="0"/>
+                <a:cs typeface="Courier New" panose="02070309020205020404" pitchFamily="49" charset="0"/>
+              </a:rPr>
+              <a:t>any</a:t>
+            </a:r>
+            <a:r>
+              <a:rPr lang="pt-BR" sz="1400" dirty="0">
+                <a:latin typeface="Courier New" panose="02070309020205020404" pitchFamily="49" charset="0"/>
+                <a:cs typeface="Courier New" panose="02070309020205020404" pitchFamily="49" charset="0"/>
+              </a:rPr>
+              <a:t>&gt; {</a:t>
+            </a:r>
+          </a:p>
+          <a:p>
+            <a:r>
+              <a:rPr lang="pt-BR" sz="1400" dirty="0">
+                <a:latin typeface="Courier New" panose="02070309020205020404" pitchFamily="49" charset="0"/>
+                <a:cs typeface="Courier New" panose="02070309020205020404" pitchFamily="49" charset="0"/>
+              </a:rPr>
+              <a:t>    </a:t>
+            </a:r>
+            <a:r>
+              <a:rPr lang="pt-BR" sz="1400" i="1" dirty="0">
+                <a:latin typeface="Courier New" panose="02070309020205020404" pitchFamily="49" charset="0"/>
+                <a:cs typeface="Courier New" panose="02070309020205020404" pitchFamily="49" charset="0"/>
+              </a:rPr>
+              <a:t>// </a:t>
+            </a:r>
+            <a:r>
+              <a:rPr lang="pt-BR" sz="1400" i="1" dirty="0" err="1">
+                <a:latin typeface="Courier New" panose="02070309020205020404" pitchFamily="49" charset="0"/>
+                <a:cs typeface="Courier New" panose="02070309020205020404" pitchFamily="49" charset="0"/>
+              </a:rPr>
+              <a:t>return</a:t>
+            </a:r>
+            <a:r>
+              <a:rPr lang="pt-BR" sz="1400" i="1" dirty="0">
+                <a:latin typeface="Courier New" panose="02070309020205020404" pitchFamily="49" charset="0"/>
+                <a:cs typeface="Courier New" panose="02070309020205020404" pitchFamily="49" charset="0"/>
+              </a:rPr>
+              <a:t> </a:t>
+            </a:r>
+            <a:r>
+              <a:rPr lang="pt-BR" sz="1400" i="1" dirty="0" err="1">
+                <a:latin typeface="Courier New" panose="02070309020205020404" pitchFamily="49" charset="0"/>
+                <a:cs typeface="Courier New" panose="02070309020205020404" pitchFamily="49" charset="0"/>
+              </a:rPr>
+              <a:t>route.data</a:t>
+            </a:r>
+            <a:r>
+              <a:rPr lang="pt-BR" sz="1400" i="1" dirty="0">
+                <a:latin typeface="Courier New" panose="02070309020205020404" pitchFamily="49" charset="0"/>
+                <a:cs typeface="Courier New" panose="02070309020205020404" pitchFamily="49" charset="0"/>
+              </a:rPr>
+              <a:t> &amp;&amp; </a:t>
+            </a:r>
+            <a:r>
+              <a:rPr lang="pt-BR" sz="1400" i="1" dirty="0" err="1">
+                <a:latin typeface="Courier New" panose="02070309020205020404" pitchFamily="49" charset="0"/>
+                <a:cs typeface="Courier New" panose="02070309020205020404" pitchFamily="49" charset="0"/>
+              </a:rPr>
+              <a:t>route.data.preload</a:t>
+            </a:r>
+            <a:r>
+              <a:rPr lang="pt-BR" sz="1400" i="1" dirty="0">
+                <a:latin typeface="Courier New" panose="02070309020205020404" pitchFamily="49" charset="0"/>
+                <a:cs typeface="Courier New" panose="02070309020205020404" pitchFamily="49" charset="0"/>
+              </a:rPr>
+              <a:t> ? </a:t>
+            </a:r>
+            <a:r>
+              <a:rPr lang="pt-BR" sz="1400" i="1" dirty="0" err="1">
+                <a:latin typeface="Courier New" panose="02070309020205020404" pitchFamily="49" charset="0"/>
+                <a:cs typeface="Courier New" panose="02070309020205020404" pitchFamily="49" charset="0"/>
+              </a:rPr>
+              <a:t>load</a:t>
+            </a:r>
+            <a:r>
+              <a:rPr lang="pt-BR" sz="1400" i="1" dirty="0">
+                <a:latin typeface="Courier New" panose="02070309020205020404" pitchFamily="49" charset="0"/>
+                <a:cs typeface="Courier New" panose="02070309020205020404" pitchFamily="49" charset="0"/>
+              </a:rPr>
+              <a:t>() : </a:t>
+            </a:r>
+            <a:r>
+              <a:rPr lang="pt-BR" sz="1400" i="1" dirty="0" err="1">
+                <a:latin typeface="Courier New" panose="02070309020205020404" pitchFamily="49" charset="0"/>
+                <a:cs typeface="Courier New" panose="02070309020205020404" pitchFamily="49" charset="0"/>
+              </a:rPr>
+              <a:t>of</a:t>
+            </a:r>
+            <a:r>
+              <a:rPr lang="pt-BR" sz="1400" i="1" dirty="0">
+                <a:latin typeface="Courier New" panose="02070309020205020404" pitchFamily="49" charset="0"/>
+                <a:cs typeface="Courier New" panose="02070309020205020404" pitchFamily="49" charset="0"/>
+              </a:rPr>
+              <a:t>(</a:t>
+            </a:r>
+            <a:r>
+              <a:rPr lang="pt-BR" sz="1400" i="1" dirty="0" err="1">
+                <a:latin typeface="Courier New" panose="02070309020205020404" pitchFamily="49" charset="0"/>
+                <a:cs typeface="Courier New" panose="02070309020205020404" pitchFamily="49" charset="0"/>
+              </a:rPr>
+              <a:t>null</a:t>
+            </a:r>
+            <a:r>
+              <a:rPr lang="pt-BR" sz="1400" i="1" dirty="0">
+                <a:latin typeface="Courier New" panose="02070309020205020404" pitchFamily="49" charset="0"/>
+                <a:cs typeface="Courier New" panose="02070309020205020404" pitchFamily="49" charset="0"/>
+              </a:rPr>
+              <a:t>);</a:t>
+            </a:r>
+          </a:p>
+          <a:p>
+            <a:endParaRPr lang="pt-BR" sz="1400" dirty="0">
+              <a:latin typeface="Courier New" panose="02070309020205020404" pitchFamily="49" charset="0"/>
+              <a:cs typeface="Courier New" panose="02070309020205020404" pitchFamily="49" charset="0"/>
+            </a:endParaRPr>
+          </a:p>
+          <a:p>
+            <a:r>
+              <a:rPr lang="pt-BR" sz="1400" dirty="0">
+                <a:latin typeface="Courier New" panose="02070309020205020404" pitchFamily="49" charset="0"/>
+                <a:cs typeface="Courier New" panose="02070309020205020404" pitchFamily="49" charset="0"/>
+              </a:rPr>
+              <a:t>    </a:t>
+            </a:r>
+            <a:r>
+              <a:rPr lang="pt-BR" sz="1400" b="1" dirty="0" err="1">
+                <a:latin typeface="Courier New" panose="02070309020205020404" pitchFamily="49" charset="0"/>
+                <a:cs typeface="Courier New" panose="02070309020205020404" pitchFamily="49" charset="0"/>
+              </a:rPr>
+              <a:t>const</a:t>
+            </a:r>
+            <a:r>
+              <a:rPr lang="pt-BR" sz="1400" b="1" dirty="0">
+                <a:latin typeface="Courier New" panose="02070309020205020404" pitchFamily="49" charset="0"/>
+                <a:cs typeface="Courier New" panose="02070309020205020404" pitchFamily="49" charset="0"/>
+              </a:rPr>
+              <a:t> </a:t>
+            </a:r>
+            <a:r>
+              <a:rPr lang="pt-BR" sz="1400" b="1" dirty="0" err="1">
+                <a:latin typeface="Courier New" panose="02070309020205020404" pitchFamily="49" charset="0"/>
+                <a:cs typeface="Courier New" panose="02070309020205020404" pitchFamily="49" charset="0"/>
+              </a:rPr>
+              <a:t>loadRoute</a:t>
+            </a:r>
+            <a:r>
+              <a:rPr lang="pt-BR" sz="1400" b="1" dirty="0">
+                <a:latin typeface="Courier New" panose="02070309020205020404" pitchFamily="49" charset="0"/>
+                <a:cs typeface="Courier New" panose="02070309020205020404" pitchFamily="49" charset="0"/>
+              </a:rPr>
+              <a:t> = (</a:t>
+            </a:r>
+            <a:r>
+              <a:rPr lang="pt-BR" sz="1400" b="1" dirty="0" err="1">
+                <a:latin typeface="Courier New" panose="02070309020205020404" pitchFamily="49" charset="0"/>
+                <a:cs typeface="Courier New" panose="02070309020205020404" pitchFamily="49" charset="0"/>
+              </a:rPr>
+              <a:t>delay</a:t>
+            </a:r>
+            <a:r>
+              <a:rPr lang="pt-BR" sz="1400" b="1" dirty="0">
+                <a:latin typeface="Courier New" panose="02070309020205020404" pitchFamily="49" charset="0"/>
+                <a:cs typeface="Courier New" panose="02070309020205020404" pitchFamily="49" charset="0"/>
+              </a:rPr>
+              <a:t>: </a:t>
+            </a:r>
+            <a:r>
+              <a:rPr lang="pt-BR" sz="1400" b="1" dirty="0" err="1">
+                <a:latin typeface="Courier New" panose="02070309020205020404" pitchFamily="49" charset="0"/>
+                <a:cs typeface="Courier New" panose="02070309020205020404" pitchFamily="49" charset="0"/>
+              </a:rPr>
+              <a:t>number</a:t>
+            </a:r>
+            <a:r>
+              <a:rPr lang="pt-BR" sz="1400" b="1" dirty="0">
+                <a:latin typeface="Courier New" panose="02070309020205020404" pitchFamily="49" charset="0"/>
+                <a:cs typeface="Courier New" panose="02070309020205020404" pitchFamily="49" charset="0"/>
+              </a:rPr>
+              <a:t>) =&gt; </a:t>
+            </a:r>
+            <a:r>
+              <a:rPr lang="pt-BR" sz="1400" b="1" dirty="0" err="1">
+                <a:latin typeface="Courier New" panose="02070309020205020404" pitchFamily="49" charset="0"/>
+                <a:cs typeface="Courier New" panose="02070309020205020404" pitchFamily="49" charset="0"/>
+              </a:rPr>
+              <a:t>delay</a:t>
+            </a:r>
+            <a:endParaRPr lang="pt-BR" sz="1400" b="1" dirty="0">
+              <a:latin typeface="Courier New" panose="02070309020205020404" pitchFamily="49" charset="0"/>
+              <a:cs typeface="Courier New" panose="02070309020205020404" pitchFamily="49" charset="0"/>
+            </a:endParaRPr>
+          </a:p>
+          <a:p>
+            <a:r>
+              <a:rPr lang="pt-BR" sz="1400" b="1" dirty="0">
+                <a:latin typeface="Courier New" panose="02070309020205020404" pitchFamily="49" charset="0"/>
+                <a:cs typeface="Courier New" panose="02070309020205020404" pitchFamily="49" charset="0"/>
+              </a:rPr>
+              <a:t>      ? timer(</a:t>
+            </a:r>
+            <a:r>
+              <a:rPr lang="pt-BR" sz="1400" b="1" dirty="0" err="1">
+                <a:latin typeface="Courier New" panose="02070309020205020404" pitchFamily="49" charset="0"/>
+                <a:cs typeface="Courier New" panose="02070309020205020404" pitchFamily="49" charset="0"/>
+              </a:rPr>
+              <a:t>delay</a:t>
+            </a:r>
+            <a:r>
+              <a:rPr lang="pt-BR" sz="1400" b="1" dirty="0">
+                <a:latin typeface="Courier New" panose="02070309020205020404" pitchFamily="49" charset="0"/>
+                <a:cs typeface="Courier New" panose="02070309020205020404" pitchFamily="49" charset="0"/>
+              </a:rPr>
+              <a:t>).</a:t>
+            </a:r>
+            <a:r>
+              <a:rPr lang="pt-BR" sz="1400" b="1" dirty="0" err="1">
+                <a:latin typeface="Courier New" panose="02070309020205020404" pitchFamily="49" charset="0"/>
+                <a:cs typeface="Courier New" panose="02070309020205020404" pitchFamily="49" charset="0"/>
+              </a:rPr>
+              <a:t>pipe</a:t>
+            </a:r>
+            <a:r>
+              <a:rPr lang="pt-BR" sz="1400" b="1" dirty="0">
+                <a:latin typeface="Courier New" panose="02070309020205020404" pitchFamily="49" charset="0"/>
+                <a:cs typeface="Courier New" panose="02070309020205020404" pitchFamily="49" charset="0"/>
+              </a:rPr>
+              <a:t>(</a:t>
+            </a:r>
+            <a:r>
+              <a:rPr lang="pt-BR" sz="1400" b="1" dirty="0" err="1">
+                <a:latin typeface="Courier New" panose="02070309020205020404" pitchFamily="49" charset="0"/>
+                <a:cs typeface="Courier New" panose="02070309020205020404" pitchFamily="49" charset="0"/>
+              </a:rPr>
+              <a:t>flatMap</a:t>
+            </a:r>
+            <a:r>
+              <a:rPr lang="pt-BR" sz="1400" b="1" dirty="0">
+                <a:latin typeface="Courier New" panose="02070309020205020404" pitchFamily="49" charset="0"/>
+                <a:cs typeface="Courier New" panose="02070309020205020404" pitchFamily="49" charset="0"/>
+              </a:rPr>
+              <a:t>(() =&gt; </a:t>
+            </a:r>
+            <a:r>
+              <a:rPr lang="pt-BR" sz="1400" b="1" dirty="0" err="1">
+                <a:latin typeface="Courier New" panose="02070309020205020404" pitchFamily="49" charset="0"/>
+                <a:cs typeface="Courier New" panose="02070309020205020404" pitchFamily="49" charset="0"/>
+              </a:rPr>
+              <a:t>load</a:t>
+            </a:r>
+            <a:r>
+              <a:rPr lang="pt-BR" sz="1400" b="1" dirty="0">
+                <a:latin typeface="Courier New" panose="02070309020205020404" pitchFamily="49" charset="0"/>
+                <a:cs typeface="Courier New" panose="02070309020205020404" pitchFamily="49" charset="0"/>
+              </a:rPr>
+              <a:t>()))</a:t>
+            </a:r>
+          </a:p>
+          <a:p>
+            <a:r>
+              <a:rPr lang="pt-BR" sz="1400" b="1" dirty="0">
+                <a:latin typeface="Courier New" panose="02070309020205020404" pitchFamily="49" charset="0"/>
+                <a:cs typeface="Courier New" panose="02070309020205020404" pitchFamily="49" charset="0"/>
+              </a:rPr>
+              <a:t>      : </a:t>
+            </a:r>
+            <a:r>
+              <a:rPr lang="pt-BR" sz="1400" b="1" dirty="0" err="1">
+                <a:latin typeface="Courier New" panose="02070309020205020404" pitchFamily="49" charset="0"/>
+                <a:cs typeface="Courier New" panose="02070309020205020404" pitchFamily="49" charset="0"/>
+              </a:rPr>
+              <a:t>load</a:t>
+            </a:r>
+            <a:r>
+              <a:rPr lang="pt-BR" sz="1400" b="1" dirty="0">
+                <a:latin typeface="Courier New" panose="02070309020205020404" pitchFamily="49" charset="0"/>
+                <a:cs typeface="Courier New" panose="02070309020205020404" pitchFamily="49" charset="0"/>
+              </a:rPr>
+              <a:t>();</a:t>
+            </a:r>
+          </a:p>
+          <a:p>
+            <a:endParaRPr lang="pt-BR" sz="1400" b="1" dirty="0">
+              <a:latin typeface="Courier New" panose="02070309020205020404" pitchFamily="49" charset="0"/>
+              <a:cs typeface="Courier New" panose="02070309020205020404" pitchFamily="49" charset="0"/>
+            </a:endParaRPr>
+          </a:p>
+          <a:p>
+            <a:r>
+              <a:rPr lang="pt-BR" sz="1400" b="1" dirty="0">
+                <a:latin typeface="Courier New" panose="02070309020205020404" pitchFamily="49" charset="0"/>
+                <a:cs typeface="Courier New" panose="02070309020205020404" pitchFamily="49" charset="0"/>
+              </a:rPr>
+              <a:t>    </a:t>
+            </a:r>
+            <a:r>
+              <a:rPr lang="pt-BR" sz="1400" b="1" dirty="0" err="1">
+                <a:latin typeface="Courier New" panose="02070309020205020404" pitchFamily="49" charset="0"/>
+                <a:cs typeface="Courier New" panose="02070309020205020404" pitchFamily="49" charset="0"/>
+              </a:rPr>
+              <a:t>return</a:t>
+            </a:r>
+            <a:r>
+              <a:rPr lang="pt-BR" sz="1400" b="1" dirty="0">
+                <a:latin typeface="Courier New" panose="02070309020205020404" pitchFamily="49" charset="0"/>
+                <a:cs typeface="Courier New" panose="02070309020205020404" pitchFamily="49" charset="0"/>
+              </a:rPr>
+              <a:t> </a:t>
+            </a:r>
+            <a:r>
+              <a:rPr lang="pt-BR" sz="1400" b="1" dirty="0" err="1">
+                <a:latin typeface="Courier New" panose="02070309020205020404" pitchFamily="49" charset="0"/>
+                <a:cs typeface="Courier New" panose="02070309020205020404" pitchFamily="49" charset="0"/>
+              </a:rPr>
+              <a:t>route.data</a:t>
+            </a:r>
+            <a:r>
+              <a:rPr lang="pt-BR" sz="1400" b="1" dirty="0">
+                <a:latin typeface="Courier New" panose="02070309020205020404" pitchFamily="49" charset="0"/>
+                <a:cs typeface="Courier New" panose="02070309020205020404" pitchFamily="49" charset="0"/>
+              </a:rPr>
+              <a:t> &amp;&amp; </a:t>
+            </a:r>
+            <a:r>
+              <a:rPr lang="pt-BR" sz="1400" b="1" dirty="0" err="1">
+                <a:latin typeface="Courier New" panose="02070309020205020404" pitchFamily="49" charset="0"/>
+                <a:cs typeface="Courier New" panose="02070309020205020404" pitchFamily="49" charset="0"/>
+              </a:rPr>
+              <a:t>route.data.preload</a:t>
+            </a:r>
+            <a:endParaRPr lang="pt-BR" sz="1400" b="1" dirty="0">
+              <a:latin typeface="Courier New" panose="02070309020205020404" pitchFamily="49" charset="0"/>
+              <a:cs typeface="Courier New" panose="02070309020205020404" pitchFamily="49" charset="0"/>
+            </a:endParaRPr>
+          </a:p>
+          <a:p>
+            <a:r>
+              <a:rPr lang="pt-BR" sz="1400" b="1" dirty="0">
+                <a:latin typeface="Courier New" panose="02070309020205020404" pitchFamily="49" charset="0"/>
+                <a:cs typeface="Courier New" panose="02070309020205020404" pitchFamily="49" charset="0"/>
+              </a:rPr>
+              <a:t>      ? </a:t>
+            </a:r>
+            <a:r>
+              <a:rPr lang="pt-BR" sz="1400" b="1" dirty="0" err="1">
+                <a:latin typeface="Courier New" panose="02070309020205020404" pitchFamily="49" charset="0"/>
+                <a:cs typeface="Courier New" panose="02070309020205020404" pitchFamily="49" charset="0"/>
+              </a:rPr>
+              <a:t>loadRoute</a:t>
+            </a:r>
+            <a:r>
+              <a:rPr lang="pt-BR" sz="1400" b="1" dirty="0">
+                <a:latin typeface="Courier New" panose="02070309020205020404" pitchFamily="49" charset="0"/>
+                <a:cs typeface="Courier New" panose="02070309020205020404" pitchFamily="49" charset="0"/>
+              </a:rPr>
+              <a:t>(</a:t>
+            </a:r>
+            <a:r>
+              <a:rPr lang="pt-BR" sz="1400" b="1" dirty="0" err="1">
+                <a:latin typeface="Courier New" panose="02070309020205020404" pitchFamily="49" charset="0"/>
+                <a:cs typeface="Courier New" panose="02070309020205020404" pitchFamily="49" charset="0"/>
+              </a:rPr>
+              <a:t>route.data.delay</a:t>
+            </a:r>
+            <a:r>
+              <a:rPr lang="pt-BR" sz="1400" b="1" dirty="0">
+                <a:latin typeface="Courier New" panose="02070309020205020404" pitchFamily="49" charset="0"/>
+                <a:cs typeface="Courier New" panose="02070309020205020404" pitchFamily="49" charset="0"/>
+              </a:rPr>
+              <a:t>)</a:t>
+            </a:r>
+          </a:p>
+          <a:p>
+            <a:r>
+              <a:rPr lang="pt-BR" sz="1400" b="1" dirty="0">
+                <a:latin typeface="Courier New" panose="02070309020205020404" pitchFamily="49" charset="0"/>
+                <a:cs typeface="Courier New" panose="02070309020205020404" pitchFamily="49" charset="0"/>
+              </a:rPr>
+              <a:t>      : </a:t>
+            </a:r>
+            <a:r>
+              <a:rPr lang="pt-BR" sz="1400" b="1" dirty="0" err="1">
+                <a:latin typeface="Courier New" panose="02070309020205020404" pitchFamily="49" charset="0"/>
+                <a:cs typeface="Courier New" panose="02070309020205020404" pitchFamily="49" charset="0"/>
+              </a:rPr>
+              <a:t>of</a:t>
+            </a:r>
+            <a:r>
+              <a:rPr lang="pt-BR" sz="1400" b="1" dirty="0">
+                <a:latin typeface="Courier New" panose="02070309020205020404" pitchFamily="49" charset="0"/>
+                <a:cs typeface="Courier New" panose="02070309020205020404" pitchFamily="49" charset="0"/>
+              </a:rPr>
+              <a:t>(</a:t>
+            </a:r>
+            <a:r>
+              <a:rPr lang="pt-BR" sz="1400" b="1" dirty="0" err="1">
+                <a:latin typeface="Courier New" panose="02070309020205020404" pitchFamily="49" charset="0"/>
+                <a:cs typeface="Courier New" panose="02070309020205020404" pitchFamily="49" charset="0"/>
+              </a:rPr>
+              <a:t>null</a:t>
+            </a:r>
+            <a:r>
+              <a:rPr lang="pt-BR" sz="1400" b="1" dirty="0">
+                <a:latin typeface="Courier New" panose="02070309020205020404" pitchFamily="49" charset="0"/>
+                <a:cs typeface="Courier New" panose="02070309020205020404" pitchFamily="49" charset="0"/>
+              </a:rPr>
+              <a:t>);</a:t>
+            </a:r>
+          </a:p>
+          <a:p>
+            <a:r>
+              <a:rPr lang="pt-BR" sz="1400" dirty="0">
+                <a:latin typeface="Courier New" panose="02070309020205020404" pitchFamily="49" charset="0"/>
+                <a:cs typeface="Courier New" panose="02070309020205020404" pitchFamily="49" charset="0"/>
+              </a:rPr>
+              <a:t>  }</a:t>
+            </a:r>
+          </a:p>
+          <a:p>
+            <a:endParaRPr lang="pt-BR" sz="1400" dirty="0">
+              <a:latin typeface="Courier New" panose="02070309020205020404" pitchFamily="49" charset="0"/>
+              <a:cs typeface="Courier New" panose="02070309020205020404" pitchFamily="49" charset="0"/>
+            </a:endParaRPr>
+          </a:p>
+          <a:p>
+            <a:r>
+              <a:rPr lang="pt-BR" sz="1400" dirty="0">
+                <a:latin typeface="Courier New" panose="02070309020205020404" pitchFamily="49" charset="0"/>
+                <a:cs typeface="Courier New" panose="02070309020205020404" pitchFamily="49" charset="0"/>
+              </a:rPr>
+              <a:t>}</a:t>
+            </a:r>
+          </a:p>
+        </p:txBody>
+      </p:sp>
+    </p:spTree>
+    <p:extLst>
+      <p:ext uri="{BB962C8B-B14F-4D97-AF65-F5344CB8AC3E}">
+        <p14:creationId xmlns:p14="http://schemas.microsoft.com/office/powerpoint/2010/main" val="1781603919"/>
+      </p:ext>
+    </p:extLst>
+  </p:cSld>
+  <p:clrMapOvr>
+    <a:masterClrMapping/>
+  </p:clrMapOvr>
+</p:sld>
+</file>
+
+<file path=ppt/slides/slide19.xml><?xml version="1.0" encoding="utf-8"?>
+<p:sld xmlns:a="http://schemas.openxmlformats.org/drawingml/2006/main" xmlns:r="http://schemas.openxmlformats.org/officeDocument/2006/relationships" xmlns:p="http://schemas.openxmlformats.org/presentationml/2006/main">
+  <p:cSld>
+    <p:spTree>
+      <p:nvGrpSpPr>
+        <p:cNvPr id="1" name=""/>
+        <p:cNvGrpSpPr/>
+        <p:nvPr/>
+      </p:nvGrpSpPr>
+      <p:grpSpPr>
+        <a:xfrm>
+          <a:off x="0" y="0"/>
+          <a:ext cx="0" cy="0"/>
+          <a:chOff x="0" y="0"/>
+          <a:chExt cx="0" cy="0"/>
+        </a:xfrm>
+      </p:grpSpPr>
+      <p:sp>
+        <p:nvSpPr>
+          <p:cNvPr id="2" name="Título 1">
+            <a:extLst>
+              <a:ext uri="{FF2B5EF4-FFF2-40B4-BE49-F238E27FC236}">
+                <a16:creationId xmlns:a16="http://schemas.microsoft.com/office/drawing/2014/main" id="{2803188B-252D-430D-95B5-2E9ABC5D9BF2}"/>
+              </a:ext>
+            </a:extLst>
+          </p:cNvPr>
+          <p:cNvSpPr>
+            <a:spLocks noGrp="1"/>
+          </p:cNvSpPr>
+          <p:nvPr>
+            <p:ph type="title"/>
+          </p:nvPr>
+        </p:nvSpPr>
+        <p:spPr/>
+        <p:txBody>
+          <a:bodyPr/>
+          <a:lstStyle/>
+          <a:p>
+            <a:r>
+              <a:rPr lang="pt-BR" dirty="0"/>
+              <a:t>Plus 1</a:t>
+            </a:r>
+          </a:p>
+        </p:txBody>
+      </p:sp>
+      <p:sp>
+        <p:nvSpPr>
+          <p:cNvPr id="6" name="CaixaDeTexto 5">
+            <a:extLst>
+              <a:ext uri="{FF2B5EF4-FFF2-40B4-BE49-F238E27FC236}">
+                <a16:creationId xmlns:a16="http://schemas.microsoft.com/office/drawing/2014/main" id="{E335BDDD-A5D1-4ABD-BA01-37F4C5A06F5C}"/>
+              </a:ext>
+            </a:extLst>
+          </p:cNvPr>
+          <p:cNvSpPr txBox="1"/>
+          <p:nvPr/>
+        </p:nvSpPr>
+        <p:spPr>
+          <a:xfrm>
+            <a:off x="391885" y="2333544"/>
+            <a:ext cx="11321143" cy="3108543"/>
+          </a:xfrm>
+          <a:prstGeom prst="rect">
+            <a:avLst/>
+          </a:prstGeom>
+          <a:solidFill>
+            <a:schemeClr val="bg1">
+              <a:lumMod val="95000"/>
+            </a:schemeClr>
+          </a:solidFill>
+        </p:spPr>
+        <p:txBody>
+          <a:bodyPr wrap="square" rtlCol="0">
+            <a:spAutoFit/>
+          </a:bodyPr>
+          <a:lstStyle/>
+          <a:p>
+            <a:r>
+              <a:rPr lang="pt-BR" sz="1400" b="1" dirty="0">
+                <a:latin typeface="Courier New" panose="02070309020205020404" pitchFamily="49" charset="0"/>
+                <a:cs typeface="Courier New" panose="02070309020205020404" pitchFamily="49" charset="0"/>
+              </a:rPr>
+              <a:t>/* Angular 8+ */</a:t>
+            </a:r>
+          </a:p>
+          <a:p>
+            <a:r>
+              <a:rPr lang="pt-BR" sz="1400" dirty="0" err="1">
+                <a:latin typeface="Courier New" panose="02070309020205020404" pitchFamily="49" charset="0"/>
+                <a:cs typeface="Courier New" panose="02070309020205020404" pitchFamily="49" charset="0"/>
+              </a:rPr>
+              <a:t>const</a:t>
+            </a:r>
+            <a:r>
+              <a:rPr lang="pt-BR" sz="1400" dirty="0">
+                <a:latin typeface="Courier New" panose="02070309020205020404" pitchFamily="49" charset="0"/>
+                <a:cs typeface="Courier New" panose="02070309020205020404" pitchFamily="49" charset="0"/>
+              </a:rPr>
+              <a:t> </a:t>
+            </a:r>
+            <a:r>
+              <a:rPr lang="pt-BR" sz="1400" dirty="0" err="1">
+                <a:latin typeface="Courier New" panose="02070309020205020404" pitchFamily="49" charset="0"/>
+                <a:cs typeface="Courier New" panose="02070309020205020404" pitchFamily="49" charset="0"/>
+              </a:rPr>
+              <a:t>routes</a:t>
+            </a:r>
+            <a:r>
+              <a:rPr lang="pt-BR" sz="1400" dirty="0">
+                <a:latin typeface="Courier New" panose="02070309020205020404" pitchFamily="49" charset="0"/>
+                <a:cs typeface="Courier New" panose="02070309020205020404" pitchFamily="49" charset="0"/>
+              </a:rPr>
+              <a:t>: </a:t>
+            </a:r>
+            <a:r>
+              <a:rPr lang="pt-BR" sz="1400" dirty="0" err="1">
+                <a:latin typeface="Courier New" panose="02070309020205020404" pitchFamily="49" charset="0"/>
+                <a:cs typeface="Courier New" panose="02070309020205020404" pitchFamily="49" charset="0"/>
+              </a:rPr>
+              <a:t>Routes</a:t>
+            </a:r>
+            <a:r>
+              <a:rPr lang="pt-BR" sz="1400" dirty="0">
+                <a:latin typeface="Courier New" panose="02070309020205020404" pitchFamily="49" charset="0"/>
+                <a:cs typeface="Courier New" panose="02070309020205020404" pitchFamily="49" charset="0"/>
+              </a:rPr>
+              <a:t> = [</a:t>
+            </a:r>
+          </a:p>
+          <a:p>
+            <a:r>
+              <a:rPr lang="pt-BR" sz="1400" dirty="0">
+                <a:latin typeface="Courier New" panose="02070309020205020404" pitchFamily="49" charset="0"/>
+                <a:cs typeface="Courier New" panose="02070309020205020404" pitchFamily="49" charset="0"/>
+              </a:rPr>
+              <a:t>  { path: '', </a:t>
+            </a:r>
+            <a:r>
+              <a:rPr lang="pt-BR" sz="1400" dirty="0" err="1">
+                <a:latin typeface="Courier New" panose="02070309020205020404" pitchFamily="49" charset="0"/>
+                <a:cs typeface="Courier New" panose="02070309020205020404" pitchFamily="49" charset="0"/>
+              </a:rPr>
+              <a:t>component</a:t>
+            </a:r>
+            <a:r>
+              <a:rPr lang="pt-BR" sz="1400" dirty="0">
+                <a:latin typeface="Courier New" panose="02070309020205020404" pitchFamily="49" charset="0"/>
+                <a:cs typeface="Courier New" panose="02070309020205020404" pitchFamily="49" charset="0"/>
+              </a:rPr>
+              <a:t>: </a:t>
+            </a:r>
+            <a:r>
+              <a:rPr lang="pt-BR" sz="1400" dirty="0" err="1">
+                <a:latin typeface="Courier New" panose="02070309020205020404" pitchFamily="49" charset="0"/>
+                <a:cs typeface="Courier New" panose="02070309020205020404" pitchFamily="49" charset="0"/>
+              </a:rPr>
+              <a:t>DashboardComponent</a:t>
+            </a:r>
+            <a:r>
+              <a:rPr lang="pt-BR" sz="1400" dirty="0">
+                <a:latin typeface="Courier New" panose="02070309020205020404" pitchFamily="49" charset="0"/>
+                <a:cs typeface="Courier New" panose="02070309020205020404" pitchFamily="49" charset="0"/>
+              </a:rPr>
+              <a:t> },</a:t>
+            </a:r>
+          </a:p>
+          <a:p>
+            <a:r>
+              <a:rPr lang="pt-BR" sz="1400" dirty="0">
+                <a:latin typeface="Courier New" panose="02070309020205020404" pitchFamily="49" charset="0"/>
+                <a:cs typeface="Courier New" panose="02070309020205020404" pitchFamily="49" charset="0"/>
+              </a:rPr>
+              <a:t>  { path: 'dashboard', </a:t>
+            </a:r>
+            <a:r>
+              <a:rPr lang="pt-BR" sz="1400" dirty="0" err="1">
+                <a:latin typeface="Courier New" panose="02070309020205020404" pitchFamily="49" charset="0"/>
+                <a:cs typeface="Courier New" panose="02070309020205020404" pitchFamily="49" charset="0"/>
+              </a:rPr>
+              <a:t>component</a:t>
+            </a:r>
+            <a:r>
+              <a:rPr lang="pt-BR" sz="1400" dirty="0">
+                <a:latin typeface="Courier New" panose="02070309020205020404" pitchFamily="49" charset="0"/>
+                <a:cs typeface="Courier New" panose="02070309020205020404" pitchFamily="49" charset="0"/>
+              </a:rPr>
+              <a:t>: </a:t>
+            </a:r>
+            <a:r>
+              <a:rPr lang="pt-BR" sz="1400" dirty="0" err="1">
+                <a:latin typeface="Courier New" panose="02070309020205020404" pitchFamily="49" charset="0"/>
+                <a:cs typeface="Courier New" panose="02070309020205020404" pitchFamily="49" charset="0"/>
+              </a:rPr>
+              <a:t>DashboardComponent</a:t>
+            </a:r>
+            <a:r>
+              <a:rPr lang="pt-BR" sz="1400" dirty="0">
+                <a:latin typeface="Courier New" panose="02070309020205020404" pitchFamily="49" charset="0"/>
+                <a:cs typeface="Courier New" panose="02070309020205020404" pitchFamily="49" charset="0"/>
+              </a:rPr>
+              <a:t> },</a:t>
+            </a:r>
+          </a:p>
+          <a:p>
+            <a:r>
+              <a:rPr lang="pt-BR" sz="1400" dirty="0">
+                <a:latin typeface="Courier New" panose="02070309020205020404" pitchFamily="49" charset="0"/>
+                <a:cs typeface="Courier New" panose="02070309020205020404" pitchFamily="49" charset="0"/>
+              </a:rPr>
+              <a:t>  {</a:t>
+            </a:r>
+          </a:p>
+          <a:p>
+            <a:r>
+              <a:rPr lang="pt-BR" sz="1400" dirty="0">
+                <a:latin typeface="Courier New" panose="02070309020205020404" pitchFamily="49" charset="0"/>
+                <a:cs typeface="Courier New" panose="02070309020205020404" pitchFamily="49" charset="0"/>
+              </a:rPr>
+              <a:t>    path: 'clientes',</a:t>
+            </a:r>
+          </a:p>
+          <a:p>
+            <a:r>
+              <a:rPr lang="pt-BR" sz="1400" dirty="0">
+                <a:latin typeface="Courier New" panose="02070309020205020404" pitchFamily="49" charset="0"/>
+                <a:cs typeface="Courier New" panose="02070309020205020404" pitchFamily="49" charset="0"/>
+              </a:rPr>
+              <a:t>    </a:t>
+            </a:r>
+            <a:r>
+              <a:rPr lang="pt-BR" sz="1400" dirty="0" err="1">
+                <a:latin typeface="Courier New" panose="02070309020205020404" pitchFamily="49" charset="0"/>
+                <a:cs typeface="Courier New" panose="02070309020205020404" pitchFamily="49" charset="0"/>
+              </a:rPr>
+              <a:t>loadChildren</a:t>
+            </a:r>
+            <a:r>
+              <a:rPr lang="pt-BR" sz="1400" dirty="0">
+                <a:latin typeface="Courier New" panose="02070309020205020404" pitchFamily="49" charset="0"/>
+                <a:cs typeface="Courier New" panose="02070309020205020404" pitchFamily="49" charset="0"/>
+              </a:rPr>
+              <a:t>: './clientes/</a:t>
+            </a:r>
+            <a:r>
+              <a:rPr lang="pt-BR" sz="1400" dirty="0" err="1">
+                <a:latin typeface="Courier New" panose="02070309020205020404" pitchFamily="49" charset="0"/>
+                <a:cs typeface="Courier New" panose="02070309020205020404" pitchFamily="49" charset="0"/>
+              </a:rPr>
+              <a:t>clientes.module#ClientesModule</a:t>
+            </a:r>
+            <a:r>
+              <a:rPr lang="pt-BR" sz="1400" dirty="0">
+                <a:latin typeface="Courier New" panose="02070309020205020404" pitchFamily="49" charset="0"/>
+                <a:cs typeface="Courier New" panose="02070309020205020404" pitchFamily="49" charset="0"/>
+              </a:rPr>
+              <a:t>',</a:t>
+            </a:r>
+          </a:p>
+          <a:p>
+            <a:r>
+              <a:rPr lang="pt-BR" sz="1400" dirty="0">
+                <a:latin typeface="Courier New" panose="02070309020205020404" pitchFamily="49" charset="0"/>
+                <a:cs typeface="Courier New" panose="02070309020205020404" pitchFamily="49" charset="0"/>
+              </a:rPr>
+              <a:t>    data: {</a:t>
+            </a:r>
+            <a:r>
+              <a:rPr lang="pt-BR" sz="1400" dirty="0" err="1">
+                <a:latin typeface="Courier New" panose="02070309020205020404" pitchFamily="49" charset="0"/>
+                <a:cs typeface="Courier New" panose="02070309020205020404" pitchFamily="49" charset="0"/>
+              </a:rPr>
+              <a:t>preload</a:t>
+            </a:r>
+            <a:r>
+              <a:rPr lang="pt-BR" sz="1400" dirty="0">
+                <a:latin typeface="Courier New" panose="02070309020205020404" pitchFamily="49" charset="0"/>
+                <a:cs typeface="Courier New" panose="02070309020205020404" pitchFamily="49" charset="0"/>
+              </a:rPr>
+              <a:t>: </a:t>
+            </a:r>
+            <a:r>
+              <a:rPr lang="pt-BR" sz="1400" dirty="0" err="1">
+                <a:latin typeface="Courier New" panose="02070309020205020404" pitchFamily="49" charset="0"/>
+                <a:cs typeface="Courier New" panose="02070309020205020404" pitchFamily="49" charset="0"/>
+              </a:rPr>
+              <a:t>true</a:t>
+            </a:r>
+            <a:r>
+              <a:rPr lang="pt-BR" sz="1400" dirty="0">
+                <a:latin typeface="Courier New" panose="02070309020205020404" pitchFamily="49" charset="0"/>
+                <a:cs typeface="Courier New" panose="02070309020205020404" pitchFamily="49" charset="0"/>
+              </a:rPr>
+              <a:t>, </a:t>
+            </a:r>
+            <a:r>
+              <a:rPr lang="pt-BR" sz="1400" dirty="0" err="1">
+                <a:latin typeface="Courier New" panose="02070309020205020404" pitchFamily="49" charset="0"/>
+                <a:cs typeface="Courier New" panose="02070309020205020404" pitchFamily="49" charset="0"/>
+              </a:rPr>
+              <a:t>delay</a:t>
+            </a:r>
+            <a:r>
+              <a:rPr lang="pt-BR" sz="1400" dirty="0">
+                <a:latin typeface="Courier New" panose="02070309020205020404" pitchFamily="49" charset="0"/>
+                <a:cs typeface="Courier New" panose="02070309020205020404" pitchFamily="49" charset="0"/>
+              </a:rPr>
+              <a:t>: 500}</a:t>
+            </a:r>
+          </a:p>
+          <a:p>
+            <a:r>
+              <a:rPr lang="pt-BR" sz="1400" dirty="0">
+                <a:latin typeface="Courier New" panose="02070309020205020404" pitchFamily="49" charset="0"/>
+                <a:cs typeface="Courier New" panose="02070309020205020404" pitchFamily="49" charset="0"/>
+              </a:rPr>
+              <a:t>  },</a:t>
+            </a:r>
+          </a:p>
+          <a:p>
+            <a:r>
+              <a:rPr lang="pt-BR" sz="1400" dirty="0">
+                <a:latin typeface="Courier New" panose="02070309020205020404" pitchFamily="49" charset="0"/>
+                <a:cs typeface="Courier New" panose="02070309020205020404" pitchFamily="49" charset="0"/>
+              </a:rPr>
+              <a:t>  {</a:t>
+            </a:r>
+          </a:p>
+          <a:p>
+            <a:r>
+              <a:rPr lang="pt-BR" sz="1400" dirty="0">
+                <a:latin typeface="Courier New" panose="02070309020205020404" pitchFamily="49" charset="0"/>
+                <a:cs typeface="Courier New" panose="02070309020205020404" pitchFamily="49" charset="0"/>
+              </a:rPr>
+              <a:t>    path: 'fornecedores',</a:t>
+            </a:r>
+          </a:p>
+          <a:p>
+            <a:r>
+              <a:rPr lang="pt-BR" sz="1400" dirty="0">
+                <a:latin typeface="Courier New" panose="02070309020205020404" pitchFamily="49" charset="0"/>
+                <a:cs typeface="Courier New" panose="02070309020205020404" pitchFamily="49" charset="0"/>
+              </a:rPr>
+              <a:t>    </a:t>
+            </a:r>
+            <a:r>
+              <a:rPr lang="pt-BR" sz="1400" b="1" dirty="0" err="1">
+                <a:latin typeface="Courier New" panose="02070309020205020404" pitchFamily="49" charset="0"/>
+                <a:cs typeface="Courier New" panose="02070309020205020404" pitchFamily="49" charset="0"/>
+              </a:rPr>
+              <a:t>loadChildren</a:t>
+            </a:r>
+            <a:r>
+              <a:rPr lang="pt-BR" sz="1400" b="1" dirty="0">
+                <a:latin typeface="Courier New" panose="02070309020205020404" pitchFamily="49" charset="0"/>
+                <a:cs typeface="Courier New" panose="02070309020205020404" pitchFamily="49" charset="0"/>
+              </a:rPr>
+              <a:t>: () =&gt; </a:t>
+            </a:r>
+            <a:r>
+              <a:rPr lang="pt-BR" sz="1400" b="1" dirty="0" err="1">
+                <a:latin typeface="Courier New" panose="02070309020205020404" pitchFamily="49" charset="0"/>
+                <a:cs typeface="Courier New" panose="02070309020205020404" pitchFamily="49" charset="0"/>
+              </a:rPr>
+              <a:t>import</a:t>
+            </a:r>
+            <a:r>
+              <a:rPr lang="pt-BR" sz="1400" b="1" dirty="0">
+                <a:latin typeface="Courier New" panose="02070309020205020404" pitchFamily="49" charset="0"/>
+                <a:cs typeface="Courier New" panose="02070309020205020404" pitchFamily="49" charset="0"/>
+              </a:rPr>
+              <a:t>('./fornecedores/</a:t>
+            </a:r>
+            <a:r>
+              <a:rPr lang="pt-BR" sz="1400" b="1" dirty="0" err="1">
+                <a:latin typeface="Courier New" panose="02070309020205020404" pitchFamily="49" charset="0"/>
+                <a:cs typeface="Courier New" panose="02070309020205020404" pitchFamily="49" charset="0"/>
+              </a:rPr>
+              <a:t>fornecedores.module</a:t>
+            </a:r>
+            <a:r>
+              <a:rPr lang="pt-BR" sz="1400" b="1" dirty="0">
+                <a:latin typeface="Courier New" panose="02070309020205020404" pitchFamily="49" charset="0"/>
+                <a:cs typeface="Courier New" panose="02070309020205020404" pitchFamily="49" charset="0"/>
+              </a:rPr>
+              <a:t>').</a:t>
+            </a:r>
+            <a:r>
+              <a:rPr lang="pt-BR" sz="1400" b="1" dirty="0" err="1">
+                <a:latin typeface="Courier New" panose="02070309020205020404" pitchFamily="49" charset="0"/>
+                <a:cs typeface="Courier New" panose="02070309020205020404" pitchFamily="49" charset="0"/>
+              </a:rPr>
+              <a:t>then</a:t>
+            </a:r>
+            <a:r>
+              <a:rPr lang="pt-BR" sz="1400" b="1" dirty="0">
+                <a:latin typeface="Courier New" panose="02070309020205020404" pitchFamily="49" charset="0"/>
+                <a:cs typeface="Courier New" panose="02070309020205020404" pitchFamily="49" charset="0"/>
+              </a:rPr>
+              <a:t>(</a:t>
+            </a:r>
+            <a:r>
+              <a:rPr lang="pt-BR" sz="1400" b="1" dirty="0" err="1">
+                <a:latin typeface="Courier New" panose="02070309020205020404" pitchFamily="49" charset="0"/>
+                <a:cs typeface="Courier New" panose="02070309020205020404" pitchFamily="49" charset="0"/>
+              </a:rPr>
+              <a:t>mod</a:t>
+            </a:r>
+            <a:r>
+              <a:rPr lang="pt-BR" sz="1400" b="1" dirty="0">
+                <a:latin typeface="Courier New" panose="02070309020205020404" pitchFamily="49" charset="0"/>
+                <a:cs typeface="Courier New" panose="02070309020205020404" pitchFamily="49" charset="0"/>
+              </a:rPr>
+              <a:t> =&gt; </a:t>
+            </a:r>
+            <a:r>
+              <a:rPr lang="pt-BR" sz="1400" b="1" dirty="0" err="1">
+                <a:latin typeface="Courier New" panose="02070309020205020404" pitchFamily="49" charset="0"/>
+                <a:cs typeface="Courier New" panose="02070309020205020404" pitchFamily="49" charset="0"/>
+              </a:rPr>
+              <a:t>mod.FornecedoresModule</a:t>
+            </a:r>
+            <a:r>
+              <a:rPr lang="pt-BR" sz="1400" b="1" dirty="0">
+                <a:latin typeface="Courier New" panose="02070309020205020404" pitchFamily="49" charset="0"/>
+                <a:cs typeface="Courier New" panose="02070309020205020404" pitchFamily="49" charset="0"/>
+              </a:rPr>
+              <a:t>)</a:t>
+            </a:r>
+          </a:p>
+          <a:p>
+            <a:r>
+              <a:rPr lang="pt-BR" sz="1400" dirty="0">
+                <a:latin typeface="Courier New" panose="02070309020205020404" pitchFamily="49" charset="0"/>
+                <a:cs typeface="Courier New" panose="02070309020205020404" pitchFamily="49" charset="0"/>
+              </a:rPr>
+              <a:t>  }</a:t>
+            </a:r>
+          </a:p>
+          <a:p>
+            <a:r>
+              <a:rPr lang="pt-BR" sz="1400" dirty="0">
+                <a:latin typeface="Courier New" panose="02070309020205020404" pitchFamily="49" charset="0"/>
+                <a:cs typeface="Courier New" panose="02070309020205020404" pitchFamily="49" charset="0"/>
+              </a:rPr>
+              <a:t>];</a:t>
+            </a:r>
+          </a:p>
+        </p:txBody>
+      </p:sp>
+    </p:spTree>
+    <p:extLst>
+      <p:ext uri="{BB962C8B-B14F-4D97-AF65-F5344CB8AC3E}">
+        <p14:creationId xmlns:p14="http://schemas.microsoft.com/office/powerpoint/2010/main" val="3486888373"/>
+      </p:ext>
+    </p:extLst>
+  </p:cSld>
+  <p:clrMapOvr>
+    <a:masterClrMapping/>
+  </p:clrMapOvr>
+</p:sld>
+</file>
+
+<file path=ppt/slides/slide2.xml><?xml version="1.0" encoding="utf-8"?>
+<p:sld xmlns:a="http://schemas.openxmlformats.org/drawingml/2006/main" xmlns:r="http://schemas.openxmlformats.org/officeDocument/2006/relationships" xmlns:p="http://schemas.openxmlformats.org/presentationml/2006/main">
+  <p:cSld>
+    <p:spTree>
+      <p:nvGrpSpPr>
+        <p:cNvPr id="1" name=""/>
+        <p:cNvGrpSpPr/>
+        <p:nvPr/>
+      </p:nvGrpSpPr>
+      <p:grpSpPr>
+        <a:xfrm>
+          <a:off x="0" y="0"/>
+          <a:ext cx="0" cy="0"/>
+          <a:chOff x="0" y="0"/>
+          <a:chExt cx="0" cy="0"/>
+        </a:xfrm>
+      </p:grpSpPr>
+      <p:sp>
+        <p:nvSpPr>
+          <p:cNvPr id="2" name="Título 1">
+            <a:extLst>
+              <a:ext uri="{FF2B5EF4-FFF2-40B4-BE49-F238E27FC236}">
+                <a16:creationId xmlns:a16="http://schemas.microsoft.com/office/drawing/2014/main" id="{D7A6F1CE-DF35-4E98-AF10-87BA824D1D31}"/>
+              </a:ext>
+            </a:extLst>
+          </p:cNvPr>
+          <p:cNvSpPr>
+            <a:spLocks noGrp="1"/>
+          </p:cNvSpPr>
+          <p:nvPr>
+            <p:ph type="title"/>
+          </p:nvPr>
+        </p:nvSpPr>
+        <p:spPr/>
+        <p:txBody>
+          <a:bodyPr/>
+          <a:lstStyle/>
+          <a:p>
+            <a:r>
+              <a:rPr lang="pt-BR" dirty="0"/>
+              <a:t>Problema?</a:t>
+            </a:r>
+          </a:p>
+        </p:txBody>
+      </p:sp>
+      <p:sp>
+        <p:nvSpPr>
+          <p:cNvPr id="3" name="Espaço Reservado para Conteúdo 2">
+            <a:extLst>
+              <a:ext uri="{FF2B5EF4-FFF2-40B4-BE49-F238E27FC236}">
+                <a16:creationId xmlns:a16="http://schemas.microsoft.com/office/drawing/2014/main" id="{82796B62-9515-46BF-BE42-1329D2839650}"/>
+              </a:ext>
+            </a:extLst>
+          </p:cNvPr>
+          <p:cNvSpPr>
+            <a:spLocks noGrp="1"/>
+          </p:cNvSpPr>
+          <p:nvPr>
+            <p:ph idx="1"/>
+          </p:nvPr>
+        </p:nvSpPr>
+        <p:spPr>
+          <a:xfrm>
+            <a:off x="3177354" y="2914952"/>
+            <a:ext cx="5837292" cy="1028095"/>
+          </a:xfrm>
+        </p:spPr>
+        <p:txBody>
+          <a:bodyPr>
+            <a:noAutofit/>
+          </a:bodyPr>
+          <a:lstStyle/>
+          <a:p>
+            <a:pPr algn="ctr"/>
+            <a:r>
+              <a:rPr lang="pt-BR" sz="3200" dirty="0"/>
+              <a:t>Carregamento inicial lento de uma </a:t>
+            </a:r>
+          </a:p>
+          <a:p>
+            <a:pPr algn="ctr"/>
+            <a:r>
+              <a:rPr lang="pt-BR" sz="3200" dirty="0"/>
+              <a:t>SPA (Single Page </a:t>
+            </a:r>
+            <a:r>
+              <a:rPr lang="pt-BR" sz="3200" dirty="0" err="1"/>
+              <a:t>Application</a:t>
+            </a:r>
+            <a:r>
+              <a:rPr lang="pt-BR" sz="3200" dirty="0"/>
+              <a:t>)</a:t>
+            </a:r>
+          </a:p>
+        </p:txBody>
+      </p:sp>
+    </p:spTree>
+    <p:extLst>
+      <p:ext uri="{BB962C8B-B14F-4D97-AF65-F5344CB8AC3E}">
+        <p14:creationId xmlns:p14="http://schemas.microsoft.com/office/powerpoint/2010/main" val="267793671"/>
+      </p:ext>
+    </p:extLst>
+  </p:cSld>
+  <p:clrMapOvr>
+    <a:masterClrMapping/>
+  </p:clrMapOvr>
+</p:sld>
+</file>
+
+<file path=ppt/slides/slide20.xml><?xml version="1.0" encoding="utf-8"?>
+<p:sld xmlns:a="http://schemas.openxmlformats.org/drawingml/2006/main" xmlns:r="http://schemas.openxmlformats.org/officeDocument/2006/relationships" xmlns:p="http://schemas.openxmlformats.org/presentationml/2006/main">
+  <p:cSld>
+    <p:spTree>
+      <p:nvGrpSpPr>
+        <p:cNvPr id="1" name=""/>
+        <p:cNvGrpSpPr/>
+        <p:nvPr/>
+      </p:nvGrpSpPr>
+      <p:grpSpPr>
+        <a:xfrm>
+          <a:off x="0" y="0"/>
+          <a:ext cx="0" cy="0"/>
+          <a:chOff x="0" y="0"/>
+          <a:chExt cx="0" cy="0"/>
+        </a:xfrm>
+      </p:grpSpPr>
+      <p:sp>
+        <p:nvSpPr>
+          <p:cNvPr id="2" name="Título 1">
+            <a:extLst>
+              <a:ext uri="{FF2B5EF4-FFF2-40B4-BE49-F238E27FC236}">
+                <a16:creationId xmlns:a16="http://schemas.microsoft.com/office/drawing/2014/main" id="{2803188B-252D-430D-95B5-2E9ABC5D9BF2}"/>
+              </a:ext>
+            </a:extLst>
+          </p:cNvPr>
+          <p:cNvSpPr>
+            <a:spLocks noGrp="1"/>
+          </p:cNvSpPr>
+          <p:nvPr>
+            <p:ph type="title"/>
+          </p:nvPr>
+        </p:nvSpPr>
+        <p:spPr/>
+        <p:txBody>
+          <a:bodyPr/>
+          <a:lstStyle/>
+          <a:p>
+            <a:r>
+              <a:rPr lang="pt-BR" dirty="0"/>
+              <a:t>Plus 2</a:t>
+            </a:r>
+          </a:p>
+        </p:txBody>
+      </p:sp>
+      <p:pic>
+        <p:nvPicPr>
+          <p:cNvPr id="4" name="Imagem 3">
+            <a:extLst>
+              <a:ext uri="{FF2B5EF4-FFF2-40B4-BE49-F238E27FC236}">
+                <a16:creationId xmlns:a16="http://schemas.microsoft.com/office/drawing/2014/main" id="{251A8A13-3EA2-455A-B54E-A41F9E619CEF}"/>
+              </a:ext>
+            </a:extLst>
+          </p:cNvPr>
+          <p:cNvPicPr>
+            <a:picLocks noChangeAspect="1"/>
+          </p:cNvPicPr>
+          <p:nvPr/>
+        </p:nvPicPr>
+        <p:blipFill>
+          <a:blip r:embed="rId2"/>
+          <a:stretch>
+            <a:fillRect/>
+          </a:stretch>
+        </p:blipFill>
+        <p:spPr>
+          <a:xfrm>
+            <a:off x="2041554" y="1828800"/>
+            <a:ext cx="8108892" cy="4337708"/>
+          </a:xfrm>
+          <a:prstGeom prst="rect">
+            <a:avLst/>
+          </a:prstGeom>
+        </p:spPr>
+      </p:pic>
+    </p:spTree>
+    <p:extLst>
+      <p:ext uri="{BB962C8B-B14F-4D97-AF65-F5344CB8AC3E}">
+        <p14:creationId xmlns:p14="http://schemas.microsoft.com/office/powerpoint/2010/main" val="1103042600"/>
+      </p:ext>
+    </p:extLst>
+  </p:cSld>
+  <p:clrMapOvr>
+    <a:masterClrMapping/>
+  </p:clrMapOvr>
+</p:sld>
+</file>
+
+<file path=ppt/slides/slide21.xml><?xml version="1.0" encoding="utf-8"?>
+<p:sld xmlns:a="http://schemas.openxmlformats.org/drawingml/2006/main" xmlns:r="http://schemas.openxmlformats.org/officeDocument/2006/relationships" xmlns:p="http://schemas.openxmlformats.org/presentationml/2006/main">
+  <p:cSld>
+    <p:spTree>
+      <p:nvGrpSpPr>
+        <p:cNvPr id="1" name=""/>
+        <p:cNvGrpSpPr/>
+        <p:nvPr/>
+      </p:nvGrpSpPr>
+      <p:grpSpPr>
+        <a:xfrm>
+          <a:off x="0" y="0"/>
+          <a:ext cx="0" cy="0"/>
+          <a:chOff x="0" y="0"/>
+          <a:chExt cx="0" cy="0"/>
+        </a:xfrm>
+      </p:grpSpPr>
+      <p:sp>
+        <p:nvSpPr>
+          <p:cNvPr id="2" name="Título 1">
+            <a:extLst>
+              <a:ext uri="{FF2B5EF4-FFF2-40B4-BE49-F238E27FC236}">
+                <a16:creationId xmlns:a16="http://schemas.microsoft.com/office/drawing/2014/main" id="{2803188B-252D-430D-95B5-2E9ABC5D9BF2}"/>
+              </a:ext>
+            </a:extLst>
+          </p:cNvPr>
+          <p:cNvSpPr>
+            <a:spLocks noGrp="1"/>
+          </p:cNvSpPr>
+          <p:nvPr>
+            <p:ph type="title"/>
+          </p:nvPr>
+        </p:nvSpPr>
+        <p:spPr/>
+        <p:txBody>
+          <a:bodyPr/>
+          <a:lstStyle/>
+          <a:p>
+            <a:r>
+              <a:rPr lang="pt-BR" dirty="0" err="1"/>
+              <a:t>Webpack</a:t>
+            </a:r>
+            <a:r>
+              <a:rPr lang="pt-BR" dirty="0"/>
+              <a:t> </a:t>
+            </a:r>
+            <a:r>
+              <a:rPr lang="pt-BR" dirty="0" err="1"/>
+              <a:t>Bundle</a:t>
+            </a:r>
+            <a:r>
+              <a:rPr lang="pt-BR" dirty="0"/>
+              <a:t> </a:t>
+            </a:r>
+            <a:r>
+              <a:rPr lang="pt-BR" dirty="0" err="1"/>
+              <a:t>Analyzer</a:t>
+            </a:r>
+            <a:endParaRPr lang="pt-BR" dirty="0"/>
+          </a:p>
+        </p:txBody>
+      </p:sp>
+      <p:sp>
+        <p:nvSpPr>
+          <p:cNvPr id="3" name="Retângulo 2">
+            <a:extLst>
+              <a:ext uri="{FF2B5EF4-FFF2-40B4-BE49-F238E27FC236}">
+                <a16:creationId xmlns:a16="http://schemas.microsoft.com/office/drawing/2014/main" id="{830AD4EF-F4ED-42C0-94A9-B3195383E350}"/>
+              </a:ext>
+            </a:extLst>
+          </p:cNvPr>
+          <p:cNvSpPr/>
+          <p:nvPr/>
+        </p:nvSpPr>
+        <p:spPr>
+          <a:xfrm>
+            <a:off x="1425513" y="3182778"/>
+            <a:ext cx="9401933" cy="492443"/>
+          </a:xfrm>
+          <a:prstGeom prst="rect">
+            <a:avLst/>
+          </a:prstGeom>
+        </p:spPr>
+        <p:txBody>
+          <a:bodyPr wrap="none">
+            <a:spAutoFit/>
+          </a:bodyPr>
+          <a:lstStyle/>
+          <a:p>
+            <a:r>
+              <a:rPr lang="pt-BR" sz="2600" dirty="0" err="1">
+                <a:latin typeface="Courier New" panose="02070309020205020404" pitchFamily="49" charset="0"/>
+                <a:cs typeface="Courier New" panose="02070309020205020404" pitchFamily="49" charset="0"/>
+              </a:rPr>
+              <a:t>npm</a:t>
+            </a:r>
+            <a:r>
+              <a:rPr lang="pt-BR" sz="2600" dirty="0">
+                <a:latin typeface="Courier New" panose="02070309020205020404" pitchFamily="49" charset="0"/>
+                <a:cs typeface="Courier New" panose="02070309020205020404" pitchFamily="49" charset="0"/>
+              </a:rPr>
+              <a:t> </a:t>
+            </a:r>
+            <a:r>
+              <a:rPr lang="pt-BR" sz="2600" dirty="0" err="1">
+                <a:latin typeface="Courier New" panose="02070309020205020404" pitchFamily="49" charset="0"/>
+                <a:cs typeface="Courier New" panose="02070309020205020404" pitchFamily="49" charset="0"/>
+              </a:rPr>
+              <a:t>install</a:t>
+            </a:r>
+            <a:r>
+              <a:rPr lang="pt-BR" sz="2600" dirty="0">
+                <a:latin typeface="Courier New" panose="02070309020205020404" pitchFamily="49" charset="0"/>
+                <a:cs typeface="Courier New" panose="02070309020205020404" pitchFamily="49" charset="0"/>
+              </a:rPr>
+              <a:t> </a:t>
+            </a:r>
+            <a:r>
+              <a:rPr lang="pt-BR" sz="2600" dirty="0" err="1">
+                <a:latin typeface="Courier New" panose="02070309020205020404" pitchFamily="49" charset="0"/>
+                <a:cs typeface="Courier New" panose="02070309020205020404" pitchFamily="49" charset="0"/>
+              </a:rPr>
+              <a:t>webpack-bundle-analyzer</a:t>
+            </a:r>
+            <a:r>
+              <a:rPr lang="pt-BR" sz="2600" dirty="0">
+                <a:latin typeface="Courier New" panose="02070309020205020404" pitchFamily="49" charset="0"/>
+                <a:cs typeface="Courier New" panose="02070309020205020404" pitchFamily="49" charset="0"/>
+              </a:rPr>
+              <a:t> --</a:t>
+            </a:r>
+            <a:r>
+              <a:rPr lang="pt-BR" sz="2600" dirty="0" err="1">
+                <a:latin typeface="Courier New" panose="02070309020205020404" pitchFamily="49" charset="0"/>
+                <a:cs typeface="Courier New" panose="02070309020205020404" pitchFamily="49" charset="0"/>
+              </a:rPr>
+              <a:t>save-dev</a:t>
+            </a:r>
+            <a:endParaRPr lang="pt-BR" sz="2600" dirty="0">
+              <a:latin typeface="Courier New" panose="02070309020205020404" pitchFamily="49" charset="0"/>
+              <a:cs typeface="Courier New" panose="02070309020205020404" pitchFamily="49" charset="0"/>
+            </a:endParaRPr>
+          </a:p>
+        </p:txBody>
+      </p:sp>
+    </p:spTree>
+    <p:extLst>
+      <p:ext uri="{BB962C8B-B14F-4D97-AF65-F5344CB8AC3E}">
+        <p14:creationId xmlns:p14="http://schemas.microsoft.com/office/powerpoint/2010/main" val="2411934502"/>
+      </p:ext>
+    </p:extLst>
+  </p:cSld>
+  <p:clrMapOvr>
+    <a:masterClrMapping/>
+  </p:clrMapOvr>
+</p:sld>
+</file>
+
+<file path=ppt/slides/slide22.xml><?xml version="1.0" encoding="utf-8"?>
+<p:sld xmlns:a="http://schemas.openxmlformats.org/drawingml/2006/main" xmlns:r="http://schemas.openxmlformats.org/officeDocument/2006/relationships" xmlns:p="http://schemas.openxmlformats.org/presentationml/2006/main">
+  <p:cSld>
+    <p:spTree>
+      <p:nvGrpSpPr>
+        <p:cNvPr id="1" name=""/>
+        <p:cNvGrpSpPr/>
+        <p:nvPr/>
+      </p:nvGrpSpPr>
+      <p:grpSpPr>
+        <a:xfrm>
+          <a:off x="0" y="0"/>
+          <a:ext cx="0" cy="0"/>
+          <a:chOff x="0" y="0"/>
+          <a:chExt cx="0" cy="0"/>
+        </a:xfrm>
+      </p:grpSpPr>
+      <p:sp>
+        <p:nvSpPr>
+          <p:cNvPr id="2" name="Título 1">
+            <a:extLst>
+              <a:ext uri="{FF2B5EF4-FFF2-40B4-BE49-F238E27FC236}">
+                <a16:creationId xmlns:a16="http://schemas.microsoft.com/office/drawing/2014/main" id="{2803188B-252D-430D-95B5-2E9ABC5D9BF2}"/>
+              </a:ext>
+            </a:extLst>
+          </p:cNvPr>
+          <p:cNvSpPr>
+            <a:spLocks noGrp="1"/>
+          </p:cNvSpPr>
+          <p:nvPr>
+            <p:ph type="title"/>
+          </p:nvPr>
+        </p:nvSpPr>
+        <p:spPr/>
+        <p:txBody>
+          <a:bodyPr/>
+          <a:lstStyle/>
+          <a:p>
+            <a:r>
+              <a:rPr lang="pt-BR" dirty="0" err="1"/>
+              <a:t>Webpack</a:t>
+            </a:r>
+            <a:r>
+              <a:rPr lang="pt-BR" dirty="0"/>
+              <a:t> </a:t>
+            </a:r>
+            <a:r>
+              <a:rPr lang="pt-BR" dirty="0" err="1"/>
+              <a:t>Bundle</a:t>
+            </a:r>
+            <a:r>
+              <a:rPr lang="pt-BR" dirty="0"/>
+              <a:t> </a:t>
+            </a:r>
+            <a:r>
+              <a:rPr lang="pt-BR" dirty="0" err="1"/>
+              <a:t>Analyzer</a:t>
+            </a:r>
+            <a:endParaRPr lang="pt-BR" dirty="0"/>
+          </a:p>
+        </p:txBody>
+      </p:sp>
+      <p:sp>
+        <p:nvSpPr>
+          <p:cNvPr id="4" name="Retângulo 3">
+            <a:extLst>
+              <a:ext uri="{FF2B5EF4-FFF2-40B4-BE49-F238E27FC236}">
+                <a16:creationId xmlns:a16="http://schemas.microsoft.com/office/drawing/2014/main" id="{A68833A7-D962-478C-903A-3CD7B84A2BA8}"/>
+              </a:ext>
+            </a:extLst>
+          </p:cNvPr>
+          <p:cNvSpPr/>
+          <p:nvPr/>
+        </p:nvSpPr>
+        <p:spPr>
+          <a:xfrm>
+            <a:off x="1153885" y="2607622"/>
+            <a:ext cx="9884229" cy="3323987"/>
+          </a:xfrm>
+          <a:prstGeom prst="rect">
+            <a:avLst/>
+          </a:prstGeom>
+        </p:spPr>
+        <p:txBody>
+          <a:bodyPr wrap="square">
+            <a:spAutoFit/>
+          </a:bodyPr>
+          <a:lstStyle/>
+          <a:p>
+            <a:r>
+              <a:rPr lang="pt-BR" sz="1400" dirty="0">
+                <a:latin typeface="Courier New" panose="02070309020205020404" pitchFamily="49" charset="0"/>
+                <a:cs typeface="Courier New" panose="02070309020205020404" pitchFamily="49" charset="0"/>
+              </a:rPr>
+              <a:t>{</a:t>
+            </a:r>
+          </a:p>
+          <a:p>
+            <a:r>
+              <a:rPr lang="pt-BR" sz="1400" dirty="0">
+                <a:latin typeface="Courier New" panose="02070309020205020404" pitchFamily="49" charset="0"/>
+                <a:cs typeface="Courier New" panose="02070309020205020404" pitchFamily="49" charset="0"/>
+              </a:rPr>
+              <a:t>  "</a:t>
+            </a:r>
+            <a:r>
+              <a:rPr lang="pt-BR" sz="1400" dirty="0" err="1">
+                <a:latin typeface="Courier New" panose="02070309020205020404" pitchFamily="49" charset="0"/>
+                <a:cs typeface="Courier New" panose="02070309020205020404" pitchFamily="49" charset="0"/>
+              </a:rPr>
+              <a:t>name</a:t>
+            </a:r>
+            <a:r>
+              <a:rPr lang="pt-BR" sz="1400" dirty="0">
+                <a:latin typeface="Courier New" panose="02070309020205020404" pitchFamily="49" charset="0"/>
+                <a:cs typeface="Courier New" panose="02070309020205020404" pitchFamily="49" charset="0"/>
+              </a:rPr>
+              <a:t>": "angular-</a:t>
+            </a:r>
+            <a:r>
+              <a:rPr lang="pt-BR" sz="1400" dirty="0" err="1">
+                <a:latin typeface="Courier New" panose="02070309020205020404" pitchFamily="49" charset="0"/>
+                <a:cs typeface="Courier New" panose="02070309020205020404" pitchFamily="49" charset="0"/>
+              </a:rPr>
+              <a:t>lazy</a:t>
+            </a:r>
+            <a:r>
+              <a:rPr lang="pt-BR" sz="1400" dirty="0">
+                <a:latin typeface="Courier New" panose="02070309020205020404" pitchFamily="49" charset="0"/>
+                <a:cs typeface="Courier New" panose="02070309020205020404" pitchFamily="49" charset="0"/>
+              </a:rPr>
+              <a:t>-</a:t>
+            </a:r>
+            <a:r>
+              <a:rPr lang="pt-BR" sz="1400" dirty="0" err="1">
+                <a:latin typeface="Courier New" panose="02070309020205020404" pitchFamily="49" charset="0"/>
+                <a:cs typeface="Courier New" panose="02070309020205020404" pitchFamily="49" charset="0"/>
+              </a:rPr>
+              <a:t>loading</a:t>
+            </a:r>
+            <a:r>
+              <a:rPr lang="pt-BR" sz="1400" dirty="0">
+                <a:latin typeface="Courier New" panose="02070309020205020404" pitchFamily="49" charset="0"/>
+                <a:cs typeface="Courier New" panose="02070309020205020404" pitchFamily="49" charset="0"/>
+              </a:rPr>
+              <a:t>", </a:t>
+            </a:r>
+          </a:p>
+          <a:p>
+            <a:r>
+              <a:rPr lang="pt-BR" sz="1400" dirty="0">
+                <a:latin typeface="Courier New" panose="02070309020205020404" pitchFamily="49" charset="0"/>
+                <a:cs typeface="Courier New" panose="02070309020205020404" pitchFamily="49" charset="0"/>
+              </a:rPr>
+              <a:t>  "</a:t>
+            </a:r>
+            <a:r>
+              <a:rPr lang="pt-BR" sz="1400" dirty="0" err="1">
+                <a:latin typeface="Courier New" panose="02070309020205020404" pitchFamily="49" charset="0"/>
+                <a:cs typeface="Courier New" panose="02070309020205020404" pitchFamily="49" charset="0"/>
+              </a:rPr>
+              <a:t>version</a:t>
+            </a:r>
+            <a:r>
+              <a:rPr lang="pt-BR" sz="1400" dirty="0">
+                <a:latin typeface="Courier New" panose="02070309020205020404" pitchFamily="49" charset="0"/>
+                <a:cs typeface="Courier New" panose="02070309020205020404" pitchFamily="49" charset="0"/>
+              </a:rPr>
+              <a:t>": "0.0.0",</a:t>
+            </a:r>
+          </a:p>
+          <a:p>
+            <a:r>
+              <a:rPr lang="pt-BR" sz="1400" dirty="0">
+                <a:latin typeface="Courier New" panose="02070309020205020404" pitchFamily="49" charset="0"/>
+                <a:cs typeface="Courier New" panose="02070309020205020404" pitchFamily="49" charset="0"/>
+              </a:rPr>
+              <a:t>  "scripts": {</a:t>
+            </a:r>
+          </a:p>
+          <a:p>
+            <a:r>
+              <a:rPr lang="pt-BR" sz="1400" dirty="0">
+                <a:latin typeface="Courier New" panose="02070309020205020404" pitchFamily="49" charset="0"/>
+                <a:cs typeface="Courier New" panose="02070309020205020404" pitchFamily="49" charset="0"/>
+              </a:rPr>
+              <a:t>    "</a:t>
+            </a:r>
+            <a:r>
+              <a:rPr lang="pt-BR" sz="1400" dirty="0" err="1">
+                <a:latin typeface="Courier New" panose="02070309020205020404" pitchFamily="49" charset="0"/>
+                <a:cs typeface="Courier New" panose="02070309020205020404" pitchFamily="49" charset="0"/>
+              </a:rPr>
+              <a:t>ng</a:t>
+            </a:r>
+            <a:r>
+              <a:rPr lang="pt-BR" sz="1400" dirty="0">
+                <a:latin typeface="Courier New" panose="02070309020205020404" pitchFamily="49" charset="0"/>
+                <a:cs typeface="Courier New" panose="02070309020205020404" pitchFamily="49" charset="0"/>
+              </a:rPr>
+              <a:t>": "</a:t>
+            </a:r>
+            <a:r>
+              <a:rPr lang="pt-BR" sz="1400" dirty="0" err="1">
+                <a:latin typeface="Courier New" panose="02070309020205020404" pitchFamily="49" charset="0"/>
+                <a:cs typeface="Courier New" panose="02070309020205020404" pitchFamily="49" charset="0"/>
+              </a:rPr>
+              <a:t>ng</a:t>
+            </a:r>
+            <a:r>
+              <a:rPr lang="pt-BR" sz="1400" dirty="0">
+                <a:latin typeface="Courier New" panose="02070309020205020404" pitchFamily="49" charset="0"/>
+                <a:cs typeface="Courier New" panose="02070309020205020404" pitchFamily="49" charset="0"/>
+              </a:rPr>
+              <a:t>",</a:t>
+            </a:r>
+          </a:p>
+          <a:p>
+            <a:r>
+              <a:rPr lang="pt-BR" sz="1400" dirty="0">
+                <a:latin typeface="Courier New" panose="02070309020205020404" pitchFamily="49" charset="0"/>
+                <a:cs typeface="Courier New" panose="02070309020205020404" pitchFamily="49" charset="0"/>
+              </a:rPr>
+              <a:t>    "start": "</a:t>
+            </a:r>
+            <a:r>
+              <a:rPr lang="pt-BR" sz="1400" dirty="0" err="1">
+                <a:latin typeface="Courier New" panose="02070309020205020404" pitchFamily="49" charset="0"/>
+                <a:cs typeface="Courier New" panose="02070309020205020404" pitchFamily="49" charset="0"/>
+              </a:rPr>
+              <a:t>ng</a:t>
+            </a:r>
+            <a:r>
+              <a:rPr lang="pt-BR" sz="1400" dirty="0">
+                <a:latin typeface="Courier New" panose="02070309020205020404" pitchFamily="49" charset="0"/>
+                <a:cs typeface="Courier New" panose="02070309020205020404" pitchFamily="49" charset="0"/>
+              </a:rPr>
+              <a:t> serve",</a:t>
+            </a:r>
+          </a:p>
+          <a:p>
+            <a:r>
+              <a:rPr lang="pt-BR" sz="1400" dirty="0">
+                <a:latin typeface="Courier New" panose="02070309020205020404" pitchFamily="49" charset="0"/>
+                <a:cs typeface="Courier New" panose="02070309020205020404" pitchFamily="49" charset="0"/>
+              </a:rPr>
+              <a:t>    "build": "</a:t>
+            </a:r>
+            <a:r>
+              <a:rPr lang="pt-BR" sz="1400" dirty="0" err="1">
+                <a:latin typeface="Courier New" panose="02070309020205020404" pitchFamily="49" charset="0"/>
+                <a:cs typeface="Courier New" panose="02070309020205020404" pitchFamily="49" charset="0"/>
+              </a:rPr>
+              <a:t>ng</a:t>
+            </a:r>
+            <a:r>
+              <a:rPr lang="pt-BR" sz="1400" dirty="0">
+                <a:latin typeface="Courier New" panose="02070309020205020404" pitchFamily="49" charset="0"/>
+                <a:cs typeface="Courier New" panose="02070309020205020404" pitchFamily="49" charset="0"/>
+              </a:rPr>
+              <a:t> build",</a:t>
+            </a:r>
+          </a:p>
+          <a:p>
+            <a:r>
+              <a:rPr lang="pt-BR" sz="1400" dirty="0">
+                <a:latin typeface="Courier New" panose="02070309020205020404" pitchFamily="49" charset="0"/>
+                <a:cs typeface="Courier New" panose="02070309020205020404" pitchFamily="49" charset="0"/>
+              </a:rPr>
+              <a:t>    "</a:t>
+            </a:r>
+            <a:r>
+              <a:rPr lang="pt-BR" sz="1400" dirty="0" err="1">
+                <a:latin typeface="Courier New" panose="02070309020205020404" pitchFamily="49" charset="0"/>
+                <a:cs typeface="Courier New" panose="02070309020205020404" pitchFamily="49" charset="0"/>
+              </a:rPr>
+              <a:t>test</a:t>
+            </a:r>
+            <a:r>
+              <a:rPr lang="pt-BR" sz="1400" dirty="0">
+                <a:latin typeface="Courier New" panose="02070309020205020404" pitchFamily="49" charset="0"/>
+                <a:cs typeface="Courier New" panose="02070309020205020404" pitchFamily="49" charset="0"/>
+              </a:rPr>
+              <a:t>": "</a:t>
+            </a:r>
+            <a:r>
+              <a:rPr lang="pt-BR" sz="1400" dirty="0" err="1">
+                <a:latin typeface="Courier New" panose="02070309020205020404" pitchFamily="49" charset="0"/>
+                <a:cs typeface="Courier New" panose="02070309020205020404" pitchFamily="49" charset="0"/>
+              </a:rPr>
+              <a:t>ng</a:t>
+            </a:r>
+            <a:r>
+              <a:rPr lang="pt-BR" sz="1400" dirty="0">
+                <a:latin typeface="Courier New" panose="02070309020205020404" pitchFamily="49" charset="0"/>
+                <a:cs typeface="Courier New" panose="02070309020205020404" pitchFamily="49" charset="0"/>
+              </a:rPr>
+              <a:t> </a:t>
+            </a:r>
+            <a:r>
+              <a:rPr lang="pt-BR" sz="1400" dirty="0" err="1">
+                <a:latin typeface="Courier New" panose="02070309020205020404" pitchFamily="49" charset="0"/>
+                <a:cs typeface="Courier New" panose="02070309020205020404" pitchFamily="49" charset="0"/>
+              </a:rPr>
+              <a:t>test</a:t>
+            </a:r>
+            <a:r>
+              <a:rPr lang="pt-BR" sz="1400" dirty="0">
+                <a:latin typeface="Courier New" panose="02070309020205020404" pitchFamily="49" charset="0"/>
+                <a:cs typeface="Courier New" panose="02070309020205020404" pitchFamily="49" charset="0"/>
+              </a:rPr>
+              <a:t>",</a:t>
+            </a:r>
+          </a:p>
+          <a:p>
+            <a:r>
+              <a:rPr lang="pt-BR" sz="1400" dirty="0">
+                <a:latin typeface="Courier New" panose="02070309020205020404" pitchFamily="49" charset="0"/>
+                <a:cs typeface="Courier New" panose="02070309020205020404" pitchFamily="49" charset="0"/>
+              </a:rPr>
+              <a:t>    "</a:t>
+            </a:r>
+            <a:r>
+              <a:rPr lang="pt-BR" sz="1400" dirty="0" err="1">
+                <a:latin typeface="Courier New" panose="02070309020205020404" pitchFamily="49" charset="0"/>
+                <a:cs typeface="Courier New" panose="02070309020205020404" pitchFamily="49" charset="0"/>
+              </a:rPr>
+              <a:t>lint</a:t>
+            </a:r>
+            <a:r>
+              <a:rPr lang="pt-BR" sz="1400" dirty="0">
+                <a:latin typeface="Courier New" panose="02070309020205020404" pitchFamily="49" charset="0"/>
+                <a:cs typeface="Courier New" panose="02070309020205020404" pitchFamily="49" charset="0"/>
+              </a:rPr>
+              <a:t>": "</a:t>
+            </a:r>
+            <a:r>
+              <a:rPr lang="pt-BR" sz="1400" dirty="0" err="1">
+                <a:latin typeface="Courier New" panose="02070309020205020404" pitchFamily="49" charset="0"/>
+                <a:cs typeface="Courier New" panose="02070309020205020404" pitchFamily="49" charset="0"/>
+              </a:rPr>
+              <a:t>ng</a:t>
+            </a:r>
+            <a:r>
+              <a:rPr lang="pt-BR" sz="1400" dirty="0">
+                <a:latin typeface="Courier New" panose="02070309020205020404" pitchFamily="49" charset="0"/>
+                <a:cs typeface="Courier New" panose="02070309020205020404" pitchFamily="49" charset="0"/>
+              </a:rPr>
+              <a:t> </a:t>
+            </a:r>
+            <a:r>
+              <a:rPr lang="pt-BR" sz="1400" dirty="0" err="1">
+                <a:latin typeface="Courier New" panose="02070309020205020404" pitchFamily="49" charset="0"/>
+                <a:cs typeface="Courier New" panose="02070309020205020404" pitchFamily="49" charset="0"/>
+              </a:rPr>
+              <a:t>lint</a:t>
+            </a:r>
+            <a:r>
+              <a:rPr lang="pt-BR" sz="1400" dirty="0">
+                <a:latin typeface="Courier New" panose="02070309020205020404" pitchFamily="49" charset="0"/>
+                <a:cs typeface="Courier New" panose="02070309020205020404" pitchFamily="49" charset="0"/>
+              </a:rPr>
+              <a:t>",</a:t>
+            </a:r>
+          </a:p>
+          <a:p>
+            <a:r>
+              <a:rPr lang="pt-BR" sz="1400" dirty="0">
+                <a:latin typeface="Courier New" panose="02070309020205020404" pitchFamily="49" charset="0"/>
+                <a:cs typeface="Courier New" panose="02070309020205020404" pitchFamily="49" charset="0"/>
+              </a:rPr>
+              <a:t>    "e2e": "</a:t>
+            </a:r>
+            <a:r>
+              <a:rPr lang="pt-BR" sz="1400" dirty="0" err="1">
+                <a:latin typeface="Courier New" panose="02070309020205020404" pitchFamily="49" charset="0"/>
+                <a:cs typeface="Courier New" panose="02070309020205020404" pitchFamily="49" charset="0"/>
+              </a:rPr>
+              <a:t>ng</a:t>
+            </a:r>
+            <a:r>
+              <a:rPr lang="pt-BR" sz="1400" dirty="0">
+                <a:latin typeface="Courier New" panose="02070309020205020404" pitchFamily="49" charset="0"/>
+                <a:cs typeface="Courier New" panose="02070309020205020404" pitchFamily="49" charset="0"/>
+              </a:rPr>
+              <a:t> e2e",</a:t>
+            </a:r>
+          </a:p>
+          <a:p>
+            <a:r>
+              <a:rPr lang="pt-BR" sz="1400" dirty="0">
+                <a:latin typeface="Courier New" panose="02070309020205020404" pitchFamily="49" charset="0"/>
+                <a:cs typeface="Courier New" panose="02070309020205020404" pitchFamily="49" charset="0"/>
+              </a:rPr>
+              <a:t>    </a:t>
+            </a:r>
+            <a:r>
+              <a:rPr lang="pt-BR" sz="1400" b="1" dirty="0">
+                <a:latin typeface="Courier New" panose="02070309020205020404" pitchFamily="49" charset="0"/>
+                <a:cs typeface="Courier New" panose="02070309020205020404" pitchFamily="49" charset="0"/>
+              </a:rPr>
+              <a:t>"</a:t>
+            </a:r>
+            <a:r>
+              <a:rPr lang="pt-BR" sz="1400" b="1" dirty="0" err="1">
+                <a:latin typeface="Courier New" panose="02070309020205020404" pitchFamily="49" charset="0"/>
+                <a:cs typeface="Courier New" panose="02070309020205020404" pitchFamily="49" charset="0"/>
+              </a:rPr>
+              <a:t>stats</a:t>
+            </a:r>
+            <a:r>
+              <a:rPr lang="pt-BR" sz="1400" b="1" dirty="0">
+                <a:latin typeface="Courier New" panose="02070309020205020404" pitchFamily="49" charset="0"/>
+                <a:cs typeface="Courier New" panose="02070309020205020404" pitchFamily="49" charset="0"/>
+              </a:rPr>
+              <a:t>": "</a:t>
+            </a:r>
+            <a:r>
+              <a:rPr lang="pt-BR" sz="1400" b="1" dirty="0" err="1">
+                <a:latin typeface="Courier New" panose="02070309020205020404" pitchFamily="49" charset="0"/>
+                <a:cs typeface="Courier New" panose="02070309020205020404" pitchFamily="49" charset="0"/>
+              </a:rPr>
+              <a:t>ng</a:t>
+            </a:r>
+            <a:r>
+              <a:rPr lang="pt-BR" sz="1400" b="1" dirty="0">
+                <a:latin typeface="Courier New" panose="02070309020205020404" pitchFamily="49" charset="0"/>
+                <a:cs typeface="Courier New" panose="02070309020205020404" pitchFamily="49" charset="0"/>
+              </a:rPr>
+              <a:t> build --</a:t>
+            </a:r>
+            <a:r>
+              <a:rPr lang="pt-BR" sz="1400" b="1" dirty="0" err="1">
+                <a:latin typeface="Courier New" panose="02070309020205020404" pitchFamily="49" charset="0"/>
+                <a:cs typeface="Courier New" panose="02070309020205020404" pitchFamily="49" charset="0"/>
+              </a:rPr>
+              <a:t>stats-json</a:t>
+            </a:r>
+            <a:r>
+              <a:rPr lang="pt-BR" sz="1400" b="1" dirty="0">
+                <a:latin typeface="Courier New" panose="02070309020205020404" pitchFamily="49" charset="0"/>
+                <a:cs typeface="Courier New" panose="02070309020205020404" pitchFamily="49" charset="0"/>
+              </a:rPr>
+              <a:t>",</a:t>
+            </a:r>
+          </a:p>
+          <a:p>
+            <a:r>
+              <a:rPr lang="pt-BR" sz="1400" b="1" dirty="0">
+                <a:latin typeface="Courier New" panose="02070309020205020404" pitchFamily="49" charset="0"/>
+                <a:cs typeface="Courier New" panose="02070309020205020404" pitchFamily="49" charset="0"/>
+              </a:rPr>
+              <a:t>    "</a:t>
+            </a:r>
+            <a:r>
+              <a:rPr lang="pt-BR" sz="1400" b="1" dirty="0" err="1">
+                <a:latin typeface="Courier New" panose="02070309020205020404" pitchFamily="49" charset="0"/>
+                <a:cs typeface="Courier New" panose="02070309020205020404" pitchFamily="49" charset="0"/>
+              </a:rPr>
+              <a:t>analyze</a:t>
+            </a:r>
+            <a:r>
+              <a:rPr lang="pt-BR" sz="1400" b="1" dirty="0">
+                <a:latin typeface="Courier New" panose="02070309020205020404" pitchFamily="49" charset="0"/>
+                <a:cs typeface="Courier New" panose="02070309020205020404" pitchFamily="49" charset="0"/>
+              </a:rPr>
+              <a:t>": "</a:t>
+            </a:r>
+            <a:r>
+              <a:rPr lang="pt-BR" sz="1400" b="1" dirty="0" err="1">
+                <a:latin typeface="Courier New" panose="02070309020205020404" pitchFamily="49" charset="0"/>
+                <a:cs typeface="Courier New" panose="02070309020205020404" pitchFamily="49" charset="0"/>
+              </a:rPr>
+              <a:t>webpack-bundle-analyzer</a:t>
+            </a:r>
+            <a:r>
+              <a:rPr lang="pt-BR" sz="1400" b="1" dirty="0">
+                <a:latin typeface="Courier New" panose="02070309020205020404" pitchFamily="49" charset="0"/>
+                <a:cs typeface="Courier New" panose="02070309020205020404" pitchFamily="49" charset="0"/>
+              </a:rPr>
+              <a:t> </a:t>
+            </a:r>
+            <a:r>
+              <a:rPr lang="pt-BR" sz="1400" b="1" dirty="0" err="1">
+                <a:latin typeface="Courier New" panose="02070309020205020404" pitchFamily="49" charset="0"/>
+                <a:cs typeface="Courier New" panose="02070309020205020404" pitchFamily="49" charset="0"/>
+              </a:rPr>
+              <a:t>dist</a:t>
+            </a:r>
+            <a:r>
+              <a:rPr lang="pt-BR" sz="1400" b="1" dirty="0">
+                <a:latin typeface="Courier New" panose="02070309020205020404" pitchFamily="49" charset="0"/>
+                <a:cs typeface="Courier New" panose="02070309020205020404" pitchFamily="49" charset="0"/>
+              </a:rPr>
+              <a:t>/angular-</a:t>
+            </a:r>
+            <a:r>
+              <a:rPr lang="pt-BR" sz="1400" b="1" dirty="0" err="1">
+                <a:latin typeface="Courier New" panose="02070309020205020404" pitchFamily="49" charset="0"/>
+                <a:cs typeface="Courier New" panose="02070309020205020404" pitchFamily="49" charset="0"/>
+              </a:rPr>
+              <a:t>lazy</a:t>
+            </a:r>
+            <a:r>
+              <a:rPr lang="pt-BR" sz="1400" b="1" dirty="0">
+                <a:latin typeface="Courier New" panose="02070309020205020404" pitchFamily="49" charset="0"/>
+                <a:cs typeface="Courier New" panose="02070309020205020404" pitchFamily="49" charset="0"/>
+              </a:rPr>
+              <a:t>-</a:t>
+            </a:r>
+            <a:r>
+              <a:rPr lang="pt-BR" sz="1400" b="1" dirty="0" err="1">
+                <a:latin typeface="Courier New" panose="02070309020205020404" pitchFamily="49" charset="0"/>
+                <a:cs typeface="Courier New" panose="02070309020205020404" pitchFamily="49" charset="0"/>
+              </a:rPr>
+              <a:t>loading</a:t>
+            </a:r>
+            <a:r>
+              <a:rPr lang="pt-BR" sz="1400" b="1" dirty="0">
+                <a:latin typeface="Courier New" panose="02070309020205020404" pitchFamily="49" charset="0"/>
+                <a:cs typeface="Courier New" panose="02070309020205020404" pitchFamily="49" charset="0"/>
+              </a:rPr>
+              <a:t>/</a:t>
+            </a:r>
+            <a:r>
+              <a:rPr lang="pt-BR" sz="1400" b="1" dirty="0" err="1">
+                <a:latin typeface="Courier New" panose="02070309020205020404" pitchFamily="49" charset="0"/>
+                <a:cs typeface="Courier New" panose="02070309020205020404" pitchFamily="49" charset="0"/>
+              </a:rPr>
+              <a:t>stats.json</a:t>
+            </a:r>
+            <a:r>
+              <a:rPr lang="pt-BR" sz="1400" b="1" dirty="0">
+                <a:latin typeface="Courier New" panose="02070309020205020404" pitchFamily="49" charset="0"/>
+                <a:cs typeface="Courier New" panose="02070309020205020404" pitchFamily="49" charset="0"/>
+              </a:rPr>
+              <a:t>",</a:t>
+            </a:r>
+          </a:p>
+          <a:p>
+            <a:r>
+              <a:rPr lang="pt-BR" sz="1400" b="1" dirty="0">
+                <a:latin typeface="Courier New" panose="02070309020205020404" pitchFamily="49" charset="0"/>
+                <a:cs typeface="Courier New" panose="02070309020205020404" pitchFamily="49" charset="0"/>
+              </a:rPr>
+              <a:t>    </a:t>
+            </a:r>
+            <a:r>
+              <a:rPr lang="pt-BR" sz="1400" b="1" dirty="0">
+                <a:solidFill>
+                  <a:srgbClr val="FF0000"/>
+                </a:solidFill>
+                <a:latin typeface="Courier New" panose="02070309020205020404" pitchFamily="49" charset="0"/>
+                <a:cs typeface="Courier New" panose="02070309020205020404" pitchFamily="49" charset="0"/>
+              </a:rPr>
+              <a:t>"analyze-es5": "</a:t>
+            </a:r>
+            <a:r>
+              <a:rPr lang="pt-BR" sz="1400" b="1" dirty="0" err="1">
+                <a:solidFill>
+                  <a:srgbClr val="FF0000"/>
+                </a:solidFill>
+                <a:latin typeface="Courier New" panose="02070309020205020404" pitchFamily="49" charset="0"/>
+                <a:cs typeface="Courier New" panose="02070309020205020404" pitchFamily="49" charset="0"/>
+              </a:rPr>
+              <a:t>webpack-bundle-analyzer</a:t>
+            </a:r>
+            <a:r>
+              <a:rPr lang="pt-BR" sz="1400" b="1" dirty="0">
+                <a:solidFill>
+                  <a:srgbClr val="FF0000"/>
+                </a:solidFill>
+                <a:latin typeface="Courier New" panose="02070309020205020404" pitchFamily="49" charset="0"/>
+                <a:cs typeface="Courier New" panose="02070309020205020404" pitchFamily="49" charset="0"/>
+              </a:rPr>
+              <a:t> </a:t>
+            </a:r>
+            <a:r>
+              <a:rPr lang="pt-BR" sz="1400" b="1" dirty="0" err="1">
+                <a:solidFill>
+                  <a:srgbClr val="FF0000"/>
+                </a:solidFill>
+                <a:latin typeface="Courier New" panose="02070309020205020404" pitchFamily="49" charset="0"/>
+                <a:cs typeface="Courier New" panose="02070309020205020404" pitchFamily="49" charset="0"/>
+              </a:rPr>
+              <a:t>dist</a:t>
+            </a:r>
+            <a:r>
+              <a:rPr lang="pt-BR" sz="1400" b="1" dirty="0">
+                <a:solidFill>
+                  <a:srgbClr val="FF0000"/>
+                </a:solidFill>
+                <a:latin typeface="Courier New" panose="02070309020205020404" pitchFamily="49" charset="0"/>
+                <a:cs typeface="Courier New" panose="02070309020205020404" pitchFamily="49" charset="0"/>
+              </a:rPr>
+              <a:t>/angular-</a:t>
+            </a:r>
+            <a:r>
+              <a:rPr lang="pt-BR" sz="1400" b="1" dirty="0" err="1">
+                <a:solidFill>
+                  <a:srgbClr val="FF0000"/>
+                </a:solidFill>
+                <a:latin typeface="Courier New" panose="02070309020205020404" pitchFamily="49" charset="0"/>
+                <a:cs typeface="Courier New" panose="02070309020205020404" pitchFamily="49" charset="0"/>
+              </a:rPr>
+              <a:t>lazy</a:t>
+            </a:r>
+            <a:r>
+              <a:rPr lang="pt-BR" sz="1400" b="1" dirty="0">
+                <a:solidFill>
+                  <a:srgbClr val="FF0000"/>
+                </a:solidFill>
+                <a:latin typeface="Courier New" panose="02070309020205020404" pitchFamily="49" charset="0"/>
+                <a:cs typeface="Courier New" panose="02070309020205020404" pitchFamily="49" charset="0"/>
+              </a:rPr>
+              <a:t>-</a:t>
+            </a:r>
+            <a:r>
+              <a:rPr lang="pt-BR" sz="1400" b="1" dirty="0" err="1">
+                <a:solidFill>
+                  <a:srgbClr val="FF0000"/>
+                </a:solidFill>
+                <a:latin typeface="Courier New" panose="02070309020205020404" pitchFamily="49" charset="0"/>
+                <a:cs typeface="Courier New" panose="02070309020205020404" pitchFamily="49" charset="0"/>
+              </a:rPr>
+              <a:t>loading</a:t>
+            </a:r>
+            <a:r>
+              <a:rPr lang="pt-BR" sz="1400" b="1" dirty="0">
+                <a:solidFill>
+                  <a:srgbClr val="FF0000"/>
+                </a:solidFill>
+                <a:latin typeface="Courier New" panose="02070309020205020404" pitchFamily="49" charset="0"/>
+                <a:cs typeface="Courier New" panose="02070309020205020404" pitchFamily="49" charset="0"/>
+              </a:rPr>
+              <a:t>/stats-es5.json",</a:t>
+            </a:r>
+          </a:p>
+          <a:p>
+            <a:r>
+              <a:rPr lang="pt-BR" sz="1400" b="1" dirty="0">
+                <a:solidFill>
+                  <a:srgbClr val="FF0000"/>
+                </a:solidFill>
+                <a:latin typeface="Courier New" panose="02070309020205020404" pitchFamily="49" charset="0"/>
+                <a:cs typeface="Courier New" panose="02070309020205020404" pitchFamily="49" charset="0"/>
+              </a:rPr>
+              <a:t>    "analyze-es2015": "</a:t>
+            </a:r>
+            <a:r>
+              <a:rPr lang="pt-BR" sz="1400" b="1" dirty="0" err="1">
+                <a:solidFill>
+                  <a:srgbClr val="FF0000"/>
+                </a:solidFill>
+                <a:latin typeface="Courier New" panose="02070309020205020404" pitchFamily="49" charset="0"/>
+                <a:cs typeface="Courier New" panose="02070309020205020404" pitchFamily="49" charset="0"/>
+              </a:rPr>
+              <a:t>webpack-bundle-analyzer</a:t>
+            </a:r>
+            <a:r>
+              <a:rPr lang="pt-BR" sz="1400" b="1" dirty="0">
+                <a:solidFill>
+                  <a:srgbClr val="FF0000"/>
+                </a:solidFill>
+                <a:latin typeface="Courier New" panose="02070309020205020404" pitchFamily="49" charset="0"/>
+                <a:cs typeface="Courier New" panose="02070309020205020404" pitchFamily="49" charset="0"/>
+              </a:rPr>
+              <a:t> </a:t>
+            </a:r>
+            <a:r>
+              <a:rPr lang="pt-BR" sz="1400" b="1" dirty="0" err="1">
+                <a:solidFill>
+                  <a:srgbClr val="FF0000"/>
+                </a:solidFill>
+                <a:latin typeface="Courier New" panose="02070309020205020404" pitchFamily="49" charset="0"/>
+                <a:cs typeface="Courier New" panose="02070309020205020404" pitchFamily="49" charset="0"/>
+              </a:rPr>
+              <a:t>dist</a:t>
+            </a:r>
+            <a:r>
+              <a:rPr lang="pt-BR" sz="1400" b="1" dirty="0">
+                <a:solidFill>
+                  <a:srgbClr val="FF0000"/>
+                </a:solidFill>
+                <a:latin typeface="Courier New" panose="02070309020205020404" pitchFamily="49" charset="0"/>
+                <a:cs typeface="Courier New" panose="02070309020205020404" pitchFamily="49" charset="0"/>
+              </a:rPr>
+              <a:t>/angular-</a:t>
+            </a:r>
+            <a:r>
+              <a:rPr lang="pt-BR" sz="1400" b="1" dirty="0" err="1">
+                <a:solidFill>
+                  <a:srgbClr val="FF0000"/>
+                </a:solidFill>
+                <a:latin typeface="Courier New" panose="02070309020205020404" pitchFamily="49" charset="0"/>
+                <a:cs typeface="Courier New" panose="02070309020205020404" pitchFamily="49" charset="0"/>
+              </a:rPr>
+              <a:t>lazy</a:t>
+            </a:r>
+            <a:r>
+              <a:rPr lang="pt-BR" sz="1400" b="1" dirty="0">
+                <a:solidFill>
+                  <a:srgbClr val="FF0000"/>
+                </a:solidFill>
+                <a:latin typeface="Courier New" panose="02070309020205020404" pitchFamily="49" charset="0"/>
+                <a:cs typeface="Courier New" panose="02070309020205020404" pitchFamily="49" charset="0"/>
+              </a:rPr>
+              <a:t>-</a:t>
+            </a:r>
+            <a:r>
+              <a:rPr lang="pt-BR" sz="1400" b="1" dirty="0" err="1">
+                <a:solidFill>
+                  <a:srgbClr val="FF0000"/>
+                </a:solidFill>
+                <a:latin typeface="Courier New" panose="02070309020205020404" pitchFamily="49" charset="0"/>
+                <a:cs typeface="Courier New" panose="02070309020205020404" pitchFamily="49" charset="0"/>
+              </a:rPr>
+              <a:t>loading</a:t>
+            </a:r>
+            <a:r>
+              <a:rPr lang="pt-BR" sz="1400" b="1" dirty="0">
+                <a:solidFill>
+                  <a:srgbClr val="FF0000"/>
+                </a:solidFill>
+                <a:latin typeface="Courier New" panose="02070309020205020404" pitchFamily="49" charset="0"/>
+                <a:cs typeface="Courier New" panose="02070309020205020404" pitchFamily="49" charset="0"/>
+              </a:rPr>
+              <a:t>/stats-es2015.json"</a:t>
+            </a:r>
+          </a:p>
+          <a:p>
+            <a:r>
+              <a:rPr lang="pt-BR" sz="1400" dirty="0">
+                <a:latin typeface="Courier New" panose="02070309020205020404" pitchFamily="49" charset="0"/>
+                <a:cs typeface="Courier New" panose="02070309020205020404" pitchFamily="49" charset="0"/>
+              </a:rPr>
+              <a:t>},</a:t>
+            </a:r>
+            <a:endParaRPr lang="pt-BR" sz="1400" b="0" dirty="0">
+              <a:effectLst/>
+              <a:latin typeface="Courier New" panose="02070309020205020404" pitchFamily="49" charset="0"/>
+              <a:cs typeface="Courier New" panose="02070309020205020404" pitchFamily="49" charset="0"/>
+            </a:endParaRPr>
+          </a:p>
+        </p:txBody>
+      </p:sp>
+      <p:sp>
+        <p:nvSpPr>
+          <p:cNvPr id="5" name="CaixaDeTexto 4">
+            <a:extLst>
+              <a:ext uri="{FF2B5EF4-FFF2-40B4-BE49-F238E27FC236}">
+                <a16:creationId xmlns:a16="http://schemas.microsoft.com/office/drawing/2014/main" id="{0992ECDB-23CC-4991-A622-92127A08C9A4}"/>
+              </a:ext>
+            </a:extLst>
+          </p:cNvPr>
+          <p:cNvSpPr txBox="1"/>
+          <p:nvPr/>
+        </p:nvSpPr>
+        <p:spPr>
+          <a:xfrm>
+            <a:off x="5228858" y="1836823"/>
+            <a:ext cx="1795244" cy="461665"/>
+          </a:xfrm>
+          <a:prstGeom prst="rect">
+            <a:avLst/>
+          </a:prstGeom>
+          <a:noFill/>
+        </p:spPr>
+        <p:txBody>
+          <a:bodyPr wrap="square" rtlCol="0">
+            <a:spAutoFit/>
+          </a:bodyPr>
+          <a:lstStyle/>
+          <a:p>
+            <a:pPr algn="ctr"/>
+            <a:r>
+              <a:rPr lang="pt-BR" sz="2400" dirty="0" err="1"/>
+              <a:t>package.json</a:t>
+            </a:r>
+            <a:endParaRPr lang="pt-BR" sz="2400" dirty="0"/>
+          </a:p>
+        </p:txBody>
+      </p:sp>
+    </p:spTree>
+    <p:extLst>
+      <p:ext uri="{BB962C8B-B14F-4D97-AF65-F5344CB8AC3E}">
+        <p14:creationId xmlns:p14="http://schemas.microsoft.com/office/powerpoint/2010/main" val="38154646"/>
+      </p:ext>
+    </p:extLst>
+  </p:cSld>
+  <p:clrMapOvr>
+    <a:masterClrMapping/>
+  </p:clrMapOvr>
+</p:sld>
+</file>
+
+<file path=ppt/slides/slide23.xml><?xml version="1.0" encoding="utf-8"?>
+<p:sld xmlns:a="http://schemas.openxmlformats.org/drawingml/2006/main" xmlns:r="http://schemas.openxmlformats.org/officeDocument/2006/relationships" xmlns:p="http://schemas.openxmlformats.org/presentationml/2006/main">
+  <p:cSld>
+    <p:spTree>
+      <p:nvGrpSpPr>
+        <p:cNvPr id="1" name=""/>
+        <p:cNvGrpSpPr/>
+        <p:nvPr/>
+      </p:nvGrpSpPr>
+      <p:grpSpPr>
+        <a:xfrm>
+          <a:off x="0" y="0"/>
+          <a:ext cx="0" cy="0"/>
+          <a:chOff x="0" y="0"/>
+          <a:chExt cx="0" cy="0"/>
+        </a:xfrm>
+      </p:grpSpPr>
+      <p:sp>
+        <p:nvSpPr>
+          <p:cNvPr id="2" name="Título 1">
+            <a:extLst>
+              <a:ext uri="{FF2B5EF4-FFF2-40B4-BE49-F238E27FC236}">
+                <a16:creationId xmlns:a16="http://schemas.microsoft.com/office/drawing/2014/main" id="{2803188B-252D-430D-95B5-2E9ABC5D9BF2}"/>
+              </a:ext>
+            </a:extLst>
+          </p:cNvPr>
+          <p:cNvSpPr>
+            <a:spLocks noGrp="1"/>
+          </p:cNvSpPr>
+          <p:nvPr>
+            <p:ph type="title"/>
+          </p:nvPr>
+        </p:nvSpPr>
+        <p:spPr/>
+        <p:txBody>
+          <a:bodyPr/>
+          <a:lstStyle/>
+          <a:p>
+            <a:r>
+              <a:rPr lang="pt-BR" dirty="0" err="1"/>
+              <a:t>Webpack</a:t>
+            </a:r>
+            <a:r>
+              <a:rPr lang="pt-BR" dirty="0"/>
+              <a:t> </a:t>
+            </a:r>
+            <a:r>
+              <a:rPr lang="pt-BR" dirty="0" err="1"/>
+              <a:t>Bundle</a:t>
+            </a:r>
+            <a:r>
+              <a:rPr lang="pt-BR" dirty="0"/>
+              <a:t> </a:t>
+            </a:r>
+            <a:r>
+              <a:rPr lang="pt-BR" dirty="0" err="1"/>
+              <a:t>Analyzer</a:t>
+            </a:r>
+            <a:endParaRPr lang="pt-BR" dirty="0"/>
+          </a:p>
+        </p:txBody>
+      </p:sp>
+      <p:sp>
+        <p:nvSpPr>
+          <p:cNvPr id="3" name="Retângulo 2">
+            <a:extLst>
+              <a:ext uri="{FF2B5EF4-FFF2-40B4-BE49-F238E27FC236}">
+                <a16:creationId xmlns:a16="http://schemas.microsoft.com/office/drawing/2014/main" id="{830AD4EF-F4ED-42C0-94A9-B3195383E350}"/>
+              </a:ext>
+            </a:extLst>
+          </p:cNvPr>
+          <p:cNvSpPr/>
+          <p:nvPr/>
+        </p:nvSpPr>
+        <p:spPr>
+          <a:xfrm>
+            <a:off x="4531331" y="3130823"/>
+            <a:ext cx="3190297" cy="892552"/>
+          </a:xfrm>
+          <a:prstGeom prst="rect">
+            <a:avLst/>
+          </a:prstGeom>
+        </p:spPr>
+        <p:txBody>
+          <a:bodyPr wrap="none">
+            <a:spAutoFit/>
+          </a:bodyPr>
+          <a:lstStyle/>
+          <a:p>
+            <a:r>
+              <a:rPr lang="pt-BR" sz="2600" dirty="0" err="1">
+                <a:latin typeface="Courier New" panose="02070309020205020404" pitchFamily="49" charset="0"/>
+                <a:cs typeface="Courier New" panose="02070309020205020404" pitchFamily="49" charset="0"/>
+              </a:rPr>
+              <a:t>npm</a:t>
+            </a:r>
+            <a:r>
+              <a:rPr lang="pt-BR" sz="2600" dirty="0">
+                <a:latin typeface="Courier New" panose="02070309020205020404" pitchFamily="49" charset="0"/>
+                <a:cs typeface="Courier New" panose="02070309020205020404" pitchFamily="49" charset="0"/>
+              </a:rPr>
+              <a:t> </a:t>
+            </a:r>
+            <a:r>
+              <a:rPr lang="pt-BR" sz="2600" dirty="0" err="1">
+                <a:latin typeface="Courier New" panose="02070309020205020404" pitchFamily="49" charset="0"/>
+                <a:cs typeface="Courier New" panose="02070309020205020404" pitchFamily="49" charset="0"/>
+              </a:rPr>
+              <a:t>run</a:t>
+            </a:r>
+            <a:r>
+              <a:rPr lang="pt-BR" sz="2600" dirty="0">
+                <a:latin typeface="Courier New" panose="02070309020205020404" pitchFamily="49" charset="0"/>
+                <a:cs typeface="Courier New" panose="02070309020205020404" pitchFamily="49" charset="0"/>
+              </a:rPr>
+              <a:t> </a:t>
+            </a:r>
+            <a:r>
+              <a:rPr lang="pt-BR" sz="2600" dirty="0" err="1">
+                <a:latin typeface="Courier New" panose="02070309020205020404" pitchFamily="49" charset="0"/>
+                <a:cs typeface="Courier New" panose="02070309020205020404" pitchFamily="49" charset="0"/>
+              </a:rPr>
+              <a:t>stats</a:t>
+            </a:r>
+            <a:endParaRPr lang="pt-BR" sz="2600" dirty="0">
+              <a:latin typeface="Courier New" panose="02070309020205020404" pitchFamily="49" charset="0"/>
+              <a:cs typeface="Courier New" panose="02070309020205020404" pitchFamily="49" charset="0"/>
+            </a:endParaRPr>
+          </a:p>
+          <a:p>
+            <a:r>
+              <a:rPr lang="pt-BR" sz="2600" dirty="0" err="1">
+                <a:latin typeface="Courier New" panose="02070309020205020404" pitchFamily="49" charset="0"/>
+                <a:cs typeface="Courier New" panose="02070309020205020404" pitchFamily="49" charset="0"/>
+              </a:rPr>
+              <a:t>npm</a:t>
+            </a:r>
+            <a:r>
+              <a:rPr lang="pt-BR" sz="2600" dirty="0">
+                <a:latin typeface="Courier New" panose="02070309020205020404" pitchFamily="49" charset="0"/>
+                <a:cs typeface="Courier New" panose="02070309020205020404" pitchFamily="49" charset="0"/>
+              </a:rPr>
+              <a:t> </a:t>
+            </a:r>
+            <a:r>
+              <a:rPr lang="pt-BR" sz="2600" dirty="0" err="1">
+                <a:latin typeface="Courier New" panose="02070309020205020404" pitchFamily="49" charset="0"/>
+                <a:cs typeface="Courier New" panose="02070309020205020404" pitchFamily="49" charset="0"/>
+              </a:rPr>
+              <a:t>run</a:t>
+            </a:r>
+            <a:r>
+              <a:rPr lang="pt-BR" sz="2600" dirty="0">
+                <a:latin typeface="Courier New" panose="02070309020205020404" pitchFamily="49" charset="0"/>
+                <a:cs typeface="Courier New" panose="02070309020205020404" pitchFamily="49" charset="0"/>
+              </a:rPr>
+              <a:t> </a:t>
+            </a:r>
+            <a:r>
+              <a:rPr lang="pt-BR" sz="2600" dirty="0" err="1">
+                <a:latin typeface="Courier New" panose="02070309020205020404" pitchFamily="49" charset="0"/>
+                <a:cs typeface="Courier New" panose="02070309020205020404" pitchFamily="49" charset="0"/>
+              </a:rPr>
+              <a:t>analyze</a:t>
+            </a:r>
+            <a:endParaRPr lang="pt-BR" sz="2600" dirty="0">
+              <a:latin typeface="Courier New" panose="02070309020205020404" pitchFamily="49" charset="0"/>
+              <a:cs typeface="Courier New" panose="02070309020205020404" pitchFamily="49" charset="0"/>
+            </a:endParaRPr>
+          </a:p>
+        </p:txBody>
+      </p:sp>
+    </p:spTree>
+    <p:extLst>
+      <p:ext uri="{BB962C8B-B14F-4D97-AF65-F5344CB8AC3E}">
+        <p14:creationId xmlns:p14="http://schemas.microsoft.com/office/powerpoint/2010/main" val="3007566699"/>
+      </p:ext>
+    </p:extLst>
+  </p:cSld>
+  <p:clrMapOvr>
+    <a:masterClrMapping/>
+  </p:clrMapOvr>
+</p:sld>
+</file>
+
+<file path=ppt/slides/slide24.xml><?xml version="1.0" encoding="utf-8"?>
+<p:sld xmlns:a="http://schemas.openxmlformats.org/drawingml/2006/main" xmlns:r="http://schemas.openxmlformats.org/officeDocument/2006/relationships" xmlns:p="http://schemas.openxmlformats.org/presentationml/2006/main">
+  <p:cSld>
+    <p:spTree>
+      <p:nvGrpSpPr>
+        <p:cNvPr id="1" name=""/>
+        <p:cNvGrpSpPr/>
+        <p:nvPr/>
+      </p:nvGrpSpPr>
+      <p:grpSpPr>
+        <a:xfrm>
+          <a:off x="0" y="0"/>
+          <a:ext cx="0" cy="0"/>
+          <a:chOff x="0" y="0"/>
+          <a:chExt cx="0" cy="0"/>
+        </a:xfrm>
+      </p:grpSpPr>
+      <p:sp>
+        <p:nvSpPr>
+          <p:cNvPr id="2" name="Título 1">
+            <a:extLst>
+              <a:ext uri="{FF2B5EF4-FFF2-40B4-BE49-F238E27FC236}">
+                <a16:creationId xmlns:a16="http://schemas.microsoft.com/office/drawing/2014/main" id="{2803188B-252D-430D-95B5-2E9ABC5D9BF2}"/>
+              </a:ext>
+            </a:extLst>
+          </p:cNvPr>
+          <p:cNvSpPr>
+            <a:spLocks noGrp="1"/>
+          </p:cNvSpPr>
+          <p:nvPr>
+            <p:ph type="title"/>
+          </p:nvPr>
+        </p:nvSpPr>
+        <p:spPr/>
+        <p:txBody>
+          <a:bodyPr/>
+          <a:lstStyle/>
+          <a:p>
+            <a:r>
+              <a:rPr lang="pt-BR" dirty="0" err="1"/>
+              <a:t>Webpack</a:t>
+            </a:r>
+            <a:r>
+              <a:rPr lang="pt-BR" dirty="0"/>
+              <a:t> </a:t>
+            </a:r>
+            <a:r>
+              <a:rPr lang="pt-BR" dirty="0" err="1"/>
+              <a:t>Bundle</a:t>
+            </a:r>
+            <a:r>
+              <a:rPr lang="pt-BR" dirty="0"/>
+              <a:t> </a:t>
+            </a:r>
+            <a:r>
+              <a:rPr lang="pt-BR" dirty="0" err="1"/>
+              <a:t>Analyzer</a:t>
+            </a:r>
+            <a:endParaRPr lang="pt-BR" dirty="0"/>
+          </a:p>
+        </p:txBody>
+      </p:sp>
+      <p:pic>
+        <p:nvPicPr>
+          <p:cNvPr id="4" name="Imagem 3">
+            <a:extLst>
+              <a:ext uri="{FF2B5EF4-FFF2-40B4-BE49-F238E27FC236}">
+                <a16:creationId xmlns:a16="http://schemas.microsoft.com/office/drawing/2014/main" id="{AB9B9390-BABF-470D-A24A-655D32FD4787}"/>
+              </a:ext>
+            </a:extLst>
+          </p:cNvPr>
+          <p:cNvPicPr>
+            <a:picLocks noChangeAspect="1"/>
+          </p:cNvPicPr>
+          <p:nvPr/>
+        </p:nvPicPr>
+        <p:blipFill>
+          <a:blip r:embed="rId2"/>
+          <a:stretch>
+            <a:fillRect/>
+          </a:stretch>
+        </p:blipFill>
+        <p:spPr>
+          <a:xfrm>
+            <a:off x="1247948" y="1799706"/>
+            <a:ext cx="9757064" cy="4483945"/>
+          </a:xfrm>
+          <a:prstGeom prst="rect">
+            <a:avLst/>
+          </a:prstGeom>
+        </p:spPr>
+      </p:pic>
+      <p:sp>
+        <p:nvSpPr>
+          <p:cNvPr id="5" name="CaixaDeTexto 4">
+            <a:extLst>
+              <a:ext uri="{FF2B5EF4-FFF2-40B4-BE49-F238E27FC236}">
+                <a16:creationId xmlns:a16="http://schemas.microsoft.com/office/drawing/2014/main" id="{235FD294-A6AF-4923-97F0-2BE8DF0E5B85}"/>
+              </a:ext>
+            </a:extLst>
+          </p:cNvPr>
+          <p:cNvSpPr txBox="1"/>
+          <p:nvPr/>
+        </p:nvSpPr>
+        <p:spPr>
+          <a:xfrm>
+            <a:off x="342900" y="5257801"/>
+            <a:ext cx="2369127" cy="369332"/>
+          </a:xfrm>
+          <a:prstGeom prst="rect">
+            <a:avLst/>
+          </a:prstGeom>
+          <a:noFill/>
+        </p:spPr>
+        <p:txBody>
+          <a:bodyPr wrap="square" rtlCol="0">
+            <a:spAutoFit/>
+          </a:bodyPr>
+          <a:lstStyle/>
+          <a:p>
+            <a:r>
+              <a:rPr lang="pt-BR" dirty="0">
+                <a:solidFill>
+                  <a:srgbClr val="FF0000"/>
+                </a:solidFill>
+                <a:hlinkClick r:id="rId3">
+                  <a:extLst>
+                    <a:ext uri="{A12FA001-AC4F-418D-AE19-62706E023703}">
+                      <ahyp:hlinkClr xmlns:ahyp="http://schemas.microsoft.com/office/drawing/2018/hyperlinkcolor" val="tx"/>
+                    </a:ext>
+                  </a:extLst>
+                </a:hlinkClick>
+              </a:rPr>
+              <a:t>http://127.0.0.1:8888/</a:t>
+            </a:r>
+            <a:endParaRPr lang="pt-BR" dirty="0">
+              <a:solidFill>
+                <a:srgbClr val="FF0000"/>
+              </a:solidFill>
+            </a:endParaRPr>
+          </a:p>
+        </p:txBody>
+      </p:sp>
+    </p:spTree>
+    <p:extLst>
+      <p:ext uri="{BB962C8B-B14F-4D97-AF65-F5344CB8AC3E}">
+        <p14:creationId xmlns:p14="http://schemas.microsoft.com/office/powerpoint/2010/main" val="319671375"/>
+      </p:ext>
+    </p:extLst>
+  </p:cSld>
+  <p:clrMapOvr>
+    <a:masterClrMapping/>
+  </p:clrMapOvr>
+</p:sld>
+</file>
+
+<file path=ppt/slides/slide25.xml><?xml version="1.0" encoding="utf-8"?>
+<p:sld xmlns:a="http://schemas.openxmlformats.org/drawingml/2006/main" xmlns:r="http://schemas.openxmlformats.org/officeDocument/2006/relationships" xmlns:p="http://schemas.openxmlformats.org/presentationml/2006/main">
+  <p:cSld>
+    <p:spTree>
+      <p:nvGrpSpPr>
+        <p:cNvPr id="1" name=""/>
+        <p:cNvGrpSpPr/>
+        <p:nvPr/>
+      </p:nvGrpSpPr>
+      <p:grpSpPr>
+        <a:xfrm>
+          <a:off x="0" y="0"/>
+          <a:ext cx="0" cy="0"/>
+          <a:chOff x="0" y="0"/>
+          <a:chExt cx="0" cy="0"/>
+        </a:xfrm>
+      </p:grpSpPr>
+      <p:sp>
+        <p:nvSpPr>
           <p:cNvPr id="2" name="Título 1"/>
           <p:cNvSpPr>
             <a:spLocks noGrp="1"/>
@@ -7109,7 +13156,7 @@
 </p:sld>
 </file>
 
-<file path=ppt/slides/slide11.xml><?xml version="1.0" encoding="utf-8"?>
+<file path=ppt/slides/slide26.xml><?xml version="1.0" encoding="utf-8"?>
 <p:sld xmlns:a="http://schemas.openxmlformats.org/drawingml/2006/main" xmlns:r="http://schemas.openxmlformats.org/officeDocument/2006/relationships" xmlns:p="http://schemas.openxmlformats.org/presentationml/2006/main">
   <p:cSld>
     <p:spTree>
@@ -7602,106 +13649,6 @@
 </p:sld>
 </file>
 
-<file path=ppt/slides/slide2.xml><?xml version="1.0" encoding="utf-8"?>
-<p:sld xmlns:a="http://schemas.openxmlformats.org/drawingml/2006/main" xmlns:r="http://schemas.openxmlformats.org/officeDocument/2006/relationships" xmlns:p="http://schemas.openxmlformats.org/presentationml/2006/main">
-  <p:cSld>
-    <p:spTree>
-      <p:nvGrpSpPr>
-        <p:cNvPr id="1" name=""/>
-        <p:cNvGrpSpPr/>
-        <p:nvPr/>
-      </p:nvGrpSpPr>
-      <p:grpSpPr>
-        <a:xfrm>
-          <a:off x="0" y="0"/>
-          <a:ext cx="0" cy="0"/>
-          <a:chOff x="0" y="0"/>
-          <a:chExt cx="0" cy="0"/>
-        </a:xfrm>
-      </p:grpSpPr>
-      <p:sp>
-        <p:nvSpPr>
-          <p:cNvPr id="2" name="Título 1">
-            <a:extLst>
-              <a:ext uri="{FF2B5EF4-FFF2-40B4-BE49-F238E27FC236}">
-                <a16:creationId xmlns:a16="http://schemas.microsoft.com/office/drawing/2014/main" id="{D7A6F1CE-DF35-4E98-AF10-87BA824D1D31}"/>
-              </a:ext>
-            </a:extLst>
-          </p:cNvPr>
-          <p:cNvSpPr>
-            <a:spLocks noGrp="1"/>
-          </p:cNvSpPr>
-          <p:nvPr>
-            <p:ph type="title"/>
-          </p:nvPr>
-        </p:nvSpPr>
-        <p:spPr/>
-        <p:txBody>
-          <a:bodyPr/>
-          <a:lstStyle/>
-          <a:p>
-            <a:r>
-              <a:rPr lang="pt-BR" dirty="0"/>
-              <a:t>Problema?</a:t>
-            </a:r>
-          </a:p>
-        </p:txBody>
-      </p:sp>
-      <p:sp>
-        <p:nvSpPr>
-          <p:cNvPr id="3" name="Espaço Reservado para Conteúdo 2">
-            <a:extLst>
-              <a:ext uri="{FF2B5EF4-FFF2-40B4-BE49-F238E27FC236}">
-                <a16:creationId xmlns:a16="http://schemas.microsoft.com/office/drawing/2014/main" id="{82796B62-9515-46BF-BE42-1329D2839650}"/>
-              </a:ext>
-            </a:extLst>
-          </p:cNvPr>
-          <p:cNvSpPr>
-            <a:spLocks noGrp="1"/>
-          </p:cNvSpPr>
-          <p:nvPr>
-            <p:ph idx="1"/>
-          </p:nvPr>
-        </p:nvSpPr>
-        <p:spPr/>
-        <p:txBody>
-          <a:bodyPr>
-            <a:normAutofit/>
-          </a:bodyPr>
-          <a:lstStyle/>
-          <a:p>
-            <a:endParaRPr lang="pt-BR" sz="3200" dirty="0"/>
-          </a:p>
-          <a:p>
-            <a:pPr algn="just"/>
-            <a:r>
-              <a:rPr lang="pt-BR" sz="3200" dirty="0"/>
-              <a:t>     Carregamento inicial lento de uma SPA (Single Page </a:t>
-            </a:r>
-            <a:r>
-              <a:rPr lang="pt-BR" sz="3200" dirty="0" err="1"/>
-              <a:t>Application</a:t>
-            </a:r>
-            <a:r>
-              <a:rPr lang="pt-BR" sz="3200" dirty="0"/>
-              <a:t>).</a:t>
-            </a:r>
-          </a:p>
-        </p:txBody>
-      </p:sp>
-    </p:spTree>
-    <p:extLst>
-      <p:ext uri="{BB962C8B-B14F-4D97-AF65-F5344CB8AC3E}">
-        <p14:creationId xmlns:p14="http://schemas.microsoft.com/office/powerpoint/2010/main" val="267793671"/>
-      </p:ext>
-    </p:extLst>
-  </p:cSld>
-  <p:clrMapOvr>
-    <a:masterClrMapping/>
-  </p:clrMapOvr>
-</p:sld>
-</file>
-
 <file path=ppt/slides/slide3.xml><?xml version="1.0" encoding="utf-8"?>
 <p:sld xmlns:a="http://schemas.openxmlformats.org/drawingml/2006/main" xmlns:r="http://schemas.openxmlformats.org/officeDocument/2006/relationships" xmlns:p="http://schemas.openxmlformats.org/presentationml/2006/main">
   <p:cSld>
@@ -7765,8 +13712,8 @@
         </p:nvSpPr>
         <p:spPr>
           <a:xfrm>
-            <a:off x="1097280" y="1845734"/>
-            <a:ext cx="10058400" cy="4023360"/>
+            <a:off x="2753267" y="2812487"/>
+            <a:ext cx="6746426" cy="1233026"/>
           </a:xfrm>
         </p:spPr>
         <p:txBody>
@@ -7775,14 +13722,7 @@
           </a:bodyPr>
           <a:lstStyle/>
           <a:p>
-            <a:endParaRPr lang="pt-BR" sz="3200" dirty="0"/>
-          </a:p>
-          <a:p>
-            <a:pPr algn="just"/>
-            <a:r>
-              <a:rPr lang="pt-BR" sz="3200" dirty="0"/>
-              <a:t>     </a:t>
-            </a:r>
+            <a:pPr algn="ctr"/>
             <a:r>
               <a:rPr lang="pt-BR" sz="3200" dirty="0" err="1"/>
               <a:t>Lazy</a:t>
@@ -7795,9 +13735,13 @@
               <a:rPr lang="pt-BR" sz="3200" dirty="0" err="1"/>
               <a:t>Loading</a:t>
             </a:r>
+            <a:endParaRPr lang="pt-BR" sz="3200" dirty="0"/>
+          </a:p>
+          <a:p>
+            <a:pPr algn="ctr"/>
             <a:r>
               <a:rPr lang="pt-BR" sz="3200" dirty="0"/>
-              <a:t> (Carregamento postergado de módulos)</a:t>
+              <a:t>(Carregamento postergado de módulos)</a:t>
             </a:r>
           </a:p>
         </p:txBody>
@@ -7878,23 +13822,27 @@
         </p:nvSpPr>
         <p:spPr>
           <a:xfrm>
-            <a:off x="1097280" y="1845734"/>
-            <a:ext cx="10058400" cy="4023360"/>
+            <a:off x="3305821" y="2867015"/>
+            <a:ext cx="5580357" cy="1123969"/>
           </a:xfrm>
         </p:spPr>
         <p:txBody>
           <a:bodyPr>
-            <a:normAutofit/>
+            <a:normAutofit lnSpcReduction="10000"/>
           </a:bodyPr>
           <a:lstStyle/>
           <a:p>
-            <a:endParaRPr lang="pt-BR" sz="3200" dirty="0"/>
-          </a:p>
-          <a:p>
-            <a:pPr algn="just"/>
+            <a:pPr algn="ctr"/>
             <a:r>
               <a:rPr lang="pt-BR" sz="3200" dirty="0"/>
-              <a:t>     Organizar o sistema em módulos e trabalhar com rotas.</a:t>
+              <a:t>Organizar o sistema em módulos</a:t>
+            </a:r>
+          </a:p>
+          <a:p>
+            <a:pPr algn="ctr"/>
+            <a:r>
+              <a:rPr lang="pt-BR" sz="3200" dirty="0"/>
+              <a:t>e trabalhar com rotas.</a:t>
             </a:r>
           </a:p>
         </p:txBody>
@@ -7973,28 +13921,38 @@
             <p:ph idx="1"/>
           </p:nvPr>
         </p:nvSpPr>
-        <p:spPr/>
-        <p:txBody>
-          <a:bodyPr/>
+        <p:spPr>
+          <a:xfrm>
+            <a:off x="1992944" y="2837654"/>
+            <a:ext cx="8206111" cy="1182692"/>
+          </a:xfrm>
+        </p:spPr>
+        <p:txBody>
+          <a:bodyPr>
+            <a:normAutofit/>
+          </a:bodyPr>
           <a:lstStyle/>
           <a:p>
-            <a:r>
-              <a:rPr lang="pt-BR" dirty="0"/>
-              <a:t>- Retirar todos os </a:t>
-            </a:r>
-            <a:r>
-              <a:rPr lang="pt-BR" dirty="0" err="1"/>
+            <a:pPr algn="ctr"/>
+            <a:r>
+              <a:rPr lang="pt-BR" sz="3200" dirty="0"/>
+              <a:t>Retirar todos os </a:t>
+            </a:r>
+            <a:r>
+              <a:rPr lang="pt-BR" sz="3200" dirty="0" err="1"/>
               <a:t>imports</a:t>
             </a:r>
             <a:r>
-              <a:rPr lang="pt-BR" dirty="0"/>
-              <a:t> de módulos que terão carregamento postergado, normalmente localizados em </a:t>
-            </a:r>
-            <a:r>
-              <a:rPr lang="pt-BR" dirty="0" err="1"/>
-              <a:t>app.module.ts</a:t>
-            </a:r>
-            <a:endParaRPr lang="pt-BR" dirty="0"/>
+              <a:rPr lang="pt-BR" sz="3200" dirty="0"/>
+              <a:t> e referências </a:t>
+            </a:r>
+          </a:p>
+          <a:p>
+            <a:pPr algn="ctr"/>
+            <a:r>
+              <a:rPr lang="pt-BR" sz="3200" dirty="0"/>
+              <a:t>de módulos que terão carregamento postergado</a:t>
+            </a:r>
           </a:p>
         </p:txBody>
       </p:sp>
@@ -8074,32 +14032,34 @@
         </p:nvSpPr>
         <p:spPr>
           <a:xfrm>
-            <a:off x="1295400" y="1357155"/>
-            <a:ext cx="10058400" cy="668337"/>
+            <a:off x="845127" y="1357155"/>
+            <a:ext cx="10699173" cy="668337"/>
           </a:xfrm>
         </p:spPr>
         <p:txBody>
-          <a:bodyPr/>
+          <a:bodyPr>
+            <a:noAutofit/>
+          </a:bodyPr>
           <a:lstStyle/>
           <a:p>
             <a:pPr marL="0" indent="0">
               <a:buNone/>
             </a:pPr>
             <a:r>
-              <a:rPr lang="pt-BR" dirty="0"/>
+              <a:rPr lang="pt-BR" sz="2400" dirty="0"/>
               <a:t>Na rota principal (app-</a:t>
             </a:r>
             <a:r>
-              <a:rPr lang="pt-BR" dirty="0" err="1"/>
+              <a:rPr lang="pt-BR" sz="2400" dirty="0" err="1"/>
               <a:t>routing.module.ts</a:t>
             </a:r>
             <a:r>
-              <a:rPr lang="pt-BR" dirty="0"/>
+              <a:rPr lang="pt-BR" sz="2400" dirty="0"/>
               <a:t>), ao invés de criar uma rota para um componente do módulo, cria-se uma rota para o módulo com a sintaxe abaixo:</a:t>
             </a:r>
           </a:p>
           <a:p>
-            <a:endParaRPr lang="pt-BR" dirty="0"/>
+            <a:endParaRPr lang="pt-BR" sz="2400" dirty="0"/>
           </a:p>
         </p:txBody>
       </p:sp>
@@ -8252,56 +14212,56 @@
           </a:p>
           <a:p>
             <a:r>
-              <a:rPr lang="pt-BR" sz="1400" dirty="0" err="1">
+              <a:rPr lang="pt-BR" sz="1400" b="1" dirty="0" err="1">
                 <a:latin typeface="Courier New" panose="02070309020205020404" pitchFamily="49" charset="0"/>
                 <a:cs typeface="Courier New" panose="02070309020205020404" pitchFamily="49" charset="0"/>
               </a:rPr>
               <a:t>import</a:t>
             </a:r>
             <a:r>
-              <a:rPr lang="pt-BR" sz="1400" dirty="0">
+              <a:rPr lang="pt-BR" sz="1400" b="1" dirty="0">
                 <a:latin typeface="Courier New" panose="02070309020205020404" pitchFamily="49" charset="0"/>
                 <a:cs typeface="Courier New" panose="02070309020205020404" pitchFamily="49" charset="0"/>
               </a:rPr>
               <a:t> { </a:t>
             </a:r>
             <a:r>
-              <a:rPr lang="pt-BR" sz="1400" dirty="0" err="1">
+              <a:rPr lang="pt-BR" sz="1400" b="1" dirty="0" err="1">
                 <a:latin typeface="Courier New" panose="02070309020205020404" pitchFamily="49" charset="0"/>
                 <a:cs typeface="Courier New" panose="02070309020205020404" pitchFamily="49" charset="0"/>
               </a:rPr>
               <a:t>DashboardComponent</a:t>
             </a:r>
             <a:r>
-              <a:rPr lang="pt-BR" sz="1400" dirty="0">
+              <a:rPr lang="pt-BR" sz="1400" b="1" dirty="0">
                 <a:latin typeface="Courier New" panose="02070309020205020404" pitchFamily="49" charset="0"/>
                 <a:cs typeface="Courier New" panose="02070309020205020404" pitchFamily="49" charset="0"/>
               </a:rPr>
               <a:t> } </a:t>
             </a:r>
             <a:r>
-              <a:rPr lang="pt-BR" sz="1400" dirty="0" err="1">
+              <a:rPr lang="pt-BR" sz="1400" b="1" dirty="0" err="1">
                 <a:latin typeface="Courier New" panose="02070309020205020404" pitchFamily="49" charset="0"/>
                 <a:cs typeface="Courier New" panose="02070309020205020404" pitchFamily="49" charset="0"/>
               </a:rPr>
               <a:t>from</a:t>
             </a:r>
             <a:r>
-              <a:rPr lang="pt-BR" sz="1400" dirty="0">
+              <a:rPr lang="pt-BR" sz="1400" b="1" dirty="0">
                 <a:latin typeface="Courier New" panose="02070309020205020404" pitchFamily="49" charset="0"/>
                 <a:cs typeface="Courier New" panose="02070309020205020404" pitchFamily="49" charset="0"/>
               </a:rPr>
               <a:t> './dashboard/</a:t>
             </a:r>
             <a:r>
-              <a:rPr lang="pt-BR" sz="1400" dirty="0" err="1">
+              <a:rPr lang="pt-BR" sz="1400" b="1" dirty="0" err="1">
                 <a:latin typeface="Courier New" panose="02070309020205020404" pitchFamily="49" charset="0"/>
                 <a:cs typeface="Courier New" panose="02070309020205020404" pitchFamily="49" charset="0"/>
               </a:rPr>
               <a:t>dashboard.component</a:t>
             </a:r>
             <a:r>
-              <a:rPr lang="pt-BR" sz="1400" dirty="0">
+              <a:rPr lang="pt-BR" sz="1400" b="1" dirty="0">
                 <a:latin typeface="Courier New" panose="02070309020205020404" pitchFamily="49" charset="0"/>
                 <a:cs typeface="Courier New" panose="02070309020205020404" pitchFamily="49" charset="0"/>
               </a:rPr>
@@ -8517,31 +14477,38 @@
                 <a:latin typeface="Courier New" panose="02070309020205020404" pitchFamily="49" charset="0"/>
                 <a:cs typeface="Courier New" panose="02070309020205020404" pitchFamily="49" charset="0"/>
               </a:rPr>
-              <a:t>  { path: 'dashboard', </a:t>
-            </a:r>
-            <a:r>
-              <a:rPr lang="pt-BR" sz="1400" dirty="0" err="1">
+              <a:t>  </a:t>
+            </a:r>
+            <a:r>
+              <a:rPr lang="pt-BR" sz="1400" b="1" dirty="0">
+                <a:latin typeface="Courier New" panose="02070309020205020404" pitchFamily="49" charset="0"/>
+                <a:cs typeface="Courier New" panose="02070309020205020404" pitchFamily="49" charset="0"/>
+              </a:rPr>
+              <a:t>{ path: 'dashboard', </a:t>
+            </a:r>
+            <a:r>
+              <a:rPr lang="pt-BR" sz="1400" b="1" dirty="0" err="1">
                 <a:latin typeface="Courier New" panose="02070309020205020404" pitchFamily="49" charset="0"/>
                 <a:cs typeface="Courier New" panose="02070309020205020404" pitchFamily="49" charset="0"/>
               </a:rPr>
               <a:t>component</a:t>
             </a:r>
             <a:r>
-              <a:rPr lang="pt-BR" sz="1400" dirty="0">
+              <a:rPr lang="pt-BR" sz="1400" b="1" dirty="0">
                 <a:latin typeface="Courier New" panose="02070309020205020404" pitchFamily="49" charset="0"/>
                 <a:cs typeface="Courier New" panose="02070309020205020404" pitchFamily="49" charset="0"/>
               </a:rPr>
               <a:t>: </a:t>
             </a:r>
             <a:r>
-              <a:rPr lang="pt-BR" sz="1400" dirty="0" err="1">
+              <a:rPr lang="pt-BR" sz="1400" b="1" dirty="0" err="1">
                 <a:latin typeface="Courier New" panose="02070309020205020404" pitchFamily="49" charset="0"/>
                 <a:cs typeface="Courier New" panose="02070309020205020404" pitchFamily="49" charset="0"/>
               </a:rPr>
               <a:t>DashboardComponent</a:t>
             </a:r>
             <a:r>
-              <a:rPr lang="pt-BR" sz="1400" dirty="0">
+              <a:rPr lang="pt-BR" sz="1400" b="1" dirty="0">
                 <a:latin typeface="Courier New" panose="02070309020205020404" pitchFamily="49" charset="0"/>
                 <a:cs typeface="Courier New" panose="02070309020205020404" pitchFamily="49" charset="0"/>
               </a:rPr>
@@ -9125,32 +15092,34 @@
         </p:nvSpPr>
         <p:spPr>
           <a:xfrm>
-            <a:off x="1295400" y="1357155"/>
-            <a:ext cx="10058400" cy="668337"/>
+            <a:off x="845126" y="1357155"/>
+            <a:ext cx="10699172" cy="668337"/>
           </a:xfrm>
         </p:spPr>
         <p:txBody>
-          <a:bodyPr/>
+          <a:bodyPr>
+            <a:noAutofit/>
+          </a:bodyPr>
           <a:lstStyle/>
           <a:p>
             <a:pPr marL="0" indent="0">
               <a:buNone/>
             </a:pPr>
             <a:r>
-              <a:rPr lang="pt-BR" dirty="0"/>
+              <a:rPr lang="pt-BR" sz="2400" dirty="0"/>
               <a:t>Na rota principal (app-</a:t>
             </a:r>
             <a:r>
-              <a:rPr lang="pt-BR" dirty="0" err="1"/>
+              <a:rPr lang="pt-BR" sz="2400" dirty="0" err="1"/>
               <a:t>routing.module.ts</a:t>
             </a:r>
             <a:r>
-              <a:rPr lang="pt-BR" dirty="0"/>
+              <a:rPr lang="pt-BR" sz="2400" dirty="0"/>
               <a:t>), ao invés de criar uma rota para um componente do módulo, cria-se uma rota para o módulo com a sintaxe abaixo:</a:t>
             </a:r>
           </a:p>
           <a:p>
-            <a:endParaRPr lang="pt-BR" dirty="0"/>
+            <a:endParaRPr lang="pt-BR" sz="2400" dirty="0"/>
           </a:p>
         </p:txBody>
       </p:sp>
@@ -10060,13 +16029,13 @@
         </p:nvSpPr>
         <p:spPr>
           <a:xfrm>
-            <a:off x="1295400" y="1357155"/>
-            <a:ext cx="10058400" cy="668337"/>
+            <a:off x="845127" y="1357155"/>
+            <a:ext cx="10699173" cy="668337"/>
           </a:xfrm>
         </p:spPr>
         <p:txBody>
           <a:bodyPr>
-            <a:normAutofit fontScale="92500" lnSpcReduction="10000"/>
+            <a:noAutofit/>
           </a:bodyPr>
           <a:lstStyle/>
           <a:p>
@@ -10074,7 +16043,7 @@
               <a:buNone/>
             </a:pPr>
             <a:r>
-              <a:rPr lang="pt-BR" dirty="0"/>
+              <a:rPr lang="pt-BR" sz="2400" dirty="0"/>
               <a:t>Criar um arquivo de rotas para cada módulo com carregamento postergado.</a:t>
             </a:r>
           </a:p>
@@ -10083,14 +16052,14 @@
               <a:buNone/>
             </a:pPr>
             <a:r>
-              <a:rPr lang="pt-BR" dirty="0"/>
+              <a:rPr lang="pt-BR" sz="2400" dirty="0"/>
               <a:t>Exemplo: clientes-</a:t>
             </a:r>
             <a:r>
-              <a:rPr lang="pt-BR" dirty="0" err="1"/>
+              <a:rPr lang="pt-BR" sz="2400" dirty="0" err="1"/>
               <a:t>routing.module.ts</a:t>
             </a:r>
-            <a:endParaRPr lang="pt-BR" dirty="0"/>
+            <a:endParaRPr lang="pt-BR" sz="2400" dirty="0"/>
           </a:p>
         </p:txBody>
       </p:sp>
